--- a/trunk/lectures/11. ASP.NET AJAX.pptx
+++ b/trunk/lectures/11. ASP.NET AJAX.pptx
@@ -5,15 +5,46 @@
     <p:sldMasterId id="2147483672" r:id="rId1"/>
   </p:sldMasterIdLst>
   <p:notesMasterIdLst>
-    <p:notesMasterId r:id="rId5"/>
+    <p:notesMasterId r:id="rId36"/>
   </p:notesMasterIdLst>
   <p:handoutMasterIdLst>
-    <p:handoutMasterId r:id="rId6"/>
+    <p:handoutMasterId r:id="rId37"/>
   </p:handoutMasterIdLst>
   <p:sldIdLst>
     <p:sldId id="320" r:id="rId2"/>
     <p:sldId id="321" r:id="rId3"/>
-    <p:sldId id="325" r:id="rId4"/>
+    <p:sldId id="346" r:id="rId4"/>
+    <p:sldId id="327" r:id="rId5"/>
+    <p:sldId id="329" r:id="rId6"/>
+    <p:sldId id="347" r:id="rId7"/>
+    <p:sldId id="330" r:id="rId8"/>
+    <p:sldId id="331" r:id="rId9"/>
+    <p:sldId id="333" r:id="rId10"/>
+    <p:sldId id="334" r:id="rId11"/>
+    <p:sldId id="335" r:id="rId12"/>
+    <p:sldId id="336" r:id="rId13"/>
+    <p:sldId id="337" r:id="rId14"/>
+    <p:sldId id="338" r:id="rId15"/>
+    <p:sldId id="339" r:id="rId16"/>
+    <p:sldId id="340" r:id="rId17"/>
+    <p:sldId id="343" r:id="rId18"/>
+    <p:sldId id="344" r:id="rId19"/>
+    <p:sldId id="345" r:id="rId20"/>
+    <p:sldId id="348" r:id="rId21"/>
+    <p:sldId id="350" r:id="rId22"/>
+    <p:sldId id="357" r:id="rId23"/>
+    <p:sldId id="352" r:id="rId24"/>
+    <p:sldId id="351" r:id="rId25"/>
+    <p:sldId id="354" r:id="rId26"/>
+    <p:sldId id="353" r:id="rId27"/>
+    <p:sldId id="355" r:id="rId28"/>
+    <p:sldId id="356" r:id="rId29"/>
+    <p:sldId id="358" r:id="rId30"/>
+    <p:sldId id="359" r:id="rId31"/>
+    <p:sldId id="361" r:id="rId32"/>
+    <p:sldId id="325" r:id="rId33"/>
+    <p:sldId id="326" r:id="rId34"/>
+    <p:sldId id="360" r:id="rId35"/>
   </p:sldIdLst>
   <p:sldSz cx="9144000" cy="6858000" type="screen4x3"/>
   <p:notesSz cx="6881813" cy="9296400"/>
@@ -260,7 +291,7 @@
             <a:fld id="{3BF7C7B5-275F-4D1F-9AB4-9255447DBC73}" type="datetimeFigureOut">
               <a:rPr lang="en-US"/>
               <a:pPr/>
-              <a:t>1/14/2010</a:t>
+              <a:t>5/5/2010</a:t>
             </a:fld>
             <a:endParaRPr lang="en-US" dirty="0"/>
           </a:p>
@@ -486,7 +517,7 @@
             <a:fld id="{9B46F231-FB2B-4655-A644-E2477325E686}" type="datetimeFigureOut">
               <a:rPr lang="en-US"/>
               <a:pPr/>
-              <a:t>1/14/2010</a:t>
+              <a:t>5/5/2010</a:t>
             </a:fld>
             <a:endParaRPr lang="en-US" dirty="0"/>
           </a:p>
@@ -822,6 +853,1922 @@
     </a:lvl9pPr>
   </p:notesStyle>
 </p:notesMaster>
+</file>
+
+<file path=ppt/notesSlides/notesSlide1.xml><?xml version="1.0" encoding="utf-8"?>
+<p:notes xmlns:a="http://schemas.openxmlformats.org/drawingml/2006/main" xmlns:r="http://schemas.openxmlformats.org/officeDocument/2006/relationships" xmlns:p="http://schemas.openxmlformats.org/presentationml/2006/main">
+  <p:cSld>
+    <p:spTree>
+      <p:nvGrpSpPr>
+        <p:cNvPr id="1" name=""/>
+        <p:cNvGrpSpPr/>
+        <p:nvPr/>
+      </p:nvGrpSpPr>
+      <p:grpSpPr>
+        <a:xfrm>
+          <a:off x="0" y="0"/>
+          <a:ext cx="0" cy="0"/>
+          <a:chOff x="0" y="0"/>
+          <a:chExt cx="0" cy="0"/>
+        </a:xfrm>
+      </p:grpSpPr>
+      <p:sp>
+        <p:nvSpPr>
+          <p:cNvPr id="4" name="Rectangle 6"/>
+          <p:cNvSpPr>
+            <a:spLocks noGrp="1" noChangeArrowheads="1"/>
+          </p:cNvSpPr>
+          <p:nvPr>
+            <p:ph type="ftr" sz="quarter" idx="4"/>
+          </p:nvPr>
+        </p:nvSpPr>
+        <p:spPr>
+          <a:ln/>
+        </p:spPr>
+        <p:txBody>
+          <a:bodyPr/>
+          <a:lstStyle/>
+          <a:p>
+            <a:r>
+              <a:rPr lang="en-US"/>
+              <a:t>(c) 2005 National Academy for Software Development - http://academy.devbg.org. All rights reserved. Unauthorized copying or re-distribution is strictly prohibited.*</a:t>
+            </a:r>
+            <a:endParaRPr lang="en-US" sz="1200" i="0"/>
+          </a:p>
+        </p:txBody>
+      </p:sp>
+      <p:sp>
+        <p:nvSpPr>
+          <p:cNvPr id="5" name="Rectangle 7"/>
+          <p:cNvSpPr>
+            <a:spLocks noGrp="1" noChangeArrowheads="1"/>
+          </p:cNvSpPr>
+          <p:nvPr>
+            <p:ph type="sldNum" sz="quarter" idx="5"/>
+          </p:nvPr>
+        </p:nvSpPr>
+        <p:spPr>
+          <a:ln/>
+        </p:spPr>
+        <p:txBody>
+          <a:bodyPr/>
+          <a:lstStyle/>
+          <a:p>
+            <a:fld id="{875053F6-C754-41A6-A100-9C94840B5E32}" type="slidenum">
+              <a:rPr lang="en-US"/>
+              <a:pPr/>
+              <a:t>3</a:t>
+            </a:fld>
+            <a:r>
+              <a:rPr lang="en-US"/>
+              <a:t>##</a:t>
+            </a:r>
+            <a:endParaRPr lang="en-US" sz="1200" i="0"/>
+          </a:p>
+        </p:txBody>
+      </p:sp>
+      <p:sp>
+        <p:nvSpPr>
+          <p:cNvPr id="468994" name="Rectangle 2"/>
+          <p:cNvSpPr>
+            <a:spLocks noGrp="1" noRot="1" noChangeAspect="1" noChangeArrowheads="1" noTextEdit="1"/>
+          </p:cNvSpPr>
+          <p:nvPr>
+            <p:ph type="sldImg"/>
+          </p:nvPr>
+        </p:nvSpPr>
+        <p:spPr>
+          <a:ln/>
+        </p:spPr>
+      </p:sp>
+      <p:sp>
+        <p:nvSpPr>
+          <p:cNvPr id="468995" name="Rectangle 3"/>
+          <p:cNvSpPr>
+            <a:spLocks noGrp="1" noChangeArrowheads="1"/>
+          </p:cNvSpPr>
+          <p:nvPr>
+            <p:ph type="body" idx="1"/>
+          </p:nvPr>
+        </p:nvSpPr>
+        <p:spPr/>
+        <p:txBody>
+          <a:bodyPr/>
+          <a:lstStyle/>
+          <a:p>
+            <a:endParaRPr lang="bg-BG"/>
+          </a:p>
+        </p:txBody>
+      </p:sp>
+    </p:spTree>
+  </p:cSld>
+  <p:clrMapOvr>
+    <a:masterClrMapping/>
+  </p:clrMapOvr>
+</p:notes>
+</file>
+
+<file path=ppt/notesSlides/notesSlide10.xml><?xml version="1.0" encoding="utf-8"?>
+<p:notes xmlns:a="http://schemas.openxmlformats.org/drawingml/2006/main" xmlns:r="http://schemas.openxmlformats.org/officeDocument/2006/relationships" xmlns:p="http://schemas.openxmlformats.org/presentationml/2006/main">
+  <p:cSld>
+    <p:spTree>
+      <p:nvGrpSpPr>
+        <p:cNvPr id="1" name=""/>
+        <p:cNvGrpSpPr/>
+        <p:nvPr/>
+      </p:nvGrpSpPr>
+      <p:grpSpPr>
+        <a:xfrm>
+          <a:off x="0" y="0"/>
+          <a:ext cx="0" cy="0"/>
+          <a:chOff x="0" y="0"/>
+          <a:chExt cx="0" cy="0"/>
+        </a:xfrm>
+      </p:grpSpPr>
+      <p:sp>
+        <p:nvSpPr>
+          <p:cNvPr id="2" name="Slide Image Placeholder 1"/>
+          <p:cNvSpPr>
+            <a:spLocks noGrp="1" noRot="1" noChangeAspect="1"/>
+          </p:cNvSpPr>
+          <p:nvPr>
+            <p:ph type="sldImg"/>
+          </p:nvPr>
+        </p:nvSpPr>
+        <p:spPr/>
+      </p:sp>
+      <p:sp>
+        <p:nvSpPr>
+          <p:cNvPr id="3" name="Notes Placeholder 2"/>
+          <p:cNvSpPr>
+            <a:spLocks noGrp="1"/>
+          </p:cNvSpPr>
+          <p:nvPr>
+            <p:ph type="body" idx="1"/>
+          </p:nvPr>
+        </p:nvSpPr>
+        <p:spPr/>
+        <p:txBody>
+          <a:bodyPr>
+            <a:normAutofit fontScale="77500" lnSpcReduction="20000"/>
+          </a:bodyPr>
+          <a:lstStyle/>
+          <a:p>
+            <a:r>
+              <a:rPr lang="en-US" dirty="0" smtClean="0"/>
+              <a:t>using System;</a:t>
+            </a:r>
+            <a:br>
+              <a:rPr lang="en-US" dirty="0" smtClean="0"/>
+            </a:br>
+            <a:r>
+              <a:rPr lang="en-US" dirty="0" smtClean="0"/>
+              <a:t>using </a:t>
+            </a:r>
+            <a:r>
+              <a:rPr lang="en-US" dirty="0" err="1" smtClean="0"/>
+              <a:t>System.Web</a:t>
+            </a:r>
+            <a:r>
+              <a:rPr lang="en-US" dirty="0" smtClean="0"/>
+              <a:t>;</a:t>
+            </a:r>
+            <a:br>
+              <a:rPr lang="en-US" dirty="0" smtClean="0"/>
+            </a:br>
+            <a:r>
+              <a:rPr lang="en-US" dirty="0" smtClean="0"/>
+              <a:t>using </a:t>
+            </a:r>
+            <a:r>
+              <a:rPr lang="en-US" dirty="0" err="1" smtClean="0"/>
+              <a:t>System.Collections.Generic</a:t>
+            </a:r>
+            <a:r>
+              <a:rPr lang="en-US" dirty="0" smtClean="0"/>
+              <a:t>;</a:t>
+            </a:r>
+            <a:br>
+              <a:rPr lang="en-US" dirty="0" smtClean="0"/>
+            </a:br>
+            <a:r>
+              <a:rPr lang="en-US" dirty="0" smtClean="0"/>
+              <a:t>using </a:t>
+            </a:r>
+            <a:r>
+              <a:rPr lang="en-US" dirty="0" err="1" smtClean="0"/>
+              <a:t>System.Runtime.Serialization.Json</a:t>
+            </a:r>
+            <a:r>
+              <a:rPr lang="en-US" dirty="0" smtClean="0"/>
+              <a:t>;</a:t>
+            </a:r>
+            <a:br>
+              <a:rPr lang="en-US" dirty="0" smtClean="0"/>
+            </a:br>
+            <a:r>
+              <a:rPr lang="en-US" dirty="0" smtClean="0"/>
+              <a:t/>
+            </a:r>
+            <a:br>
+              <a:rPr lang="en-US" dirty="0" smtClean="0"/>
+            </a:br>
+            <a:r>
+              <a:rPr lang="en-US" dirty="0" smtClean="0"/>
+              <a:t>public class </a:t>
+            </a:r>
+            <a:r>
+              <a:rPr lang="en-US" dirty="0" err="1" smtClean="0"/>
+              <a:t>GetStreetsByPostCode</a:t>
+            </a:r>
+            <a:r>
+              <a:rPr lang="en-US" dirty="0" smtClean="0"/>
+              <a:t> : </a:t>
+            </a:r>
+            <a:r>
+              <a:rPr lang="en-US" dirty="0" err="1" smtClean="0"/>
+              <a:t>IHttpHandler</a:t>
+            </a:r>
+            <a:r>
+              <a:rPr lang="en-US" dirty="0" smtClean="0"/>
+              <a:t/>
+            </a:r>
+            <a:br>
+              <a:rPr lang="en-US" dirty="0" smtClean="0"/>
+            </a:br>
+            <a:r>
+              <a:rPr lang="en-US" dirty="0" smtClean="0"/>
+              <a:t>{</a:t>
+            </a:r>
+            <a:br>
+              <a:rPr lang="en-US" dirty="0" smtClean="0"/>
+            </a:br>
+            <a:r>
+              <a:rPr lang="en-US" dirty="0" smtClean="0"/>
+              <a:t>  public void </a:t>
+            </a:r>
+            <a:r>
+              <a:rPr lang="en-US" dirty="0" err="1" smtClean="0"/>
+              <a:t>ProcessRequest</a:t>
+            </a:r>
+            <a:r>
+              <a:rPr lang="en-US" dirty="0" smtClean="0"/>
+              <a:t>(</a:t>
+            </a:r>
+            <a:r>
+              <a:rPr lang="en-US" dirty="0" err="1" smtClean="0"/>
+              <a:t>HttpContext</a:t>
+            </a:r>
+            <a:r>
+              <a:rPr lang="en-US" dirty="0" smtClean="0"/>
+              <a:t> context)</a:t>
+            </a:r>
+            <a:br>
+              <a:rPr lang="en-US" dirty="0" smtClean="0"/>
+            </a:br>
+            <a:r>
+              <a:rPr lang="en-US" dirty="0" smtClean="0"/>
+              <a:t>  {</a:t>
+            </a:r>
+            <a:br>
+              <a:rPr lang="en-US" dirty="0" smtClean="0"/>
+            </a:br>
+            <a:r>
+              <a:rPr lang="en-US" dirty="0" smtClean="0"/>
+              <a:t>    List&lt;string&gt; streets = new List&lt;string&gt;();</a:t>
+            </a:r>
+            <a:br>
+              <a:rPr lang="en-US" dirty="0" smtClean="0"/>
+            </a:br>
+            <a:r>
+              <a:rPr lang="en-US" dirty="0" smtClean="0"/>
+              <a:t>    </a:t>
+            </a:r>
+            <a:r>
+              <a:rPr lang="en-US" dirty="0" err="1" smtClean="0"/>
+              <a:t>int</a:t>
+            </a:r>
+            <a:r>
+              <a:rPr lang="en-US" dirty="0" smtClean="0"/>
+              <a:t> </a:t>
+            </a:r>
+            <a:r>
+              <a:rPr lang="en-US" dirty="0" err="1" smtClean="0"/>
+              <a:t>postCode</a:t>
+            </a:r>
+            <a:r>
+              <a:rPr lang="en-US" dirty="0" smtClean="0"/>
+              <a:t>;</a:t>
+            </a:r>
+            <a:br>
+              <a:rPr lang="en-US" dirty="0" smtClean="0"/>
+            </a:br>
+            <a:r>
+              <a:rPr lang="en-US" dirty="0" smtClean="0"/>
+              <a:t>    string </a:t>
+            </a:r>
+            <a:r>
+              <a:rPr lang="en-US" dirty="0" err="1" smtClean="0"/>
+              <a:t>postCodeParameter</a:t>
+            </a:r>
+            <a:r>
+              <a:rPr lang="en-US" dirty="0" smtClean="0"/>
+              <a:t> = </a:t>
+            </a:r>
+            <a:r>
+              <a:rPr lang="en-US" dirty="0" err="1" smtClean="0"/>
+              <a:t>context.Request.QueryString</a:t>
+            </a:r>
+            <a:r>
+              <a:rPr lang="en-US" dirty="0" smtClean="0"/>
+              <a:t>["code"];</a:t>
+            </a:r>
+            <a:br>
+              <a:rPr lang="en-US" dirty="0" smtClean="0"/>
+            </a:br>
+            <a:r>
+              <a:rPr lang="en-US" dirty="0" smtClean="0"/>
+              <a:t>   </a:t>
+            </a:r>
+            <a:br>
+              <a:rPr lang="en-US" dirty="0" smtClean="0"/>
+            </a:br>
+            <a:r>
+              <a:rPr lang="en-US" dirty="0" smtClean="0"/>
+              <a:t>    if (!</a:t>
+            </a:r>
+            <a:r>
+              <a:rPr lang="en-US" dirty="0" err="1" smtClean="0"/>
+              <a:t>String.IsNullOrEmpty</a:t>
+            </a:r>
+            <a:r>
+              <a:rPr lang="en-US" dirty="0" smtClean="0"/>
+              <a:t>(</a:t>
+            </a:r>
+            <a:r>
+              <a:rPr lang="en-US" dirty="0" err="1" smtClean="0"/>
+              <a:t>postCodeParameter</a:t>
+            </a:r>
+            <a:r>
+              <a:rPr lang="en-US" dirty="0" smtClean="0"/>
+              <a:t>) &amp;&amp;</a:t>
+            </a:r>
+            <a:br>
+              <a:rPr lang="en-US" dirty="0" smtClean="0"/>
+            </a:br>
+            <a:r>
+              <a:rPr lang="en-US" dirty="0" smtClean="0"/>
+              <a:t>        </a:t>
+            </a:r>
+            <a:r>
+              <a:rPr lang="en-US" dirty="0" err="1" smtClean="0"/>
+              <a:t>int.TryParse</a:t>
+            </a:r>
+            <a:r>
+              <a:rPr lang="en-US" dirty="0" smtClean="0"/>
+              <a:t>(</a:t>
+            </a:r>
+            <a:r>
+              <a:rPr lang="en-US" dirty="0" err="1" smtClean="0"/>
+              <a:t>postCodeParameter</a:t>
+            </a:r>
+            <a:r>
+              <a:rPr lang="en-US" dirty="0" smtClean="0"/>
+              <a:t>, out </a:t>
+            </a:r>
+            <a:r>
+              <a:rPr lang="en-US" dirty="0" err="1" smtClean="0"/>
+              <a:t>postCode</a:t>
+            </a:r>
+            <a:r>
+              <a:rPr lang="en-US" dirty="0" smtClean="0"/>
+              <a:t>))</a:t>
+            </a:r>
+            <a:br>
+              <a:rPr lang="en-US" dirty="0" smtClean="0"/>
+            </a:br>
+            <a:r>
+              <a:rPr lang="en-US" dirty="0" smtClean="0"/>
+              <a:t>    {</a:t>
+            </a:r>
+            <a:br>
+              <a:rPr lang="en-US" dirty="0" smtClean="0"/>
+            </a:br>
+            <a:r>
+              <a:rPr lang="en-US" dirty="0" smtClean="0"/>
+              <a:t>      </a:t>
+            </a:r>
+            <a:r>
+              <a:rPr lang="en-US" dirty="0" err="1" smtClean="0"/>
+              <a:t>AddressService</a:t>
+            </a:r>
+            <a:r>
+              <a:rPr lang="en-US" dirty="0" smtClean="0"/>
+              <a:t> service = new </a:t>
+            </a:r>
+            <a:r>
+              <a:rPr lang="en-US" dirty="0" err="1" smtClean="0"/>
+              <a:t>AddressService</a:t>
+            </a:r>
+            <a:r>
+              <a:rPr lang="en-US" dirty="0" smtClean="0"/>
+              <a:t>();</a:t>
+            </a:r>
+            <a:br>
+              <a:rPr lang="en-US" dirty="0" smtClean="0"/>
+            </a:br>
+            <a:r>
+              <a:rPr lang="en-US" dirty="0" smtClean="0"/>
+              <a:t>      streets = </a:t>
+            </a:r>
+            <a:r>
+              <a:rPr lang="en-US" dirty="0" err="1" smtClean="0"/>
+              <a:t>service.GetAvailableStreetsByPostCode</a:t>
+            </a:r>
+            <a:r>
+              <a:rPr lang="en-US" dirty="0" smtClean="0"/>
+              <a:t>(</a:t>
+            </a:r>
+            <a:r>
+              <a:rPr lang="en-US" dirty="0" err="1" smtClean="0"/>
+              <a:t>postCode</a:t>
+            </a:r>
+            <a:r>
+              <a:rPr lang="en-US" dirty="0" smtClean="0"/>
+              <a:t>);</a:t>
+            </a:r>
+            <a:br>
+              <a:rPr lang="en-US" dirty="0" smtClean="0"/>
+            </a:br>
+            <a:r>
+              <a:rPr lang="en-US" dirty="0" smtClean="0"/>
+              <a:t>    }</a:t>
+            </a:r>
+            <a:br>
+              <a:rPr lang="en-US" dirty="0" smtClean="0"/>
+            </a:br>
+            <a:r>
+              <a:rPr lang="en-US" dirty="0" smtClean="0"/>
+              <a:t>   </a:t>
+            </a:r>
+            <a:br>
+              <a:rPr lang="en-US" dirty="0" smtClean="0"/>
+            </a:br>
+            <a:r>
+              <a:rPr lang="en-US" dirty="0" smtClean="0"/>
+              <a:t>    </a:t>
+            </a:r>
+            <a:r>
+              <a:rPr lang="en-US" dirty="0" err="1" smtClean="0"/>
+              <a:t>DataContractJsonSerializer</a:t>
+            </a:r>
+            <a:r>
+              <a:rPr lang="en-US" dirty="0" smtClean="0"/>
+              <a:t> </a:t>
+            </a:r>
+            <a:r>
+              <a:rPr lang="en-US" dirty="0" err="1" smtClean="0"/>
+              <a:t>serializer</a:t>
+            </a:r>
+            <a:r>
+              <a:rPr lang="en-US" dirty="0" smtClean="0"/>
+              <a:t> = new </a:t>
+            </a:r>
+            <a:r>
+              <a:rPr lang="en-US" dirty="0" err="1" smtClean="0"/>
+              <a:t>DataContractJsonSerializer</a:t>
+            </a:r>
+            <a:r>
+              <a:rPr lang="en-US" dirty="0" smtClean="0"/>
+              <a:t>(</a:t>
+            </a:r>
+            <a:r>
+              <a:rPr lang="en-US" dirty="0" err="1" smtClean="0"/>
+              <a:t>typeof</a:t>
+            </a:r>
+            <a:r>
+              <a:rPr lang="en-US" dirty="0" smtClean="0"/>
+              <a:t>(List&lt;string&gt;));</a:t>
+            </a:r>
+            <a:br>
+              <a:rPr lang="en-US" dirty="0" smtClean="0"/>
+            </a:br>
+            <a:r>
+              <a:rPr lang="en-US" dirty="0" smtClean="0"/>
+              <a:t>    </a:t>
+            </a:r>
+            <a:r>
+              <a:rPr lang="en-US" dirty="0" err="1" smtClean="0"/>
+              <a:t>serializer.WriteObject</a:t>
+            </a:r>
+            <a:r>
+              <a:rPr lang="en-US" dirty="0" smtClean="0"/>
+              <a:t>(</a:t>
+            </a:r>
+            <a:r>
+              <a:rPr lang="en-US" dirty="0" err="1" smtClean="0"/>
+              <a:t>context.Response.OutputStream</a:t>
+            </a:r>
+            <a:r>
+              <a:rPr lang="en-US" dirty="0" smtClean="0"/>
+              <a:t>, streets);</a:t>
+            </a:r>
+            <a:br>
+              <a:rPr lang="en-US" dirty="0" smtClean="0"/>
+            </a:br>
+            <a:r>
+              <a:rPr lang="en-US" dirty="0" smtClean="0"/>
+              <a:t/>
+            </a:r>
+            <a:br>
+              <a:rPr lang="en-US" dirty="0" smtClean="0"/>
+            </a:br>
+            <a:r>
+              <a:rPr lang="en-US" dirty="0" smtClean="0"/>
+              <a:t>    </a:t>
+            </a:r>
+            <a:r>
+              <a:rPr lang="en-US" dirty="0" err="1" smtClean="0"/>
+              <a:t>context.Response.ContentType</a:t>
+            </a:r>
+            <a:r>
+              <a:rPr lang="en-US" dirty="0" smtClean="0"/>
+              <a:t> = "application/</a:t>
+            </a:r>
+            <a:r>
+              <a:rPr lang="en-US" dirty="0" err="1" smtClean="0"/>
+              <a:t>json</a:t>
+            </a:r>
+            <a:r>
+              <a:rPr lang="en-US" dirty="0" smtClean="0"/>
+              <a:t>";</a:t>
+            </a:r>
+            <a:br>
+              <a:rPr lang="en-US" dirty="0" smtClean="0"/>
+            </a:br>
+            <a:r>
+              <a:rPr lang="en-US" dirty="0" smtClean="0"/>
+              <a:t>  }</a:t>
+            </a:r>
+            <a:br>
+              <a:rPr lang="en-US" dirty="0" smtClean="0"/>
+            </a:br>
+            <a:r>
+              <a:rPr lang="en-US" dirty="0" smtClean="0"/>
+              <a:t/>
+            </a:r>
+            <a:br>
+              <a:rPr lang="en-US" dirty="0" smtClean="0"/>
+            </a:br>
+            <a:r>
+              <a:rPr lang="en-US" dirty="0" smtClean="0"/>
+              <a:t>  public </a:t>
+            </a:r>
+            <a:r>
+              <a:rPr lang="en-US" dirty="0" err="1" smtClean="0"/>
+              <a:t>bool</a:t>
+            </a:r>
+            <a:r>
+              <a:rPr lang="en-US" dirty="0" smtClean="0"/>
+              <a:t> </a:t>
+            </a:r>
+            <a:r>
+              <a:rPr lang="en-US" dirty="0" err="1" smtClean="0"/>
+              <a:t>IsReusable</a:t>
+            </a:r>
+            <a:r>
+              <a:rPr lang="en-US" dirty="0" smtClean="0"/>
+              <a:t/>
+            </a:r>
+            <a:br>
+              <a:rPr lang="en-US" dirty="0" smtClean="0"/>
+            </a:br>
+            <a:r>
+              <a:rPr lang="en-US" dirty="0" smtClean="0"/>
+              <a:t>  {</a:t>
+            </a:r>
+            <a:br>
+              <a:rPr lang="en-US" dirty="0" smtClean="0"/>
+            </a:br>
+            <a:r>
+              <a:rPr lang="en-US" dirty="0" smtClean="0"/>
+              <a:t>    get</a:t>
+            </a:r>
+            <a:br>
+              <a:rPr lang="en-US" dirty="0" smtClean="0"/>
+            </a:br>
+            <a:r>
+              <a:rPr lang="en-US" dirty="0" smtClean="0"/>
+              <a:t>    {</a:t>
+            </a:r>
+            <a:br>
+              <a:rPr lang="en-US" dirty="0" smtClean="0"/>
+            </a:br>
+            <a:r>
+              <a:rPr lang="en-US" dirty="0" smtClean="0"/>
+              <a:t>      return false;</a:t>
+            </a:r>
+            <a:br>
+              <a:rPr lang="en-US" dirty="0" smtClean="0"/>
+            </a:br>
+            <a:r>
+              <a:rPr lang="en-US" dirty="0" smtClean="0"/>
+              <a:t>    }</a:t>
+            </a:r>
+            <a:br>
+              <a:rPr lang="en-US" dirty="0" smtClean="0"/>
+            </a:br>
+            <a:r>
+              <a:rPr lang="en-US" dirty="0" smtClean="0"/>
+              <a:t>  }</a:t>
+            </a:r>
+            <a:br>
+              <a:rPr lang="en-US" dirty="0" smtClean="0"/>
+            </a:br>
+            <a:r>
+              <a:rPr lang="en-US" dirty="0" smtClean="0"/>
+              <a:t>}</a:t>
+            </a:r>
+            <a:endParaRPr lang="en-US" dirty="0"/>
+          </a:p>
+        </p:txBody>
+      </p:sp>
+      <p:sp>
+        <p:nvSpPr>
+          <p:cNvPr id="4" name="Slide Number Placeholder 3"/>
+          <p:cNvSpPr>
+            <a:spLocks noGrp="1"/>
+          </p:cNvSpPr>
+          <p:nvPr>
+            <p:ph type="sldNum" sz="quarter" idx="10"/>
+          </p:nvPr>
+        </p:nvSpPr>
+        <p:spPr/>
+        <p:txBody>
+          <a:bodyPr/>
+          <a:lstStyle/>
+          <a:p>
+            <a:fld id="{6FB4F6EA-423E-42DF-9292-215E7D886C4E}" type="slidenum">
+              <a:rPr lang="en-US" smtClean="0"/>
+              <a:pPr/>
+              <a:t>31</a:t>
+            </a:fld>
+            <a:endParaRPr lang="en-US" dirty="0"/>
+          </a:p>
+        </p:txBody>
+      </p:sp>
+    </p:spTree>
+  </p:cSld>
+  <p:clrMapOvr>
+    <a:masterClrMapping/>
+  </p:clrMapOvr>
+</p:notes>
+</file>
+
+<file path=ppt/notesSlides/notesSlide2.xml><?xml version="1.0" encoding="utf-8"?>
+<p:notes xmlns:a="http://schemas.openxmlformats.org/drawingml/2006/main" xmlns:r="http://schemas.openxmlformats.org/officeDocument/2006/relationships" xmlns:p="http://schemas.openxmlformats.org/presentationml/2006/main">
+  <p:cSld>
+    <p:spTree>
+      <p:nvGrpSpPr>
+        <p:cNvPr id="1" name=""/>
+        <p:cNvGrpSpPr/>
+        <p:nvPr/>
+      </p:nvGrpSpPr>
+      <p:grpSpPr>
+        <a:xfrm>
+          <a:off x="0" y="0"/>
+          <a:ext cx="0" cy="0"/>
+          <a:chOff x="0" y="0"/>
+          <a:chExt cx="0" cy="0"/>
+        </a:xfrm>
+      </p:grpSpPr>
+      <p:sp>
+        <p:nvSpPr>
+          <p:cNvPr id="9" name="Rectangle 6"/>
+          <p:cNvSpPr>
+            <a:spLocks noGrp="1" noChangeArrowheads="1"/>
+          </p:cNvSpPr>
+          <p:nvPr>
+            <p:ph type="ftr" sz="quarter" idx="4"/>
+          </p:nvPr>
+        </p:nvSpPr>
+        <p:spPr>
+          <a:ln/>
+        </p:spPr>
+        <p:txBody>
+          <a:bodyPr/>
+          <a:lstStyle/>
+          <a:p>
+            <a:r>
+              <a:rPr lang="en-US"/>
+              <a:t>(c) 2005 National Academy for Software Development - http://academy.devbg.org. All rights reserved. Unauthorized copying or re-distribution is strictly prohibited.*</a:t>
+            </a:r>
+            <a:endParaRPr lang="en-US" sz="1200" i="0"/>
+          </a:p>
+        </p:txBody>
+      </p:sp>
+      <p:sp>
+        <p:nvSpPr>
+          <p:cNvPr id="10" name="Rectangle 7"/>
+          <p:cNvSpPr>
+            <a:spLocks noGrp="1" noChangeArrowheads="1"/>
+          </p:cNvSpPr>
+          <p:nvPr>
+            <p:ph type="sldNum" sz="quarter" idx="5"/>
+          </p:nvPr>
+        </p:nvSpPr>
+        <p:spPr>
+          <a:ln/>
+        </p:spPr>
+        <p:txBody>
+          <a:bodyPr/>
+          <a:lstStyle/>
+          <a:p>
+            <a:fld id="{6607340C-D516-4555-B632-CC2622CB717D}" type="slidenum">
+              <a:rPr lang="en-US"/>
+              <a:pPr/>
+              <a:t>5</a:t>
+            </a:fld>
+            <a:r>
+              <a:rPr lang="en-US"/>
+              <a:t>##</a:t>
+            </a:r>
+            <a:endParaRPr lang="en-US" sz="1200" i="0"/>
+          </a:p>
+        </p:txBody>
+      </p:sp>
+      <p:sp>
+        <p:nvSpPr>
+          <p:cNvPr id="471042" name="Rectangle 7"/>
+          <p:cNvSpPr txBox="1">
+            <a:spLocks noGrp="1" noChangeArrowheads="1"/>
+          </p:cNvSpPr>
+          <p:nvPr/>
+        </p:nvSpPr>
+        <p:spPr bwMode="auto">
+          <a:xfrm>
+            <a:off x="3898765" y="8829573"/>
+            <a:ext cx="2981409" cy="465340"/>
+          </a:xfrm>
+          <a:prstGeom prst="rect">
+            <a:avLst/>
+          </a:prstGeom>
+          <a:noFill/>
+          <a:ln w="9525">
+            <a:noFill/>
+            <a:miter lim="800000"/>
+            <a:headEnd/>
+            <a:tailEnd/>
+          </a:ln>
+        </p:spPr>
+        <p:txBody>
+          <a:bodyPr anchor="b"/>
+          <a:lstStyle/>
+          <a:p>
+            <a:pPr algn="r" eaLnBrk="1" hangingPunct="1">
+              <a:lnSpc>
+                <a:spcPct val="100000"/>
+              </a:lnSpc>
+            </a:pPr>
+            <a:fld id="{4D13A407-6D04-4A70-990A-B3B9CFC1837E}" type="slidenum">
+              <a:rPr kumimoji="0" lang="en-US" sz="1200" b="0">
+                <a:solidFill>
+                  <a:schemeClr val="tx1"/>
+                </a:solidFill>
+                <a:effectLst/>
+              </a:rPr>
+              <a:pPr algn="r" eaLnBrk="1" hangingPunct="1">
+                <a:lnSpc>
+                  <a:spcPct val="100000"/>
+                </a:lnSpc>
+              </a:pPr>
+              <a:t>5</a:t>
+            </a:fld>
+            <a:endParaRPr kumimoji="0" lang="en-US" sz="1200" b="0">
+              <a:solidFill>
+                <a:schemeClr val="tx1"/>
+              </a:solidFill>
+              <a:effectLst/>
+            </a:endParaRPr>
+          </a:p>
+        </p:txBody>
+      </p:sp>
+      <p:sp>
+        <p:nvSpPr>
+          <p:cNvPr id="471043" name="Rectangle 21"/>
+          <p:cNvSpPr>
+            <a:spLocks noGrp="1" noRot="1" noChangeAspect="1" noTextEdit="1"/>
+          </p:cNvSpPr>
+          <p:nvPr>
+            <p:ph type="sldImg"/>
+          </p:nvPr>
+        </p:nvSpPr>
+        <p:spPr>
+          <a:ln algn="ctr">
+            <a:round/>
+          </a:ln>
+        </p:spPr>
+      </p:sp>
+      <p:sp>
+        <p:nvSpPr>
+          <p:cNvPr id="471044" name="Rectangle 12"/>
+          <p:cNvSpPr>
+            <a:spLocks noGrp="1" noChangeArrowheads="1"/>
+          </p:cNvSpPr>
+          <p:nvPr>
+            <p:ph type="body" idx="1"/>
+          </p:nvPr>
+        </p:nvSpPr>
+        <p:spPr>
+          <a:xfrm>
+            <a:off x="688018" y="4415530"/>
+            <a:ext cx="5505778" cy="4183603"/>
+          </a:xfrm>
+        </p:spPr>
+        <p:txBody>
+          <a:bodyPr lIns="91440" tIns="45720" rIns="91440" bIns="45720"/>
+          <a:lstStyle/>
+          <a:p>
+            <a:endParaRPr lang="bg-BG"/>
+          </a:p>
+        </p:txBody>
+      </p:sp>
+      <p:sp>
+        <p:nvSpPr>
+          <p:cNvPr id="471045" name="Rectangle 7"/>
+          <p:cNvSpPr>
+            <a:spLocks noChangeArrowheads="1"/>
+          </p:cNvSpPr>
+          <p:nvPr/>
+        </p:nvSpPr>
+        <p:spPr bwMode="auto">
+          <a:xfrm>
+            <a:off x="3898765" y="0"/>
+            <a:ext cx="2981409" cy="465341"/>
+          </a:xfrm>
+          <a:prstGeom prst="rect">
+            <a:avLst/>
+          </a:prstGeom>
+          <a:noFill/>
+          <a:ln w="9525">
+            <a:noFill/>
+            <a:miter lim="800000"/>
+            <a:headEnd/>
+            <a:tailEnd/>
+          </a:ln>
+        </p:spPr>
+        <p:txBody>
+          <a:bodyPr/>
+          <a:lstStyle/>
+          <a:p>
+            <a:pPr eaLnBrk="1" hangingPunct="1">
+              <a:lnSpc>
+                <a:spcPct val="100000"/>
+              </a:lnSpc>
+            </a:pPr>
+            <a:fld id="{E7105DF0-F050-4913-9DE1-C11E3DE0FA49}" type="datetime8">
+              <a:rPr kumimoji="0" lang="en-US" sz="1200" b="0">
+                <a:solidFill>
+                  <a:schemeClr val="tx1"/>
+                </a:solidFill>
+                <a:effectLst/>
+                <a:latin typeface="Times New Roman" pitchFamily="18" charset="0"/>
+              </a:rPr>
+              <a:pPr eaLnBrk="1" hangingPunct="1">
+                <a:lnSpc>
+                  <a:spcPct val="100000"/>
+                </a:lnSpc>
+              </a:pPr>
+              <a:t>5/5/2010 9:52 AM</a:t>
+            </a:fld>
+            <a:endParaRPr lang="en-US" sz="1800" b="0">
+              <a:solidFill>
+                <a:schemeClr val="tx1"/>
+              </a:solidFill>
+              <a:effectLst/>
+            </a:endParaRPr>
+          </a:p>
+        </p:txBody>
+      </p:sp>
+      <p:sp>
+        <p:nvSpPr>
+          <p:cNvPr id="471046" name="Rectangle 19"/>
+          <p:cNvSpPr>
+            <a:spLocks noChangeArrowheads="1"/>
+          </p:cNvSpPr>
+          <p:nvPr/>
+        </p:nvSpPr>
+        <p:spPr bwMode="auto">
+          <a:xfrm>
+            <a:off x="0" y="8938103"/>
+            <a:ext cx="5687611" cy="356810"/>
+          </a:xfrm>
+          <a:prstGeom prst="rect">
+            <a:avLst/>
+          </a:prstGeom>
+          <a:noFill/>
+          <a:ln w="9525">
+            <a:noFill/>
+            <a:miter lim="800000"/>
+            <a:headEnd/>
+            <a:tailEnd/>
+          </a:ln>
+        </p:spPr>
+        <p:txBody>
+          <a:bodyPr anchor="b"/>
+          <a:lstStyle/>
+          <a:p>
+            <a:pPr hangingPunct="1">
+              <a:lnSpc>
+                <a:spcPct val="100000"/>
+              </a:lnSpc>
+            </a:pPr>
+            <a:r>
+              <a:rPr kumimoji="0" lang="en-US" sz="800" b="0">
+                <a:solidFill>
+                  <a:schemeClr val="tx1"/>
+                </a:solidFill>
+                <a:effectLst/>
+                <a:latin typeface="Segoe" pitchFamily="34" charset="0"/>
+              </a:rPr>
+              <a:t>©2005 Microsoft Corporation. All rights reserved.</a:t>
+            </a:r>
+            <a:endParaRPr kumimoji="0" lang="en-US" sz="1800" b="0">
+              <a:solidFill>
+                <a:schemeClr val="tx1"/>
+              </a:solidFill>
+              <a:effectLst/>
+            </a:endParaRPr>
+          </a:p>
+          <a:p>
+            <a:pPr eaLnBrk="1">
+              <a:lnSpc>
+                <a:spcPct val="100000"/>
+              </a:lnSpc>
+            </a:pPr>
+            <a:r>
+              <a:rPr kumimoji="0" lang="en-US" sz="800" b="0">
+                <a:solidFill>
+                  <a:schemeClr val="tx1"/>
+                </a:solidFill>
+                <a:effectLst/>
+                <a:latin typeface="Segoe" pitchFamily="34" charset="0"/>
+                <a:cs typeface="Arial" charset="0"/>
+              </a:rPr>
+              <a:t>This presentation is for informational purposes only. Microsoft makes no warranties, express or implied, in this summary.</a:t>
+            </a:r>
+            <a:endParaRPr lang="en-US" sz="1800" b="0">
+              <a:solidFill>
+                <a:schemeClr val="tx1"/>
+              </a:solidFill>
+              <a:effectLst/>
+            </a:endParaRPr>
+          </a:p>
+        </p:txBody>
+      </p:sp>
+      <p:sp>
+        <p:nvSpPr>
+          <p:cNvPr id="471047" name="Rectangle 16"/>
+          <p:cNvSpPr>
+            <a:spLocks noChangeArrowheads="1"/>
+          </p:cNvSpPr>
+          <p:nvPr/>
+        </p:nvSpPr>
+        <p:spPr bwMode="auto">
+          <a:xfrm>
+            <a:off x="5602428" y="8829573"/>
+            <a:ext cx="1277747" cy="465340"/>
+          </a:xfrm>
+          <a:prstGeom prst="rect">
+            <a:avLst/>
+          </a:prstGeom>
+          <a:noFill/>
+          <a:ln w="9525">
+            <a:noFill/>
+            <a:miter lim="800000"/>
+            <a:headEnd/>
+            <a:tailEnd/>
+          </a:ln>
+        </p:spPr>
+        <p:txBody>
+          <a:bodyPr anchor="b"/>
+          <a:lstStyle/>
+          <a:p>
+            <a:pPr eaLnBrk="1" hangingPunct="1">
+              <a:lnSpc>
+                <a:spcPct val="100000"/>
+              </a:lnSpc>
+            </a:pPr>
+            <a:fld id="{1F46A82E-5891-4641-BB96-DC3BF5E97636}" type="slidenum">
+              <a:rPr kumimoji="0" lang="en-US" sz="1200" b="0">
+                <a:solidFill>
+                  <a:schemeClr val="tx1"/>
+                </a:solidFill>
+                <a:effectLst/>
+                <a:latin typeface="Times New Roman" pitchFamily="18" charset="0"/>
+              </a:rPr>
+              <a:pPr eaLnBrk="1" hangingPunct="1">
+                <a:lnSpc>
+                  <a:spcPct val="100000"/>
+                </a:lnSpc>
+              </a:pPr>
+              <a:t>5</a:t>
+            </a:fld>
+            <a:endParaRPr lang="en-US" sz="1800" b="0">
+              <a:solidFill>
+                <a:schemeClr val="tx1"/>
+              </a:solidFill>
+              <a:effectLst/>
+            </a:endParaRPr>
+          </a:p>
+        </p:txBody>
+      </p:sp>
+      <p:sp>
+        <p:nvSpPr>
+          <p:cNvPr id="471048" name="Rectangle 2"/>
+          <p:cNvSpPr>
+            <a:spLocks noChangeArrowheads="1"/>
+          </p:cNvSpPr>
+          <p:nvPr/>
+        </p:nvSpPr>
+        <p:spPr bwMode="auto">
+          <a:xfrm>
+            <a:off x="0" y="0"/>
+            <a:ext cx="2981409" cy="465341"/>
+          </a:xfrm>
+          <a:prstGeom prst="rect">
+            <a:avLst/>
+          </a:prstGeom>
+          <a:noFill/>
+          <a:ln w="9525">
+            <a:noFill/>
+            <a:miter lim="800000"/>
+            <a:headEnd/>
+            <a:tailEnd/>
+          </a:ln>
+        </p:spPr>
+        <p:txBody>
+          <a:bodyPr/>
+          <a:lstStyle/>
+          <a:p>
+            <a:pPr eaLnBrk="1" hangingPunct="1">
+              <a:lnSpc>
+                <a:spcPct val="100000"/>
+              </a:lnSpc>
+            </a:pPr>
+            <a:endParaRPr kumimoji="0" lang="bg-BG" sz="1800" b="0">
+              <a:solidFill>
+                <a:schemeClr val="tx1"/>
+              </a:solidFill>
+              <a:effectLst/>
+            </a:endParaRPr>
+          </a:p>
+        </p:txBody>
+      </p:sp>
+    </p:spTree>
+  </p:cSld>
+  <p:clrMapOvr>
+    <a:masterClrMapping/>
+  </p:clrMapOvr>
+</p:notes>
+</file>
+
+<file path=ppt/notesSlides/notesSlide3.xml><?xml version="1.0" encoding="utf-8"?>
+<p:notes xmlns:a="http://schemas.openxmlformats.org/drawingml/2006/main" xmlns:r="http://schemas.openxmlformats.org/officeDocument/2006/relationships" xmlns:p="http://schemas.openxmlformats.org/presentationml/2006/main">
+  <p:cSld>
+    <p:spTree>
+      <p:nvGrpSpPr>
+        <p:cNvPr id="1" name=""/>
+        <p:cNvGrpSpPr/>
+        <p:nvPr/>
+      </p:nvGrpSpPr>
+      <p:grpSpPr>
+        <a:xfrm>
+          <a:off x="0" y="0"/>
+          <a:ext cx="0" cy="0"/>
+          <a:chOff x="0" y="0"/>
+          <a:chExt cx="0" cy="0"/>
+        </a:xfrm>
+      </p:grpSpPr>
+      <p:sp>
+        <p:nvSpPr>
+          <p:cNvPr id="4" name="Rectangle 6"/>
+          <p:cNvSpPr>
+            <a:spLocks noGrp="1" noChangeArrowheads="1"/>
+          </p:cNvSpPr>
+          <p:nvPr>
+            <p:ph type="ftr" sz="quarter" idx="4"/>
+          </p:nvPr>
+        </p:nvSpPr>
+        <p:spPr>
+          <a:ln/>
+        </p:spPr>
+        <p:txBody>
+          <a:bodyPr/>
+          <a:lstStyle/>
+          <a:p>
+            <a:r>
+              <a:rPr lang="en-US"/>
+              <a:t>(c) 2005 National Academy for Software Development - http://academy.devbg.org. All rights reserved. Unauthorized copying or re-distribution is strictly prohibited.*</a:t>
+            </a:r>
+            <a:endParaRPr lang="en-US" sz="1200" i="0"/>
+          </a:p>
+        </p:txBody>
+      </p:sp>
+      <p:sp>
+        <p:nvSpPr>
+          <p:cNvPr id="5" name="Rectangle 7"/>
+          <p:cNvSpPr>
+            <a:spLocks noGrp="1" noChangeArrowheads="1"/>
+          </p:cNvSpPr>
+          <p:nvPr>
+            <p:ph type="sldNum" sz="quarter" idx="5"/>
+          </p:nvPr>
+        </p:nvSpPr>
+        <p:spPr>
+          <a:ln/>
+        </p:spPr>
+        <p:txBody>
+          <a:bodyPr/>
+          <a:lstStyle/>
+          <a:p>
+            <a:fld id="{875053F6-C754-41A6-A100-9C94840B5E32}" type="slidenum">
+              <a:rPr lang="en-US"/>
+              <a:pPr/>
+              <a:t>6</a:t>
+            </a:fld>
+            <a:r>
+              <a:rPr lang="en-US"/>
+              <a:t>##</a:t>
+            </a:r>
+            <a:endParaRPr lang="en-US" sz="1200" i="0"/>
+          </a:p>
+        </p:txBody>
+      </p:sp>
+      <p:sp>
+        <p:nvSpPr>
+          <p:cNvPr id="468994" name="Rectangle 2"/>
+          <p:cNvSpPr>
+            <a:spLocks noGrp="1" noRot="1" noChangeAspect="1" noChangeArrowheads="1" noTextEdit="1"/>
+          </p:cNvSpPr>
+          <p:nvPr>
+            <p:ph type="sldImg"/>
+          </p:nvPr>
+        </p:nvSpPr>
+        <p:spPr>
+          <a:ln/>
+        </p:spPr>
+      </p:sp>
+      <p:sp>
+        <p:nvSpPr>
+          <p:cNvPr id="468995" name="Rectangle 3"/>
+          <p:cNvSpPr>
+            <a:spLocks noGrp="1" noChangeArrowheads="1"/>
+          </p:cNvSpPr>
+          <p:nvPr>
+            <p:ph type="body" idx="1"/>
+          </p:nvPr>
+        </p:nvSpPr>
+        <p:spPr/>
+        <p:txBody>
+          <a:bodyPr/>
+          <a:lstStyle/>
+          <a:p>
+            <a:endParaRPr lang="bg-BG"/>
+          </a:p>
+        </p:txBody>
+      </p:sp>
+    </p:spTree>
+  </p:cSld>
+  <p:clrMapOvr>
+    <a:masterClrMapping/>
+  </p:clrMapOvr>
+</p:notes>
+</file>
+
+<file path=ppt/notesSlides/notesSlide4.xml><?xml version="1.0" encoding="utf-8"?>
+<p:notes xmlns:a="http://schemas.openxmlformats.org/drawingml/2006/main" xmlns:r="http://schemas.openxmlformats.org/officeDocument/2006/relationships" xmlns:p="http://schemas.openxmlformats.org/presentationml/2006/main">
+  <p:cSld>
+    <p:spTree>
+      <p:nvGrpSpPr>
+        <p:cNvPr id="1" name=""/>
+        <p:cNvGrpSpPr/>
+        <p:nvPr/>
+      </p:nvGrpSpPr>
+      <p:grpSpPr>
+        <a:xfrm>
+          <a:off x="0" y="0"/>
+          <a:ext cx="0" cy="0"/>
+          <a:chOff x="0" y="0"/>
+          <a:chExt cx="0" cy="0"/>
+        </a:xfrm>
+      </p:grpSpPr>
+      <p:sp>
+        <p:nvSpPr>
+          <p:cNvPr id="4" name="Rectangle 6"/>
+          <p:cNvSpPr>
+            <a:spLocks noGrp="1" noChangeArrowheads="1"/>
+          </p:cNvSpPr>
+          <p:nvPr>
+            <p:ph type="ftr" sz="quarter" idx="4"/>
+          </p:nvPr>
+        </p:nvSpPr>
+        <p:spPr>
+          <a:ln/>
+        </p:spPr>
+        <p:txBody>
+          <a:bodyPr/>
+          <a:lstStyle/>
+          <a:p>
+            <a:r>
+              <a:rPr lang="en-US"/>
+              <a:t>(c) 2005 National Academy for Software Development - http://academy.devbg.org. All rights reserved. Unauthorized copying or re-distribution is strictly prohibited.*</a:t>
+            </a:r>
+            <a:endParaRPr lang="en-US" sz="1200" i="0"/>
+          </a:p>
+        </p:txBody>
+      </p:sp>
+      <p:sp>
+        <p:nvSpPr>
+          <p:cNvPr id="5" name="Rectangle 7"/>
+          <p:cNvSpPr>
+            <a:spLocks noGrp="1" noChangeArrowheads="1"/>
+          </p:cNvSpPr>
+          <p:nvPr>
+            <p:ph type="sldNum" sz="quarter" idx="5"/>
+          </p:nvPr>
+        </p:nvSpPr>
+        <p:spPr>
+          <a:ln/>
+        </p:spPr>
+        <p:txBody>
+          <a:bodyPr/>
+          <a:lstStyle/>
+          <a:p>
+            <a:fld id="{13FFEE70-1C88-4095-85B1-FFBF5BACABE9}" type="slidenum">
+              <a:rPr lang="en-US"/>
+              <a:pPr/>
+              <a:t>7</a:t>
+            </a:fld>
+            <a:r>
+              <a:rPr lang="en-US"/>
+              <a:t>##</a:t>
+            </a:r>
+            <a:endParaRPr lang="en-US" sz="1200" i="0"/>
+          </a:p>
+        </p:txBody>
+      </p:sp>
+      <p:sp>
+        <p:nvSpPr>
+          <p:cNvPr id="473090" name="Rectangle 7"/>
+          <p:cNvSpPr txBox="1">
+            <a:spLocks noGrp="1" noChangeArrowheads="1"/>
+          </p:cNvSpPr>
+          <p:nvPr/>
+        </p:nvSpPr>
+        <p:spPr bwMode="auto">
+          <a:xfrm>
+            <a:off x="3898765" y="8829573"/>
+            <a:ext cx="2981409" cy="465340"/>
+          </a:xfrm>
+          <a:prstGeom prst="rect">
+            <a:avLst/>
+          </a:prstGeom>
+          <a:noFill/>
+          <a:ln w="9525">
+            <a:noFill/>
+            <a:miter lim="800000"/>
+            <a:headEnd/>
+            <a:tailEnd/>
+          </a:ln>
+        </p:spPr>
+        <p:txBody>
+          <a:bodyPr anchor="b"/>
+          <a:lstStyle/>
+          <a:p>
+            <a:pPr algn="r" eaLnBrk="1" hangingPunct="1">
+              <a:lnSpc>
+                <a:spcPct val="100000"/>
+              </a:lnSpc>
+            </a:pPr>
+            <a:fld id="{7AE2AAE3-5DFA-45D5-9940-9572030C115A}" type="slidenum">
+              <a:rPr kumimoji="0" lang="en-US" sz="1200" b="0">
+                <a:solidFill>
+                  <a:schemeClr val="tx1"/>
+                </a:solidFill>
+                <a:effectLst/>
+              </a:rPr>
+              <a:pPr algn="r" eaLnBrk="1" hangingPunct="1">
+                <a:lnSpc>
+                  <a:spcPct val="100000"/>
+                </a:lnSpc>
+              </a:pPr>
+              <a:t>7</a:t>
+            </a:fld>
+            <a:endParaRPr kumimoji="0" lang="en-US" sz="1200" b="0">
+              <a:solidFill>
+                <a:schemeClr val="tx1"/>
+              </a:solidFill>
+              <a:effectLst/>
+            </a:endParaRPr>
+          </a:p>
+        </p:txBody>
+      </p:sp>
+      <p:sp>
+        <p:nvSpPr>
+          <p:cNvPr id="473091" name="Rectangle 2"/>
+          <p:cNvSpPr>
+            <a:spLocks noGrp="1" noRot="1" noChangeAspect="1" noChangeArrowheads="1" noTextEdit="1"/>
+          </p:cNvSpPr>
+          <p:nvPr>
+            <p:ph type="sldImg"/>
+          </p:nvPr>
+        </p:nvSpPr>
+        <p:spPr>
+          <a:ln/>
+        </p:spPr>
+      </p:sp>
+    </p:spTree>
+  </p:cSld>
+  <p:clrMapOvr>
+    <a:masterClrMapping/>
+  </p:clrMapOvr>
+</p:notes>
+</file>
+
+<file path=ppt/notesSlides/notesSlide5.xml><?xml version="1.0" encoding="utf-8"?>
+<p:notes xmlns:a="http://schemas.openxmlformats.org/drawingml/2006/main" xmlns:r="http://schemas.openxmlformats.org/officeDocument/2006/relationships" xmlns:p="http://schemas.openxmlformats.org/presentationml/2006/main">
+  <p:cSld>
+    <p:spTree>
+      <p:nvGrpSpPr>
+        <p:cNvPr id="1" name=""/>
+        <p:cNvGrpSpPr/>
+        <p:nvPr/>
+      </p:nvGrpSpPr>
+      <p:grpSpPr>
+        <a:xfrm>
+          <a:off x="0" y="0"/>
+          <a:ext cx="0" cy="0"/>
+          <a:chOff x="0" y="0"/>
+          <a:chExt cx="0" cy="0"/>
+        </a:xfrm>
+      </p:grpSpPr>
+      <p:sp>
+        <p:nvSpPr>
+          <p:cNvPr id="4" name="Rectangle 6"/>
+          <p:cNvSpPr>
+            <a:spLocks noGrp="1" noChangeArrowheads="1"/>
+          </p:cNvSpPr>
+          <p:nvPr>
+            <p:ph type="ftr" sz="quarter" idx="4"/>
+          </p:nvPr>
+        </p:nvSpPr>
+        <p:spPr>
+          <a:ln/>
+        </p:spPr>
+        <p:txBody>
+          <a:bodyPr/>
+          <a:lstStyle/>
+          <a:p>
+            <a:r>
+              <a:rPr lang="en-US"/>
+              <a:t>(c) 2005 National Academy for Software Development - http://academy.devbg.org. All rights reserved. Unauthorized copying or re-distribution is strictly prohibited.*</a:t>
+            </a:r>
+            <a:endParaRPr lang="en-US" sz="1200" i="0"/>
+          </a:p>
+        </p:txBody>
+      </p:sp>
+      <p:sp>
+        <p:nvSpPr>
+          <p:cNvPr id="5" name="Rectangle 7"/>
+          <p:cNvSpPr>
+            <a:spLocks noGrp="1" noChangeArrowheads="1"/>
+          </p:cNvSpPr>
+          <p:nvPr>
+            <p:ph type="sldNum" sz="quarter" idx="5"/>
+          </p:nvPr>
+        </p:nvSpPr>
+        <p:spPr>
+          <a:ln/>
+        </p:spPr>
+        <p:txBody>
+          <a:bodyPr/>
+          <a:lstStyle/>
+          <a:p>
+            <a:fld id="{25BE6127-0AA9-4249-A2CA-5AD723763946}" type="slidenum">
+              <a:rPr lang="en-US"/>
+              <a:pPr/>
+              <a:t>8</a:t>
+            </a:fld>
+            <a:r>
+              <a:rPr lang="en-US"/>
+              <a:t>##</a:t>
+            </a:r>
+            <a:endParaRPr lang="en-US" sz="1200" i="0"/>
+          </a:p>
+        </p:txBody>
+      </p:sp>
+      <p:sp>
+        <p:nvSpPr>
+          <p:cNvPr id="482306" name="Rectangle 7"/>
+          <p:cNvSpPr txBox="1">
+            <a:spLocks noGrp="1" noChangeArrowheads="1"/>
+          </p:cNvSpPr>
+          <p:nvPr/>
+        </p:nvSpPr>
+        <p:spPr bwMode="auto">
+          <a:xfrm>
+            <a:off x="3898765" y="8829573"/>
+            <a:ext cx="2981409" cy="465340"/>
+          </a:xfrm>
+          <a:prstGeom prst="rect">
+            <a:avLst/>
+          </a:prstGeom>
+          <a:noFill/>
+          <a:ln w="9525">
+            <a:noFill/>
+            <a:miter lim="800000"/>
+            <a:headEnd/>
+            <a:tailEnd/>
+          </a:ln>
+        </p:spPr>
+        <p:txBody>
+          <a:bodyPr anchor="b"/>
+          <a:lstStyle/>
+          <a:p>
+            <a:pPr algn="r" eaLnBrk="1" hangingPunct="1">
+              <a:lnSpc>
+                <a:spcPct val="100000"/>
+              </a:lnSpc>
+            </a:pPr>
+            <a:fld id="{E5A7C507-8088-4002-9120-D38C28C8E0BF}" type="slidenum">
+              <a:rPr kumimoji="0" lang="en-US" sz="1200" b="0">
+                <a:solidFill>
+                  <a:schemeClr val="tx1"/>
+                </a:solidFill>
+                <a:effectLst/>
+              </a:rPr>
+              <a:pPr algn="r" eaLnBrk="1" hangingPunct="1">
+                <a:lnSpc>
+                  <a:spcPct val="100000"/>
+                </a:lnSpc>
+              </a:pPr>
+              <a:t>8</a:t>
+            </a:fld>
+            <a:endParaRPr kumimoji="0" lang="en-US" sz="1200" b="0">
+              <a:solidFill>
+                <a:schemeClr val="tx1"/>
+              </a:solidFill>
+              <a:effectLst/>
+            </a:endParaRPr>
+          </a:p>
+        </p:txBody>
+      </p:sp>
+      <p:sp>
+        <p:nvSpPr>
+          <p:cNvPr id="482307" name="Rectangle 2"/>
+          <p:cNvSpPr>
+            <a:spLocks noGrp="1" noRot="1" noChangeAspect="1" noChangeArrowheads="1" noTextEdit="1"/>
+          </p:cNvSpPr>
+          <p:nvPr>
+            <p:ph type="sldImg"/>
+          </p:nvPr>
+        </p:nvSpPr>
+        <p:spPr>
+          <a:ln/>
+        </p:spPr>
+      </p:sp>
+    </p:spTree>
+  </p:cSld>
+  <p:clrMapOvr>
+    <a:masterClrMapping/>
+  </p:clrMapOvr>
+</p:notes>
+</file>
+
+<file path=ppt/notesSlides/notesSlide6.xml><?xml version="1.0" encoding="utf-8"?>
+<p:notes xmlns:a="http://schemas.openxmlformats.org/drawingml/2006/main" xmlns:r="http://schemas.openxmlformats.org/officeDocument/2006/relationships" xmlns:p="http://schemas.openxmlformats.org/presentationml/2006/main">
+  <p:cSld>
+    <p:spTree>
+      <p:nvGrpSpPr>
+        <p:cNvPr id="1" name=""/>
+        <p:cNvGrpSpPr/>
+        <p:nvPr/>
+      </p:nvGrpSpPr>
+      <p:grpSpPr>
+        <a:xfrm>
+          <a:off x="0" y="0"/>
+          <a:ext cx="0" cy="0"/>
+          <a:chOff x="0" y="0"/>
+          <a:chExt cx="0" cy="0"/>
+        </a:xfrm>
+      </p:grpSpPr>
+      <p:sp>
+        <p:nvSpPr>
+          <p:cNvPr id="4" name="Rectangle 6"/>
+          <p:cNvSpPr>
+            <a:spLocks noGrp="1" noChangeArrowheads="1"/>
+          </p:cNvSpPr>
+          <p:nvPr>
+            <p:ph type="ftr" sz="quarter" idx="4"/>
+          </p:nvPr>
+        </p:nvSpPr>
+        <p:spPr>
+          <a:ln/>
+        </p:spPr>
+        <p:txBody>
+          <a:bodyPr/>
+          <a:lstStyle/>
+          <a:p>
+            <a:r>
+              <a:rPr lang="en-US"/>
+              <a:t>(c) 2005 National Academy for Software Development - http://academy.devbg.org. All rights reserved. Unauthorized copying or re-distribution is strictly prohibited.*</a:t>
+            </a:r>
+            <a:endParaRPr lang="en-US" sz="1200" i="0"/>
+          </a:p>
+        </p:txBody>
+      </p:sp>
+      <p:sp>
+        <p:nvSpPr>
+          <p:cNvPr id="5" name="Rectangle 7"/>
+          <p:cNvSpPr>
+            <a:spLocks noGrp="1" noChangeArrowheads="1"/>
+          </p:cNvSpPr>
+          <p:nvPr>
+            <p:ph type="sldNum" sz="quarter" idx="5"/>
+          </p:nvPr>
+        </p:nvSpPr>
+        <p:spPr>
+          <a:ln/>
+        </p:spPr>
+        <p:txBody>
+          <a:bodyPr/>
+          <a:lstStyle/>
+          <a:p>
+            <a:fld id="{875053F6-C754-41A6-A100-9C94840B5E32}" type="slidenum">
+              <a:rPr lang="en-US"/>
+              <a:pPr/>
+              <a:t>9</a:t>
+            </a:fld>
+            <a:r>
+              <a:rPr lang="en-US"/>
+              <a:t>##</a:t>
+            </a:r>
+            <a:endParaRPr lang="en-US" sz="1200" i="0"/>
+          </a:p>
+        </p:txBody>
+      </p:sp>
+      <p:sp>
+        <p:nvSpPr>
+          <p:cNvPr id="468994" name="Rectangle 2"/>
+          <p:cNvSpPr>
+            <a:spLocks noGrp="1" noRot="1" noChangeAspect="1" noChangeArrowheads="1" noTextEdit="1"/>
+          </p:cNvSpPr>
+          <p:nvPr>
+            <p:ph type="sldImg"/>
+          </p:nvPr>
+        </p:nvSpPr>
+        <p:spPr>
+          <a:ln/>
+        </p:spPr>
+      </p:sp>
+      <p:sp>
+        <p:nvSpPr>
+          <p:cNvPr id="468995" name="Rectangle 3"/>
+          <p:cNvSpPr>
+            <a:spLocks noGrp="1" noChangeArrowheads="1"/>
+          </p:cNvSpPr>
+          <p:nvPr>
+            <p:ph type="body" idx="1"/>
+          </p:nvPr>
+        </p:nvSpPr>
+        <p:spPr/>
+        <p:txBody>
+          <a:bodyPr/>
+          <a:lstStyle/>
+          <a:p>
+            <a:endParaRPr lang="bg-BG"/>
+          </a:p>
+        </p:txBody>
+      </p:sp>
+    </p:spTree>
+  </p:cSld>
+  <p:clrMapOvr>
+    <a:masterClrMapping/>
+  </p:clrMapOvr>
+</p:notes>
+</file>
+
+<file path=ppt/notesSlides/notesSlide7.xml><?xml version="1.0" encoding="utf-8"?>
+<p:notes xmlns:a="http://schemas.openxmlformats.org/drawingml/2006/main" xmlns:r="http://schemas.openxmlformats.org/officeDocument/2006/relationships" xmlns:p="http://schemas.openxmlformats.org/presentationml/2006/main">
+  <p:cSld>
+    <p:spTree>
+      <p:nvGrpSpPr>
+        <p:cNvPr id="1" name=""/>
+        <p:cNvGrpSpPr/>
+        <p:nvPr/>
+      </p:nvGrpSpPr>
+      <p:grpSpPr>
+        <a:xfrm>
+          <a:off x="0" y="0"/>
+          <a:ext cx="0" cy="0"/>
+          <a:chOff x="0" y="0"/>
+          <a:chExt cx="0" cy="0"/>
+        </a:xfrm>
+      </p:grpSpPr>
+      <p:sp>
+        <p:nvSpPr>
+          <p:cNvPr id="4" name="Rectangle 6"/>
+          <p:cNvSpPr>
+            <a:spLocks noGrp="1" noChangeArrowheads="1"/>
+          </p:cNvSpPr>
+          <p:nvPr>
+            <p:ph type="ftr" sz="quarter" idx="4"/>
+          </p:nvPr>
+        </p:nvSpPr>
+        <p:spPr>
+          <a:ln/>
+        </p:spPr>
+        <p:txBody>
+          <a:bodyPr/>
+          <a:lstStyle/>
+          <a:p>
+            <a:r>
+              <a:rPr lang="en-US"/>
+              <a:t>(c) 2005 National Academy for Software Development - http://academy.devbg.org. All rights reserved. Unauthorized copying or re-distribution is strictly prohibited.*</a:t>
+            </a:r>
+            <a:endParaRPr lang="en-US" sz="1200" i="0"/>
+          </a:p>
+        </p:txBody>
+      </p:sp>
+      <p:sp>
+        <p:nvSpPr>
+          <p:cNvPr id="5" name="Rectangle 7"/>
+          <p:cNvSpPr>
+            <a:spLocks noGrp="1" noChangeArrowheads="1"/>
+          </p:cNvSpPr>
+          <p:nvPr>
+            <p:ph type="sldNum" sz="quarter" idx="5"/>
+          </p:nvPr>
+        </p:nvSpPr>
+        <p:spPr>
+          <a:ln/>
+        </p:spPr>
+        <p:txBody>
+          <a:bodyPr/>
+          <a:lstStyle/>
+          <a:p>
+            <a:fld id="{ADC87020-DD48-456A-8855-784ABD34E040}" type="slidenum">
+              <a:rPr lang="en-US"/>
+              <a:pPr/>
+              <a:t>17</a:t>
+            </a:fld>
+            <a:r>
+              <a:rPr lang="en-US"/>
+              <a:t>##</a:t>
+            </a:r>
+            <a:endParaRPr lang="en-US" sz="1200" i="0"/>
+          </a:p>
+        </p:txBody>
+      </p:sp>
+      <p:sp>
+        <p:nvSpPr>
+          <p:cNvPr id="466946" name="Rectangle 2"/>
+          <p:cNvSpPr>
+            <a:spLocks noGrp="1" noRot="1" noChangeAspect="1" noChangeArrowheads="1" noTextEdit="1"/>
+          </p:cNvSpPr>
+          <p:nvPr>
+            <p:ph type="sldImg"/>
+          </p:nvPr>
+        </p:nvSpPr>
+        <p:spPr>
+          <a:ln/>
+        </p:spPr>
+      </p:sp>
+      <p:sp>
+        <p:nvSpPr>
+          <p:cNvPr id="466947" name="Rectangle 3"/>
+          <p:cNvSpPr>
+            <a:spLocks noGrp="1" noChangeArrowheads="1"/>
+          </p:cNvSpPr>
+          <p:nvPr>
+            <p:ph type="body" idx="1"/>
+          </p:nvPr>
+        </p:nvSpPr>
+        <p:spPr/>
+        <p:txBody>
+          <a:bodyPr/>
+          <a:lstStyle/>
+          <a:p>
+            <a:endParaRPr lang="bg-BG"/>
+          </a:p>
+        </p:txBody>
+      </p:sp>
+    </p:spTree>
+  </p:cSld>
+  <p:clrMapOvr>
+    <a:masterClrMapping/>
+  </p:clrMapOvr>
+</p:notes>
+</file>
+
+<file path=ppt/notesSlides/notesSlide8.xml><?xml version="1.0" encoding="utf-8"?>
+<p:notes xmlns:a="http://schemas.openxmlformats.org/drawingml/2006/main" xmlns:r="http://schemas.openxmlformats.org/officeDocument/2006/relationships" xmlns:p="http://schemas.openxmlformats.org/presentationml/2006/main">
+  <p:cSld>
+    <p:spTree>
+      <p:nvGrpSpPr>
+        <p:cNvPr id="1" name=""/>
+        <p:cNvGrpSpPr/>
+        <p:nvPr/>
+      </p:nvGrpSpPr>
+      <p:grpSpPr>
+        <a:xfrm>
+          <a:off x="0" y="0"/>
+          <a:ext cx="0" cy="0"/>
+          <a:chOff x="0" y="0"/>
+          <a:chExt cx="0" cy="0"/>
+        </a:xfrm>
+      </p:grpSpPr>
+      <p:sp>
+        <p:nvSpPr>
+          <p:cNvPr id="4" name="Rectangle 6"/>
+          <p:cNvSpPr>
+            <a:spLocks noGrp="1" noChangeArrowheads="1"/>
+          </p:cNvSpPr>
+          <p:nvPr>
+            <p:ph type="ftr" sz="quarter" idx="4"/>
+          </p:nvPr>
+        </p:nvSpPr>
+        <p:spPr>
+          <a:ln/>
+        </p:spPr>
+        <p:txBody>
+          <a:bodyPr/>
+          <a:lstStyle/>
+          <a:p>
+            <a:r>
+              <a:rPr lang="en-US"/>
+              <a:t>(c) 2005 National Academy for Software Development - http://academy.devbg.org. All rights reserved. Unauthorized copying or re-distribution is strictly prohibited.*</a:t>
+            </a:r>
+            <a:endParaRPr lang="en-US" sz="1200" i="0"/>
+          </a:p>
+        </p:txBody>
+      </p:sp>
+      <p:sp>
+        <p:nvSpPr>
+          <p:cNvPr id="5" name="Rectangle 7"/>
+          <p:cNvSpPr>
+            <a:spLocks noGrp="1" noChangeArrowheads="1"/>
+          </p:cNvSpPr>
+          <p:nvPr>
+            <p:ph type="sldNum" sz="quarter" idx="5"/>
+          </p:nvPr>
+        </p:nvSpPr>
+        <p:spPr>
+          <a:ln/>
+        </p:spPr>
+        <p:txBody>
+          <a:bodyPr/>
+          <a:lstStyle/>
+          <a:p>
+            <a:fld id="{875053F6-C754-41A6-A100-9C94840B5E32}" type="slidenum">
+              <a:rPr lang="en-US"/>
+              <a:pPr/>
+              <a:t>20</a:t>
+            </a:fld>
+            <a:r>
+              <a:rPr lang="en-US"/>
+              <a:t>##</a:t>
+            </a:r>
+            <a:endParaRPr lang="en-US" sz="1200" i="0"/>
+          </a:p>
+        </p:txBody>
+      </p:sp>
+      <p:sp>
+        <p:nvSpPr>
+          <p:cNvPr id="468994" name="Rectangle 2"/>
+          <p:cNvSpPr>
+            <a:spLocks noGrp="1" noRot="1" noChangeAspect="1" noChangeArrowheads="1" noTextEdit="1"/>
+          </p:cNvSpPr>
+          <p:nvPr>
+            <p:ph type="sldImg"/>
+          </p:nvPr>
+        </p:nvSpPr>
+        <p:spPr>
+          <a:ln/>
+        </p:spPr>
+      </p:sp>
+      <p:sp>
+        <p:nvSpPr>
+          <p:cNvPr id="468995" name="Rectangle 3"/>
+          <p:cNvSpPr>
+            <a:spLocks noGrp="1" noChangeArrowheads="1"/>
+          </p:cNvSpPr>
+          <p:nvPr>
+            <p:ph type="body" idx="1"/>
+          </p:nvPr>
+        </p:nvSpPr>
+        <p:spPr/>
+        <p:txBody>
+          <a:bodyPr/>
+          <a:lstStyle/>
+          <a:p>
+            <a:endParaRPr lang="bg-BG"/>
+          </a:p>
+        </p:txBody>
+      </p:sp>
+    </p:spTree>
+  </p:cSld>
+  <p:clrMapOvr>
+    <a:masterClrMapping/>
+  </p:clrMapOvr>
+</p:notes>
+</file>
+
+<file path=ppt/notesSlides/notesSlide9.xml><?xml version="1.0" encoding="utf-8"?>
+<p:notes xmlns:a="http://schemas.openxmlformats.org/drawingml/2006/main" xmlns:r="http://schemas.openxmlformats.org/officeDocument/2006/relationships" xmlns:p="http://schemas.openxmlformats.org/presentationml/2006/main">
+  <p:cSld>
+    <p:spTree>
+      <p:nvGrpSpPr>
+        <p:cNvPr id="1" name=""/>
+        <p:cNvGrpSpPr/>
+        <p:nvPr/>
+      </p:nvGrpSpPr>
+      <p:grpSpPr>
+        <a:xfrm>
+          <a:off x="0" y="0"/>
+          <a:ext cx="0" cy="0"/>
+          <a:chOff x="0" y="0"/>
+          <a:chExt cx="0" cy="0"/>
+        </a:xfrm>
+      </p:grpSpPr>
+      <p:sp>
+        <p:nvSpPr>
+          <p:cNvPr id="2" name="Slide Image Placeholder 1"/>
+          <p:cNvSpPr>
+            <a:spLocks noGrp="1" noRot="1" noChangeAspect="1"/>
+          </p:cNvSpPr>
+          <p:nvPr>
+            <p:ph type="sldImg"/>
+          </p:nvPr>
+        </p:nvSpPr>
+        <p:spPr/>
+      </p:sp>
+      <p:sp>
+        <p:nvSpPr>
+          <p:cNvPr id="3" name="Notes Placeholder 2"/>
+          <p:cNvSpPr>
+            <a:spLocks noGrp="1"/>
+          </p:cNvSpPr>
+          <p:nvPr>
+            <p:ph type="body" idx="1"/>
+          </p:nvPr>
+        </p:nvSpPr>
+        <p:spPr/>
+        <p:txBody>
+          <a:bodyPr>
+            <a:normAutofit/>
+          </a:bodyPr>
+          <a:lstStyle/>
+          <a:p>
+            <a:r>
+              <a:rPr lang="en-US" dirty="0" smtClean="0"/>
+              <a:t>/// &lt;reference path="jquery-1.4.1-vsdoc.js" /&gt;</a:t>
+            </a:r>
+            <a:endParaRPr lang="en-US" dirty="0"/>
+          </a:p>
+        </p:txBody>
+      </p:sp>
+      <p:sp>
+        <p:nvSpPr>
+          <p:cNvPr id="4" name="Slide Number Placeholder 3"/>
+          <p:cNvSpPr>
+            <a:spLocks noGrp="1"/>
+          </p:cNvSpPr>
+          <p:nvPr>
+            <p:ph type="sldNum" sz="quarter" idx="10"/>
+          </p:nvPr>
+        </p:nvSpPr>
+        <p:spPr/>
+        <p:txBody>
+          <a:bodyPr/>
+          <a:lstStyle/>
+          <a:p>
+            <a:fld id="{6FB4F6EA-423E-42DF-9292-215E7D886C4E}" type="slidenum">
+              <a:rPr lang="en-US" smtClean="0"/>
+              <a:pPr/>
+              <a:t>23</a:t>
+            </a:fld>
+            <a:endParaRPr lang="en-US" dirty="0"/>
+          </a:p>
+        </p:txBody>
+      </p:sp>
+    </p:spTree>
+  </p:cSld>
+  <p:clrMapOvr>
+    <a:masterClrMapping/>
+  </p:clrMapOvr>
+</p:notes>
 </file>
 
 <file path=ppt/slideLayouts/slideLayout1.xml><?xml version="1.0" encoding="utf-8"?>
@@ -3652,9 +5599,12 @@
               <a:rPr lang="en-US" noProof="1" smtClean="0"/>
               <a:t>ScriptManager, UpdatePanel, </a:t>
             </a:r>
-            <a:r>
-              <a:rPr lang="en-US" dirty="0" smtClean="0"/>
-              <a:t>AJAX Control Toolkit</a:t>
+          </a:p>
+          <a:p>
+            <a:pPr lvl="0"/>
+            <a:r>
+              <a:rPr lang="en-US" dirty="0" smtClean="0"/>
+              <a:t>AJAX Control Toolkit, jQuery</a:t>
             </a:r>
             <a:endParaRPr lang="en-US" dirty="0"/>
           </a:p>
@@ -3662,7 +5612,7 @@
       </p:sp>
       <p:sp>
         <p:nvSpPr>
-          <p:cNvPr id="4" name="Text Placeholder 3"/>
+          <p:cNvPr id="10" name="Text Placeholder 3"/>
           <p:cNvSpPr>
             <a:spLocks noGrp="1"/>
           </p:cNvSpPr>
@@ -3672,8 +5622,8 @@
         </p:nvSpPr>
         <p:spPr>
           <a:xfrm>
-            <a:off x="457200" y="5224046"/>
-            <a:ext cx="3352800" cy="954107"/>
+            <a:off x="457200" y="4953000"/>
+            <a:ext cx="3352800" cy="1524000"/>
           </a:xfrm>
         </p:spPr>
         <p:txBody>
@@ -3681,18 +5631,26 @@
           <a:lstStyle/>
           <a:p>
             <a:r>
-              <a:rPr lang="en-US" dirty="0"/>
-              <a:t>Svetlin Nakov</a:t>
-            </a:r>
-          </a:p>
-          <a:p>
+              <a:rPr lang="en-US" dirty="0" err="1" smtClean="0"/>
+              <a:t>Branislav</a:t>
+            </a:r>
+            <a:r>
+              <a:t> </a:t>
+            </a:r>
+            <a:r>
+              <a:rPr lang="en-US" dirty="0" err="1" smtClean="0"/>
+              <a:t>Abadjimarinov</a:t>
+            </a:r>
             <a:endParaRPr lang="en-US" dirty="0"/>
           </a:p>
-        </p:txBody>
-      </p:sp>
-      <p:sp>
-        <p:nvSpPr>
-          <p:cNvPr id="5" name="Text Placeholder 4"/>
+          <a:p>
+            <a:endParaRPr lang="en-US" dirty="0"/>
+          </a:p>
+        </p:txBody>
+      </p:sp>
+      <p:sp>
+        <p:nvSpPr>
+          <p:cNvPr id="11" name="Text Placeholder 4"/>
           <p:cNvSpPr>
             <a:spLocks noGrp="1"/>
           </p:cNvSpPr>
@@ -3702,8 +5660,8 @@
         </p:nvSpPr>
         <p:spPr>
           <a:xfrm>
-            <a:off x="457200" y="5757446"/>
-            <a:ext cx="2090957" cy="646331"/>
+            <a:off x="457200" y="5833646"/>
+            <a:ext cx="3516027" cy="646331"/>
           </a:xfrm>
         </p:spPr>
         <p:txBody>
@@ -3711,18 +5669,19 @@
           <a:lstStyle/>
           <a:p>
             <a:r>
-              <a:rPr lang="en-US" dirty="0"/>
-              <a:t>Telerik Corporation</a:t>
-            </a:r>
-          </a:p>
-          <a:p>
+              <a:rPr lang="en-US" dirty="0" smtClean="0"/>
+              <a:t>MCT, MCTS, MCPD, MTS VMware</a:t>
+            </a:r>
             <a:endParaRPr lang="en-US" dirty="0"/>
           </a:p>
-        </p:txBody>
-      </p:sp>
-      <p:sp>
-        <p:nvSpPr>
-          <p:cNvPr id="6" name="Text Placeholder 5"/>
+          <a:p>
+            <a:endParaRPr lang="en-US" dirty="0"/>
+          </a:p>
+        </p:txBody>
+      </p:sp>
+      <p:sp>
+        <p:nvSpPr>
+          <p:cNvPr id="12" name="Text Placeholder 5"/>
           <p:cNvSpPr>
             <a:spLocks noGrp="1"/>
           </p:cNvSpPr>
@@ -3732,8 +5691,8 @@
         </p:nvSpPr>
         <p:spPr>
           <a:xfrm>
-            <a:off x="457200" y="6062246"/>
-            <a:ext cx="1707903" cy="338554"/>
+            <a:off x="457200" y="6230779"/>
+            <a:ext cx="2743200" cy="338554"/>
           </a:xfrm>
         </p:spPr>
         <p:txBody>
@@ -3744,7 +5703,7 @@
               <a:rPr lang="en-US" dirty="0" smtClean="0">
                 <a:hlinkClick r:id="rId2"/>
               </a:rPr>
-              <a:t>www.telerik.com</a:t>
+              <a:t>www.abadjimarinov.net</a:t>
             </a:r>
             <a:endParaRPr lang="en-US" dirty="0"/>
           </a:p>
@@ -3755,6 +5714,2575 @@
   <p:clrMapOvr>
     <a:masterClrMapping/>
   </p:clrMapOvr>
+  <p:timing>
+    <p:tnLst>
+      <p:par>
+        <p:cTn id="1" dur="indefinite" restart="never" nodeType="tmRoot"/>
+      </p:par>
+    </p:tnLst>
+  </p:timing>
+</p:sld>
+</file>
+
+<file path=ppt/slides/slide10.xml><?xml version="1.0" encoding="utf-8"?>
+<p:sld xmlns:a="http://schemas.openxmlformats.org/drawingml/2006/main" xmlns:r="http://schemas.openxmlformats.org/officeDocument/2006/relationships" xmlns:p="http://schemas.openxmlformats.org/presentationml/2006/main">
+  <p:cSld>
+    <p:spTree>
+      <p:nvGrpSpPr>
+        <p:cNvPr id="1" name=""/>
+        <p:cNvGrpSpPr/>
+        <p:nvPr/>
+      </p:nvGrpSpPr>
+      <p:grpSpPr>
+        <a:xfrm>
+          <a:off x="0" y="0"/>
+          <a:ext cx="0" cy="0"/>
+          <a:chOff x="0" y="0"/>
+          <a:chExt cx="0" cy="0"/>
+        </a:xfrm>
+      </p:grpSpPr>
+      <p:sp>
+        <p:nvSpPr>
+          <p:cNvPr id="488450" name="Rectangle 2"/>
+          <p:cNvSpPr>
+            <a:spLocks noGrp="1" noChangeArrowheads="1"/>
+          </p:cNvSpPr>
+          <p:nvPr>
+            <p:ph type="title"/>
+          </p:nvPr>
+        </p:nvSpPr>
+        <p:spPr/>
+        <p:txBody>
+          <a:bodyPr/>
+          <a:lstStyle/>
+          <a:p>
+            <a:r>
+              <a:rPr lang="en-US" sz="3600"/>
+              <a:t>ASP.NET AJAX Server Controls</a:t>
+            </a:r>
+          </a:p>
+        </p:txBody>
+      </p:sp>
+      <p:sp>
+        <p:nvSpPr>
+          <p:cNvPr id="488451" name="Rectangle 3"/>
+          <p:cNvSpPr>
+            <a:spLocks noGrp="1" noChangeArrowheads="1"/>
+          </p:cNvSpPr>
+          <p:nvPr>
+            <p:ph type="body" idx="1"/>
+          </p:nvPr>
+        </p:nvSpPr>
+        <p:spPr/>
+        <p:txBody>
+          <a:bodyPr/>
+          <a:lstStyle/>
+          <a:p>
+            <a:pPr eaLnBrk="1" hangingPunct="1">
+              <a:lnSpc>
+                <a:spcPct val="85000"/>
+              </a:lnSpc>
+            </a:pPr>
+            <a:r>
+              <a:rPr lang="en-US"/>
+              <a:t>Easily build rich experiences with ASP.NET</a:t>
+            </a:r>
+          </a:p>
+          <a:p>
+            <a:pPr lvl="1" eaLnBrk="1" hangingPunct="1">
+              <a:lnSpc>
+                <a:spcPct val="85000"/>
+              </a:lnSpc>
+            </a:pPr>
+            <a:r>
+              <a:rPr lang="en-US" sz="2900"/>
+              <a:t>Application UI and core logic still runs on server</a:t>
+            </a:r>
+          </a:p>
+          <a:p>
+            <a:pPr lvl="1" eaLnBrk="1" hangingPunct="1">
+              <a:lnSpc>
+                <a:spcPct val="85000"/>
+              </a:lnSpc>
+            </a:pPr>
+            <a:r>
+              <a:rPr lang="en-US" sz="2900"/>
+              <a:t>Avoid need to master JavaScript and asynchronous Programming</a:t>
+            </a:r>
+          </a:p>
+          <a:p>
+            <a:pPr eaLnBrk="1" hangingPunct="1">
+              <a:lnSpc>
+                <a:spcPct val="85000"/>
+              </a:lnSpc>
+            </a:pPr>
+            <a:r>
+              <a:rPr lang="en-US"/>
+              <a:t>Use AJAX techniques to reduce full round trips</a:t>
+            </a:r>
+          </a:p>
+          <a:p>
+            <a:pPr eaLnBrk="1" hangingPunct="1">
+              <a:lnSpc>
+                <a:spcPct val="85000"/>
+              </a:lnSpc>
+            </a:pPr>
+            <a:r>
+              <a:rPr lang="en-US"/>
+              <a:t>Enable incremental page UI updates </a:t>
+            </a:r>
+          </a:p>
+          <a:p>
+            <a:pPr lvl="1" eaLnBrk="1" hangingPunct="1">
+              <a:lnSpc>
+                <a:spcPct val="85000"/>
+              </a:lnSpc>
+            </a:pPr>
+            <a:r>
+              <a:rPr lang="en-US" sz="2900"/>
+              <a:t>Examples: data navigation and editing, form validation, auto refresh</a:t>
+            </a:r>
+          </a:p>
+        </p:txBody>
+      </p:sp>
+    </p:spTree>
+  </p:cSld>
+  <p:clrMapOvr>
+    <a:masterClrMapping/>
+  </p:clrMapOvr>
+  <p:transition/>
+  <p:timing>
+    <p:tnLst>
+      <p:par>
+        <p:cTn id="1" dur="indefinite" restart="never" nodeType="tmRoot"/>
+      </p:par>
+    </p:tnLst>
+  </p:timing>
+</p:sld>
+</file>
+
+<file path=ppt/slides/slide11.xml><?xml version="1.0" encoding="utf-8"?>
+<p:sld xmlns:a="http://schemas.openxmlformats.org/drawingml/2006/main" xmlns:r="http://schemas.openxmlformats.org/officeDocument/2006/relationships" xmlns:p="http://schemas.openxmlformats.org/presentationml/2006/main">
+  <p:cSld>
+    <p:spTree>
+      <p:nvGrpSpPr>
+        <p:cNvPr id="1" name=""/>
+        <p:cNvGrpSpPr/>
+        <p:nvPr/>
+      </p:nvGrpSpPr>
+      <p:grpSpPr>
+        <a:xfrm>
+          <a:off x="0" y="0"/>
+          <a:ext cx="0" cy="0"/>
+          <a:chOff x="0" y="0"/>
+          <a:chExt cx="0" cy="0"/>
+        </a:xfrm>
+      </p:grpSpPr>
+      <p:sp>
+        <p:nvSpPr>
+          <p:cNvPr id="509954" name="Rectangle 2"/>
+          <p:cNvSpPr>
+            <a:spLocks noGrp="1" noChangeArrowheads="1"/>
+          </p:cNvSpPr>
+          <p:nvPr>
+            <p:ph type="title"/>
+          </p:nvPr>
+        </p:nvSpPr>
+        <p:spPr/>
+        <p:txBody>
+          <a:bodyPr/>
+          <a:lstStyle/>
+          <a:p>
+            <a:r>
+              <a:rPr lang="en-US" sz="3600"/>
+              <a:t>ASP.NET AJAX Server Controls (2)</a:t>
+            </a:r>
+          </a:p>
+        </p:txBody>
+      </p:sp>
+      <p:sp>
+        <p:nvSpPr>
+          <p:cNvPr id="509955" name="Rectangle 3"/>
+          <p:cNvSpPr>
+            <a:spLocks noGrp="1" noChangeArrowheads="1"/>
+          </p:cNvSpPr>
+          <p:nvPr>
+            <p:ph type="body" idx="1"/>
+          </p:nvPr>
+        </p:nvSpPr>
+        <p:spPr/>
+        <p:txBody>
+          <a:bodyPr/>
+          <a:lstStyle/>
+          <a:p>
+            <a:pPr eaLnBrk="1" hangingPunct="1">
+              <a:lnSpc>
+                <a:spcPct val="85000"/>
+              </a:lnSpc>
+            </a:pPr>
+            <a:r>
+              <a:rPr lang="en-US"/>
+              <a:t>Richer interactivity for existing ASP.NET controls</a:t>
+            </a:r>
+          </a:p>
+          <a:p>
+            <a:pPr marL="781050" lvl="1" indent="-323850" eaLnBrk="1" hangingPunct="1">
+              <a:lnSpc>
+                <a:spcPct val="85000"/>
+              </a:lnSpc>
+            </a:pPr>
+            <a:r>
+              <a:rPr lang="en-US"/>
+              <a:t>Enrich the client UI experience of web applications</a:t>
+            </a:r>
+          </a:p>
+          <a:p>
+            <a:pPr eaLnBrk="1" hangingPunct="1">
+              <a:lnSpc>
+                <a:spcPct val="85000"/>
+              </a:lnSpc>
+            </a:pPr>
+            <a:r>
+              <a:rPr lang="en-US"/>
+              <a:t>Examples: auto-completion, drag-and-drop, etc.</a:t>
+            </a:r>
+          </a:p>
+        </p:txBody>
+      </p:sp>
+    </p:spTree>
+  </p:cSld>
+  <p:clrMapOvr>
+    <a:masterClrMapping/>
+  </p:clrMapOvr>
+  <p:transition/>
+  <p:timing>
+    <p:tnLst>
+      <p:par>
+        <p:cTn id="1" dur="indefinite" restart="never" nodeType="tmRoot"/>
+      </p:par>
+    </p:tnLst>
+  </p:timing>
+</p:sld>
+</file>
+
+<file path=ppt/slides/slide12.xml><?xml version="1.0" encoding="utf-8"?>
+<p:sld xmlns:a="http://schemas.openxmlformats.org/drawingml/2006/main" xmlns:r="http://schemas.openxmlformats.org/officeDocument/2006/relationships" xmlns:p="http://schemas.openxmlformats.org/presentationml/2006/main">
+  <p:cSld>
+    <p:spTree>
+      <p:nvGrpSpPr>
+        <p:cNvPr id="1" name=""/>
+        <p:cNvGrpSpPr/>
+        <p:nvPr/>
+      </p:nvGrpSpPr>
+      <p:grpSpPr>
+        <a:xfrm>
+          <a:off x="0" y="0"/>
+          <a:ext cx="0" cy="0"/>
+          <a:chOff x="0" y="0"/>
+          <a:chExt cx="0" cy="0"/>
+        </a:xfrm>
+      </p:grpSpPr>
+      <p:sp>
+        <p:nvSpPr>
+          <p:cNvPr id="510978" name="Rectangle 2"/>
+          <p:cNvSpPr>
+            <a:spLocks noGrp="1" noChangeArrowheads="1"/>
+          </p:cNvSpPr>
+          <p:nvPr>
+            <p:ph type="title"/>
+          </p:nvPr>
+        </p:nvSpPr>
+        <p:spPr/>
+        <p:txBody>
+          <a:bodyPr/>
+          <a:lstStyle/>
+          <a:p>
+            <a:r>
+              <a:rPr lang="en-US">
+                <a:latin typeface="Courier New" pitchFamily="49" charset="0"/>
+              </a:rPr>
+              <a:t>ScriptManager</a:t>
+            </a:r>
+            <a:r>
+              <a:rPr lang="en-US"/>
+              <a:t> Control</a:t>
+            </a:r>
+          </a:p>
+        </p:txBody>
+      </p:sp>
+      <p:sp>
+        <p:nvSpPr>
+          <p:cNvPr id="510979" name="Rectangle 3"/>
+          <p:cNvSpPr>
+            <a:spLocks noGrp="1" noChangeArrowheads="1"/>
+          </p:cNvSpPr>
+          <p:nvPr>
+            <p:ph type="body" idx="1"/>
+          </p:nvPr>
+        </p:nvSpPr>
+        <p:spPr/>
+        <p:txBody>
+          <a:bodyPr/>
+          <a:lstStyle/>
+          <a:p>
+            <a:pPr eaLnBrk="1" hangingPunct="1"/>
+            <a:r>
+              <a:rPr lang="en-US" noProof="1">
+                <a:latin typeface="Courier New" pitchFamily="49" charset="0"/>
+              </a:rPr>
+              <a:t>&lt;</a:t>
+            </a:r>
+            <a:r>
+              <a:rPr lang="en-US">
+                <a:latin typeface="Courier New" pitchFamily="49" charset="0"/>
+              </a:rPr>
+              <a:t>asp</a:t>
+            </a:r>
+            <a:r>
+              <a:rPr lang="en-US" noProof="1">
+                <a:latin typeface="Courier New" pitchFamily="49" charset="0"/>
+              </a:rPr>
+              <a:t>:ScriptManager&gt;</a:t>
+            </a:r>
+            <a:r>
+              <a:rPr lang="en-US" noProof="1"/>
+              <a:t> control</a:t>
+            </a:r>
+          </a:p>
+          <a:p>
+            <a:pPr lvl="1" eaLnBrk="1" hangingPunct="1"/>
+            <a:r>
+              <a:rPr lang="en-US" noProof="1"/>
+              <a:t>Manages:</a:t>
+            </a:r>
+          </a:p>
+          <a:p>
+            <a:pPr lvl="2" eaLnBrk="1" hangingPunct="1"/>
+            <a:r>
+              <a:rPr lang="en-US" noProof="1"/>
+              <a:t> AJAX components</a:t>
+            </a:r>
+          </a:p>
+          <a:p>
+            <a:pPr lvl="2" eaLnBrk="1" hangingPunct="1"/>
+            <a:r>
+              <a:rPr lang="en-US" noProof="1"/>
+              <a:t>Partial page rendering</a:t>
+            </a:r>
+          </a:p>
+          <a:p>
+            <a:pPr lvl="2" eaLnBrk="1" hangingPunct="1"/>
+            <a:r>
+              <a:rPr lang="en-US" noProof="1"/>
+              <a:t>Client requests and server responses on ASP.NET server pages. </a:t>
+            </a:r>
+          </a:p>
+          <a:p>
+            <a:pPr lvl="1" eaLnBrk="1" hangingPunct="1"/>
+            <a:r>
+              <a:rPr lang="en-US" noProof="1"/>
+              <a:t>Only one </a:t>
+            </a:r>
+            <a:r>
+              <a:rPr lang="en-US"/>
+              <a:t>manager </a:t>
+            </a:r>
+            <a:r>
+              <a:rPr lang="en-US" noProof="1"/>
+              <a:t>control per </a:t>
+            </a:r>
+            <a:r>
+              <a:rPr lang="en-US" noProof="1">
+                <a:latin typeface="Courier New" pitchFamily="49" charset="0"/>
+              </a:rPr>
+              <a:t>.aspx</a:t>
+            </a:r>
+            <a:r>
+              <a:rPr lang="en-US" noProof="1"/>
+              <a:t> page</a:t>
+            </a:r>
+          </a:p>
+          <a:p>
+            <a:pPr lvl="1" eaLnBrk="1" hangingPunct="1"/>
+            <a:r>
+              <a:rPr lang="en-US" noProof="1"/>
+              <a:t>Automates javascript callbacks</a:t>
+            </a:r>
+          </a:p>
+        </p:txBody>
+      </p:sp>
+    </p:spTree>
+  </p:cSld>
+  <p:clrMapOvr>
+    <a:masterClrMapping/>
+  </p:clrMapOvr>
+  <p:transition/>
+  <p:timing>
+    <p:tnLst>
+      <p:par>
+        <p:cTn id="1" dur="indefinite" restart="never" nodeType="tmRoot"/>
+      </p:par>
+    </p:tnLst>
+  </p:timing>
+</p:sld>
+</file>
+
+<file path=ppt/slides/slide13.xml><?xml version="1.0" encoding="utf-8"?>
+<p:sld xmlns:a="http://schemas.openxmlformats.org/drawingml/2006/main" xmlns:r="http://schemas.openxmlformats.org/officeDocument/2006/relationships" xmlns:p="http://schemas.openxmlformats.org/presentationml/2006/main">
+  <p:cSld>
+    <p:spTree>
+      <p:nvGrpSpPr>
+        <p:cNvPr id="1" name=""/>
+        <p:cNvGrpSpPr/>
+        <p:nvPr/>
+      </p:nvGrpSpPr>
+      <p:grpSpPr>
+        <a:xfrm>
+          <a:off x="0" y="0"/>
+          <a:ext cx="0" cy="0"/>
+          <a:chOff x="0" y="0"/>
+          <a:chExt cx="0" cy="0"/>
+        </a:xfrm>
+      </p:grpSpPr>
+      <p:sp>
+        <p:nvSpPr>
+          <p:cNvPr id="512002" name="Rectangle 2"/>
+          <p:cNvSpPr>
+            <a:spLocks noGrp="1" noChangeArrowheads="1"/>
+          </p:cNvSpPr>
+          <p:nvPr>
+            <p:ph type="title"/>
+          </p:nvPr>
+        </p:nvSpPr>
+        <p:spPr/>
+        <p:txBody>
+          <a:bodyPr/>
+          <a:lstStyle/>
+          <a:p>
+            <a:r>
+              <a:rPr lang="en-US">
+                <a:latin typeface="Courier New" pitchFamily="49" charset="0"/>
+              </a:rPr>
+              <a:t>UpdatePanel</a:t>
+            </a:r>
+            <a:r>
+              <a:rPr lang="en-US"/>
+              <a:t> Control</a:t>
+            </a:r>
+          </a:p>
+        </p:txBody>
+      </p:sp>
+      <p:sp>
+        <p:nvSpPr>
+          <p:cNvPr id="512003" name="Rectangle 3"/>
+          <p:cNvSpPr>
+            <a:spLocks noGrp="1" noChangeArrowheads="1"/>
+          </p:cNvSpPr>
+          <p:nvPr>
+            <p:ph type="body" idx="1"/>
+          </p:nvPr>
+        </p:nvSpPr>
+        <p:spPr/>
+        <p:txBody>
+          <a:bodyPr/>
+          <a:lstStyle/>
+          <a:p>
+            <a:pPr eaLnBrk="1" hangingPunct="1"/>
+            <a:r>
+              <a:rPr lang="en-US">
+                <a:latin typeface="Courier New" pitchFamily="49" charset="0"/>
+              </a:rPr>
+              <a:t>&lt;asp:UpdatePanel&gt;</a:t>
+            </a:r>
+            <a:r>
+              <a:rPr lang="en-US"/>
+              <a:t> control</a:t>
+            </a:r>
+          </a:p>
+          <a:p>
+            <a:pPr lvl="1" eaLnBrk="1" hangingPunct="1"/>
+            <a:r>
+              <a:rPr lang="en-US"/>
+              <a:t>Easily define “updatable” regions of a page</a:t>
+            </a:r>
+          </a:p>
+          <a:p>
+            <a:pPr lvl="1" eaLnBrk="1" hangingPunct="1"/>
+            <a:r>
+              <a:rPr lang="en-US"/>
+              <a:t>Server roundtrips become asynchronous </a:t>
+            </a:r>
+          </a:p>
+        </p:txBody>
+      </p:sp>
+      <p:sp>
+        <p:nvSpPr>
+          <p:cNvPr id="512004" name="Rectangle 4"/>
+          <p:cNvSpPr>
+            <a:spLocks noChangeArrowheads="1"/>
+          </p:cNvSpPr>
+          <p:nvPr/>
+        </p:nvSpPr>
+        <p:spPr bwMode="auto">
+          <a:xfrm>
+            <a:off x="250825" y="3124200"/>
+            <a:ext cx="8713788" cy="2973122"/>
+          </a:xfrm>
+          <a:prstGeom prst="rect">
+            <a:avLst/>
+          </a:prstGeom>
+          <a:solidFill>
+            <a:schemeClr val="bg1">
+              <a:alpha val="39999"/>
+            </a:schemeClr>
+          </a:solidFill>
+          <a:ln w="3175" algn="ctr">
+            <a:solidFill>
+              <a:schemeClr val="hlink"/>
+            </a:solidFill>
+            <a:miter lim="800000"/>
+            <a:headEnd/>
+            <a:tailEnd/>
+          </a:ln>
+          <a:effectLst/>
+        </p:spPr>
+        <p:txBody>
+          <a:bodyPr lIns="144000" tIns="91440" rIns="144000" bIns="109728">
+            <a:spAutoFit/>
+          </a:bodyPr>
+          <a:lstStyle/>
+          <a:p>
+            <a:pPr marL="358775" lvl="2" eaLnBrk="1" hangingPunct="1">
+              <a:spcBef>
+                <a:spcPct val="40000"/>
+              </a:spcBef>
+              <a:buClr>
+                <a:schemeClr val="tx1"/>
+              </a:buClr>
+            </a:pPr>
+            <a:r>
+              <a:rPr lang="en-US" sz="2000" b="1" noProof="1">
+                <a:solidFill>
+                  <a:schemeClr val="tx1">
+                    <a:lumMod val="20000"/>
+                    <a:lumOff val="80000"/>
+                  </a:schemeClr>
+                </a:solidFill>
+                <a:effectLst>
+                  <a:outerShdw blurRad="38100" dist="38100" dir="2700000" algn="tl">
+                    <a:srgbClr val="000000">
+                      <a:alpha val="43137"/>
+                    </a:srgbClr>
+                  </a:outerShdw>
+                </a:effectLst>
+                <a:latin typeface="Courier New" pitchFamily="49" charset="0"/>
+                <a:ea typeface="Times New Roman" pitchFamily="18" charset="0"/>
+                <a:cs typeface="Courier New" pitchFamily="49" charset="0"/>
+              </a:rPr>
+              <a:t>&lt;asp:UpdatePanel id=</a:t>
+            </a:r>
+            <a:r>
+              <a:rPr lang="en-US" sz="2000" b="1" noProof="1">
+                <a:solidFill>
+                  <a:schemeClr val="tx1">
+                    <a:lumMod val="20000"/>
+                    <a:lumOff val="80000"/>
+                  </a:schemeClr>
+                </a:solidFill>
+                <a:effectLst>
+                  <a:outerShdw blurRad="38100" dist="38100" dir="2700000" algn="tl">
+                    <a:srgbClr val="000000">
+                      <a:alpha val="43137"/>
+                    </a:srgbClr>
+                  </a:outerShdw>
+                </a:effectLst>
+                <a:latin typeface="Lucida Console"/>
+                <a:ea typeface="Times New Roman" pitchFamily="18" charset="0"/>
+                <a:cs typeface="Courier New" pitchFamily="49" charset="0"/>
+              </a:rPr>
+              <a:t>“</a:t>
+            </a:r>
+            <a:r>
+              <a:rPr lang="en-US" sz="2000" b="1" noProof="1">
+                <a:solidFill>
+                  <a:schemeClr val="tx1">
+                    <a:lumMod val="20000"/>
+                    <a:lumOff val="80000"/>
+                  </a:schemeClr>
+                </a:solidFill>
+                <a:effectLst>
+                  <a:outerShdw blurRad="38100" dist="38100" dir="2700000" algn="tl">
+                    <a:srgbClr val="000000">
+                      <a:alpha val="43137"/>
+                    </a:srgbClr>
+                  </a:outerShdw>
+                </a:effectLst>
+                <a:latin typeface="Courier New" pitchFamily="49" charset="0"/>
+                <a:ea typeface="Times New Roman" pitchFamily="18" charset="0"/>
+                <a:cs typeface="Courier New" pitchFamily="49" charset="0"/>
+              </a:rPr>
+              <a:t>UpdatePanelDemo</a:t>
+            </a:r>
+            <a:r>
+              <a:rPr lang="en-US" sz="2000" b="1" noProof="1">
+                <a:solidFill>
+                  <a:schemeClr val="tx1">
+                    <a:lumMod val="20000"/>
+                    <a:lumOff val="80000"/>
+                  </a:schemeClr>
+                </a:solidFill>
+                <a:effectLst>
+                  <a:outerShdw blurRad="38100" dist="38100" dir="2700000" algn="tl">
+                    <a:srgbClr val="000000">
+                      <a:alpha val="43137"/>
+                    </a:srgbClr>
+                  </a:outerShdw>
+                </a:effectLst>
+                <a:latin typeface="Lucida Console"/>
+                <a:ea typeface="Times New Roman" pitchFamily="18" charset="0"/>
+                <a:cs typeface="Courier New" pitchFamily="49" charset="0"/>
+              </a:rPr>
+              <a:t>”</a:t>
+            </a:r>
+            <a:r>
+              <a:rPr lang="en-US" sz="2000" b="1" noProof="1">
+                <a:solidFill>
+                  <a:schemeClr val="tx1">
+                    <a:lumMod val="20000"/>
+                    <a:lumOff val="80000"/>
+                  </a:schemeClr>
+                </a:solidFill>
+                <a:effectLst>
+                  <a:outerShdw blurRad="38100" dist="38100" dir="2700000" algn="tl">
+                    <a:srgbClr val="000000">
+                      <a:alpha val="43137"/>
+                    </a:srgbClr>
+                  </a:outerShdw>
+                </a:effectLst>
+                <a:latin typeface="Courier New" pitchFamily="49" charset="0"/>
+                <a:ea typeface="Times New Roman" pitchFamily="18" charset="0"/>
+                <a:cs typeface="Courier New" pitchFamily="49" charset="0"/>
+              </a:rPr>
+              <a:t> runat=</a:t>
+            </a:r>
+            <a:r>
+              <a:rPr lang="en-US" sz="2000" b="1" noProof="1">
+                <a:solidFill>
+                  <a:schemeClr val="tx1">
+                    <a:lumMod val="20000"/>
+                    <a:lumOff val="80000"/>
+                  </a:schemeClr>
+                </a:solidFill>
+                <a:effectLst>
+                  <a:outerShdw blurRad="38100" dist="38100" dir="2700000" algn="tl">
+                    <a:srgbClr val="000000">
+                      <a:alpha val="43137"/>
+                    </a:srgbClr>
+                  </a:outerShdw>
+                </a:effectLst>
+                <a:latin typeface="Lucida Console"/>
+                <a:ea typeface="Times New Roman" pitchFamily="18" charset="0"/>
+                <a:cs typeface="Courier New" pitchFamily="49" charset="0"/>
+              </a:rPr>
+              <a:t>“</a:t>
+            </a:r>
+            <a:r>
+              <a:rPr lang="en-US" sz="2000" b="1" noProof="1">
+                <a:solidFill>
+                  <a:schemeClr val="tx1">
+                    <a:lumMod val="20000"/>
+                    <a:lumOff val="80000"/>
+                  </a:schemeClr>
+                </a:solidFill>
+                <a:effectLst>
+                  <a:outerShdw blurRad="38100" dist="38100" dir="2700000" algn="tl">
+                    <a:srgbClr val="000000">
+                      <a:alpha val="43137"/>
+                    </a:srgbClr>
+                  </a:outerShdw>
+                </a:effectLst>
+                <a:latin typeface="Courier New" pitchFamily="49" charset="0"/>
+                <a:ea typeface="Times New Roman" pitchFamily="18" charset="0"/>
+                <a:cs typeface="Courier New" pitchFamily="49" charset="0"/>
+              </a:rPr>
+              <a:t>server</a:t>
+            </a:r>
+            <a:r>
+              <a:rPr lang="en-US" sz="2000" b="1" noProof="1">
+                <a:solidFill>
+                  <a:schemeClr val="tx1">
+                    <a:lumMod val="20000"/>
+                    <a:lumOff val="80000"/>
+                  </a:schemeClr>
+                </a:solidFill>
+                <a:effectLst>
+                  <a:outerShdw blurRad="38100" dist="38100" dir="2700000" algn="tl">
+                    <a:srgbClr val="000000">
+                      <a:alpha val="43137"/>
+                    </a:srgbClr>
+                  </a:outerShdw>
+                </a:effectLst>
+                <a:latin typeface="Lucida Console"/>
+                <a:ea typeface="Times New Roman" pitchFamily="18" charset="0"/>
+                <a:cs typeface="Courier New" pitchFamily="49" charset="0"/>
+              </a:rPr>
+              <a:t>”</a:t>
+            </a:r>
+            <a:r>
+              <a:rPr lang="en-US" sz="2000" b="1" noProof="1">
+                <a:solidFill>
+                  <a:schemeClr val="tx1">
+                    <a:lumMod val="20000"/>
+                    <a:lumOff val="80000"/>
+                  </a:schemeClr>
+                </a:solidFill>
+                <a:effectLst>
+                  <a:outerShdw blurRad="38100" dist="38100" dir="2700000" algn="tl">
+                    <a:srgbClr val="000000">
+                      <a:alpha val="43137"/>
+                    </a:srgbClr>
+                  </a:outerShdw>
+                </a:effectLst>
+                <a:latin typeface="Courier New" pitchFamily="49" charset="0"/>
+                <a:ea typeface="Times New Roman" pitchFamily="18" charset="0"/>
+                <a:cs typeface="Courier New" pitchFamily="49" charset="0"/>
+              </a:rPr>
+              <a:t>&gt;</a:t>
+            </a:r>
+          </a:p>
+          <a:p>
+            <a:pPr marL="358775" lvl="2" eaLnBrk="1" hangingPunct="1">
+              <a:spcBef>
+                <a:spcPct val="40000"/>
+              </a:spcBef>
+              <a:buClr>
+                <a:schemeClr val="tx1"/>
+              </a:buClr>
+            </a:pPr>
+            <a:r>
+              <a:rPr lang="en-US" sz="2000" b="1" dirty="0">
+                <a:solidFill>
+                  <a:schemeClr val="tx1">
+                    <a:lumMod val="20000"/>
+                    <a:lumOff val="80000"/>
+                  </a:schemeClr>
+                </a:solidFill>
+                <a:effectLst>
+                  <a:outerShdw blurRad="38100" dist="38100" dir="2700000" algn="tl">
+                    <a:srgbClr val="000000">
+                      <a:alpha val="43137"/>
+                    </a:srgbClr>
+                  </a:outerShdw>
+                </a:effectLst>
+                <a:latin typeface="Courier New" pitchFamily="49" charset="0"/>
+                <a:ea typeface="Times New Roman" pitchFamily="18" charset="0"/>
+                <a:cs typeface="Courier New" pitchFamily="49" charset="0"/>
+              </a:rPr>
+              <a:t>  </a:t>
+            </a:r>
+            <a:r>
+              <a:rPr lang="en-US" sz="2000" b="1" noProof="1">
+                <a:solidFill>
+                  <a:schemeClr val="tx1">
+                    <a:lumMod val="20000"/>
+                    <a:lumOff val="80000"/>
+                  </a:schemeClr>
+                </a:solidFill>
+                <a:effectLst>
+                  <a:outerShdw blurRad="38100" dist="38100" dir="2700000" algn="tl">
+                    <a:srgbClr val="000000">
+                      <a:alpha val="43137"/>
+                    </a:srgbClr>
+                  </a:outerShdw>
+                </a:effectLst>
+                <a:latin typeface="Courier New" pitchFamily="49" charset="0"/>
+                <a:ea typeface="Times New Roman" pitchFamily="18" charset="0"/>
+                <a:cs typeface="Courier New" pitchFamily="49" charset="0"/>
+              </a:rPr>
+              <a:t>&lt;ContentTemplate&gt;</a:t>
+            </a:r>
+          </a:p>
+          <a:p>
+            <a:pPr marL="358775" lvl="2" eaLnBrk="1" hangingPunct="1">
+              <a:spcBef>
+                <a:spcPct val="40000"/>
+              </a:spcBef>
+              <a:buClr>
+                <a:schemeClr val="tx1"/>
+              </a:buClr>
+            </a:pPr>
+            <a:r>
+              <a:rPr lang="en-US" sz="2000" b="1" dirty="0">
+                <a:solidFill>
+                  <a:schemeClr val="tx1">
+                    <a:lumMod val="20000"/>
+                    <a:lumOff val="80000"/>
+                  </a:schemeClr>
+                </a:solidFill>
+                <a:effectLst>
+                  <a:outerShdw blurRad="38100" dist="38100" dir="2700000" algn="tl">
+                    <a:srgbClr val="000000">
+                      <a:alpha val="43137"/>
+                    </a:srgbClr>
+                  </a:outerShdw>
+                </a:effectLst>
+                <a:latin typeface="Courier New" pitchFamily="49" charset="0"/>
+                <a:ea typeface="Times New Roman" pitchFamily="18" charset="0"/>
+                <a:cs typeface="Courier New" pitchFamily="49" charset="0"/>
+              </a:rPr>
+              <a:t>    </a:t>
+            </a:r>
+            <a:r>
+              <a:rPr lang="en-US" sz="2000" b="1" noProof="1">
+                <a:solidFill>
+                  <a:schemeClr val="tx1">
+                    <a:lumMod val="20000"/>
+                    <a:lumOff val="80000"/>
+                  </a:schemeClr>
+                </a:solidFill>
+                <a:effectLst>
+                  <a:outerShdw blurRad="38100" dist="38100" dir="2700000" algn="tl">
+                    <a:srgbClr val="000000">
+                      <a:alpha val="43137"/>
+                    </a:srgbClr>
+                  </a:outerShdw>
+                </a:effectLst>
+                <a:latin typeface="Courier New" pitchFamily="49" charset="0"/>
+                <a:ea typeface="Times New Roman" pitchFamily="18" charset="0"/>
+                <a:cs typeface="Courier New" pitchFamily="49" charset="0"/>
+              </a:rPr>
+              <a:t>&lt;!-- This content can be dynamically updated!-&gt;</a:t>
+            </a:r>
+          </a:p>
+          <a:p>
+            <a:pPr marL="358775" lvl="2" eaLnBrk="1" hangingPunct="1">
+              <a:spcBef>
+                <a:spcPct val="40000"/>
+              </a:spcBef>
+              <a:buClr>
+                <a:schemeClr val="tx1"/>
+              </a:buClr>
+            </a:pPr>
+            <a:r>
+              <a:rPr lang="en-US" sz="2000" b="1" dirty="0">
+                <a:solidFill>
+                  <a:schemeClr val="tx1">
+                    <a:lumMod val="20000"/>
+                    <a:lumOff val="80000"/>
+                  </a:schemeClr>
+                </a:solidFill>
+                <a:effectLst>
+                  <a:outerShdw blurRad="38100" dist="38100" dir="2700000" algn="tl">
+                    <a:srgbClr val="000000">
+                      <a:alpha val="43137"/>
+                    </a:srgbClr>
+                  </a:outerShdw>
+                </a:effectLst>
+                <a:latin typeface="Courier New" pitchFamily="49" charset="0"/>
+                <a:ea typeface="Times New Roman" pitchFamily="18" charset="0"/>
+                <a:cs typeface="Courier New" pitchFamily="49" charset="0"/>
+              </a:rPr>
+              <a:t>    </a:t>
+            </a:r>
+            <a:r>
+              <a:rPr lang="en-US" sz="2000" b="1" noProof="1">
+                <a:solidFill>
+                  <a:schemeClr val="tx1">
+                    <a:lumMod val="20000"/>
+                    <a:lumOff val="80000"/>
+                  </a:schemeClr>
+                </a:solidFill>
+                <a:effectLst>
+                  <a:outerShdw blurRad="38100" dist="38100" dir="2700000" algn="tl">
+                    <a:srgbClr val="000000">
+                      <a:alpha val="43137"/>
+                    </a:srgbClr>
+                  </a:outerShdw>
+                </a:effectLst>
+                <a:latin typeface="Courier New" pitchFamily="49" charset="0"/>
+                <a:ea typeface="Times New Roman" pitchFamily="18" charset="0"/>
+                <a:cs typeface="Courier New" pitchFamily="49" charset="0"/>
+              </a:rPr>
+              <a:t>&lt;asp:Calendar id=</a:t>
+            </a:r>
+            <a:r>
+              <a:rPr lang="en-US" sz="2000" b="1" noProof="1">
+                <a:solidFill>
+                  <a:schemeClr val="tx1">
+                    <a:lumMod val="20000"/>
+                    <a:lumOff val="80000"/>
+                  </a:schemeClr>
+                </a:solidFill>
+                <a:effectLst>
+                  <a:outerShdw blurRad="38100" dist="38100" dir="2700000" algn="tl">
+                    <a:srgbClr val="000000">
+                      <a:alpha val="43137"/>
+                    </a:srgbClr>
+                  </a:outerShdw>
+                </a:effectLst>
+                <a:latin typeface="Lucida Console"/>
+                <a:ea typeface="Times New Roman" pitchFamily="18" charset="0"/>
+                <a:cs typeface="Courier New" pitchFamily="49" charset="0"/>
+              </a:rPr>
+              <a:t>“</a:t>
+            </a:r>
+            <a:r>
+              <a:rPr lang="en-US" sz="2000" b="1" noProof="1">
+                <a:solidFill>
+                  <a:schemeClr val="tx1">
+                    <a:lumMod val="20000"/>
+                    <a:lumOff val="80000"/>
+                  </a:schemeClr>
+                </a:solidFill>
+                <a:effectLst>
+                  <a:outerShdw blurRad="38100" dist="38100" dir="2700000" algn="tl">
+                    <a:srgbClr val="000000">
+                      <a:alpha val="43137"/>
+                    </a:srgbClr>
+                  </a:outerShdw>
+                </a:effectLst>
+                <a:latin typeface="Courier New" pitchFamily="49" charset="0"/>
+                <a:ea typeface="Times New Roman" pitchFamily="18" charset="0"/>
+                <a:cs typeface="Courier New" pitchFamily="49" charset="0"/>
+              </a:rPr>
+              <a:t>C</a:t>
+            </a:r>
+            <a:r>
+              <a:rPr lang="en-US" sz="2000" b="1" dirty="0">
+                <a:solidFill>
+                  <a:schemeClr val="tx1">
+                    <a:lumMod val="20000"/>
+                    <a:lumOff val="80000"/>
+                  </a:schemeClr>
+                </a:solidFill>
+                <a:effectLst>
+                  <a:outerShdw blurRad="38100" dist="38100" dir="2700000" algn="tl">
+                    <a:srgbClr val="000000">
+                      <a:alpha val="43137"/>
+                    </a:srgbClr>
+                  </a:outerShdw>
+                </a:effectLst>
+                <a:latin typeface="Courier New" pitchFamily="49" charset="0"/>
+                <a:ea typeface="Times New Roman" pitchFamily="18" charset="0"/>
+                <a:cs typeface="Courier New" pitchFamily="49" charset="0"/>
+              </a:rPr>
+              <a:t>a</a:t>
+            </a:r>
+            <a:r>
+              <a:rPr lang="en-US" sz="2000" b="1" noProof="1">
+                <a:solidFill>
+                  <a:schemeClr val="tx1">
+                    <a:lumMod val="20000"/>
+                    <a:lumOff val="80000"/>
+                  </a:schemeClr>
+                </a:solidFill>
+                <a:effectLst>
+                  <a:outerShdw blurRad="38100" dist="38100" dir="2700000" algn="tl">
+                    <a:srgbClr val="000000">
+                      <a:alpha val="43137"/>
+                    </a:srgbClr>
+                  </a:outerShdw>
+                </a:effectLst>
+                <a:latin typeface="Courier New" pitchFamily="49" charset="0"/>
+                <a:ea typeface="Times New Roman" pitchFamily="18" charset="0"/>
+                <a:cs typeface="Courier New" pitchFamily="49" charset="0"/>
+              </a:rPr>
+              <a:t>lendarDemo</a:t>
+            </a:r>
+            <a:r>
+              <a:rPr lang="en-US" sz="2000" b="1" noProof="1">
+                <a:solidFill>
+                  <a:schemeClr val="tx1">
+                    <a:lumMod val="20000"/>
+                    <a:lumOff val="80000"/>
+                  </a:schemeClr>
+                </a:solidFill>
+                <a:effectLst>
+                  <a:outerShdw blurRad="38100" dist="38100" dir="2700000" algn="tl">
+                    <a:srgbClr val="000000">
+                      <a:alpha val="43137"/>
+                    </a:srgbClr>
+                  </a:outerShdw>
+                </a:effectLst>
+                <a:latin typeface="Lucida Console"/>
+                <a:ea typeface="Times New Roman" pitchFamily="18" charset="0"/>
+                <a:cs typeface="Courier New" pitchFamily="49" charset="0"/>
+              </a:rPr>
+              <a:t>”</a:t>
+            </a:r>
+            <a:r>
+              <a:rPr lang="en-US" sz="2000" b="1" noProof="1">
+                <a:solidFill>
+                  <a:schemeClr val="tx1">
+                    <a:lumMod val="20000"/>
+                    <a:lumOff val="80000"/>
+                  </a:schemeClr>
+                </a:solidFill>
+                <a:effectLst>
+                  <a:outerShdw blurRad="38100" dist="38100" dir="2700000" algn="tl">
+                    <a:srgbClr val="000000">
+                      <a:alpha val="43137"/>
+                    </a:srgbClr>
+                  </a:outerShdw>
+                </a:effectLst>
+                <a:latin typeface="Courier New" pitchFamily="49" charset="0"/>
+                <a:ea typeface="Times New Roman" pitchFamily="18" charset="0"/>
+                <a:cs typeface="Courier New" pitchFamily="49" charset="0"/>
+              </a:rPr>
+              <a:t>runat=</a:t>
+            </a:r>
+            <a:r>
+              <a:rPr lang="en-US" sz="2000" b="1" noProof="1">
+                <a:solidFill>
+                  <a:schemeClr val="tx1">
+                    <a:lumMod val="20000"/>
+                    <a:lumOff val="80000"/>
+                  </a:schemeClr>
+                </a:solidFill>
+                <a:effectLst>
+                  <a:outerShdw blurRad="38100" dist="38100" dir="2700000" algn="tl">
+                    <a:srgbClr val="000000">
+                      <a:alpha val="43137"/>
+                    </a:srgbClr>
+                  </a:outerShdw>
+                </a:effectLst>
+                <a:latin typeface="Lucida Console"/>
+                <a:ea typeface="Times New Roman" pitchFamily="18" charset="0"/>
+                <a:cs typeface="Courier New" pitchFamily="49" charset="0"/>
+              </a:rPr>
+              <a:t>“</a:t>
+            </a:r>
+            <a:r>
+              <a:rPr lang="en-US" sz="2000" b="1" noProof="1">
+                <a:solidFill>
+                  <a:schemeClr val="tx1">
+                    <a:lumMod val="20000"/>
+                    <a:lumOff val="80000"/>
+                  </a:schemeClr>
+                </a:solidFill>
+                <a:effectLst>
+                  <a:outerShdw blurRad="38100" dist="38100" dir="2700000" algn="tl">
+                    <a:srgbClr val="000000">
+                      <a:alpha val="43137"/>
+                    </a:srgbClr>
+                  </a:outerShdw>
+                </a:effectLst>
+                <a:latin typeface="Courier New" pitchFamily="49" charset="0"/>
+                <a:ea typeface="Times New Roman" pitchFamily="18" charset="0"/>
+                <a:cs typeface="Courier New" pitchFamily="49" charset="0"/>
+              </a:rPr>
+              <a:t>server</a:t>
+            </a:r>
+            <a:r>
+              <a:rPr lang="en-US" sz="2000" b="1" noProof="1">
+                <a:solidFill>
+                  <a:schemeClr val="tx1">
+                    <a:lumMod val="20000"/>
+                    <a:lumOff val="80000"/>
+                  </a:schemeClr>
+                </a:solidFill>
+                <a:effectLst>
+                  <a:outerShdw blurRad="38100" dist="38100" dir="2700000" algn="tl">
+                    <a:srgbClr val="000000">
+                      <a:alpha val="43137"/>
+                    </a:srgbClr>
+                  </a:outerShdw>
+                </a:effectLst>
+                <a:latin typeface="Lucida Console"/>
+                <a:ea typeface="Times New Roman" pitchFamily="18" charset="0"/>
+                <a:cs typeface="Courier New" pitchFamily="49" charset="0"/>
+              </a:rPr>
+              <a:t>”</a:t>
+            </a:r>
+            <a:r>
+              <a:rPr lang="en-US" sz="2000" b="1" noProof="1">
+                <a:solidFill>
+                  <a:schemeClr val="tx1">
+                    <a:lumMod val="20000"/>
+                    <a:lumOff val="80000"/>
+                  </a:schemeClr>
+                </a:solidFill>
+                <a:effectLst>
+                  <a:outerShdw blurRad="38100" dist="38100" dir="2700000" algn="tl">
+                    <a:srgbClr val="000000">
+                      <a:alpha val="43137"/>
+                    </a:srgbClr>
+                  </a:outerShdw>
+                </a:effectLst>
+                <a:latin typeface="Courier New" pitchFamily="49" charset="0"/>
+                <a:ea typeface="Times New Roman" pitchFamily="18" charset="0"/>
+                <a:cs typeface="Courier New" pitchFamily="49" charset="0"/>
+              </a:rPr>
+              <a:t>/&gt;</a:t>
+            </a:r>
+          </a:p>
+          <a:p>
+            <a:pPr marL="358775" lvl="2" eaLnBrk="1" hangingPunct="1">
+              <a:spcBef>
+                <a:spcPct val="40000"/>
+              </a:spcBef>
+              <a:buClr>
+                <a:schemeClr val="tx1"/>
+              </a:buClr>
+            </a:pPr>
+            <a:r>
+              <a:rPr lang="en-US" sz="2000" b="1" dirty="0">
+                <a:solidFill>
+                  <a:schemeClr val="tx1">
+                    <a:lumMod val="20000"/>
+                    <a:lumOff val="80000"/>
+                  </a:schemeClr>
+                </a:solidFill>
+                <a:effectLst>
+                  <a:outerShdw blurRad="38100" dist="38100" dir="2700000" algn="tl">
+                    <a:srgbClr val="000000">
+                      <a:alpha val="43137"/>
+                    </a:srgbClr>
+                  </a:outerShdw>
+                </a:effectLst>
+                <a:latin typeface="Courier New" pitchFamily="49" charset="0"/>
+                <a:ea typeface="Times New Roman" pitchFamily="18" charset="0"/>
+                <a:cs typeface="Courier New" pitchFamily="49" charset="0"/>
+              </a:rPr>
+              <a:t>  </a:t>
+            </a:r>
+            <a:r>
+              <a:rPr lang="en-US" sz="2000" b="1" noProof="1">
+                <a:solidFill>
+                  <a:schemeClr val="tx1">
+                    <a:lumMod val="20000"/>
+                    <a:lumOff val="80000"/>
+                  </a:schemeClr>
+                </a:solidFill>
+                <a:effectLst>
+                  <a:outerShdw blurRad="38100" dist="38100" dir="2700000" algn="tl">
+                    <a:srgbClr val="000000">
+                      <a:alpha val="43137"/>
+                    </a:srgbClr>
+                  </a:outerShdw>
+                </a:effectLst>
+                <a:latin typeface="Courier New" pitchFamily="49" charset="0"/>
+                <a:ea typeface="Times New Roman" pitchFamily="18" charset="0"/>
+                <a:cs typeface="Courier New" pitchFamily="49" charset="0"/>
+              </a:rPr>
+              <a:t>&lt;ContentTemplate&gt;</a:t>
+            </a:r>
+          </a:p>
+          <a:p>
+            <a:pPr marL="358775" lvl="2" eaLnBrk="1" hangingPunct="1">
+              <a:spcBef>
+                <a:spcPct val="40000"/>
+              </a:spcBef>
+              <a:buClr>
+                <a:schemeClr val="tx1"/>
+              </a:buClr>
+            </a:pPr>
+            <a:r>
+              <a:rPr lang="en-US" sz="2000" b="1" noProof="1">
+                <a:solidFill>
+                  <a:schemeClr val="tx1">
+                    <a:lumMod val="20000"/>
+                    <a:lumOff val="80000"/>
+                  </a:schemeClr>
+                </a:solidFill>
+                <a:effectLst>
+                  <a:outerShdw blurRad="38100" dist="38100" dir="2700000" algn="tl">
+                    <a:srgbClr val="000000">
+                      <a:alpha val="43137"/>
+                    </a:srgbClr>
+                  </a:outerShdw>
+                </a:effectLst>
+                <a:latin typeface="Courier New" pitchFamily="49" charset="0"/>
+                <a:ea typeface="Times New Roman" pitchFamily="18" charset="0"/>
+                <a:cs typeface="Courier New" pitchFamily="49" charset="0"/>
+              </a:rPr>
+              <a:t>&lt;/asp:UpdatePanel&gt;</a:t>
+            </a:r>
+          </a:p>
+        </p:txBody>
+      </p:sp>
+    </p:spTree>
+  </p:cSld>
+  <p:clrMapOvr>
+    <a:masterClrMapping/>
+  </p:clrMapOvr>
+  <p:transition/>
+  <p:timing>
+    <p:tnLst>
+      <p:par>
+        <p:cTn id="1" dur="indefinite" restart="never" nodeType="tmRoot"/>
+      </p:par>
+    </p:tnLst>
+  </p:timing>
+</p:sld>
+</file>
+
+<file path=ppt/slides/slide14.xml><?xml version="1.0" encoding="utf-8"?>
+<p:sld xmlns:a="http://schemas.openxmlformats.org/drawingml/2006/main" xmlns:r="http://schemas.openxmlformats.org/officeDocument/2006/relationships" xmlns:p="http://schemas.openxmlformats.org/presentationml/2006/main">
+  <p:cSld>
+    <p:spTree>
+      <p:nvGrpSpPr>
+        <p:cNvPr id="1" name=""/>
+        <p:cNvGrpSpPr/>
+        <p:nvPr/>
+      </p:nvGrpSpPr>
+      <p:grpSpPr>
+        <a:xfrm>
+          <a:off x="0" y="0"/>
+          <a:ext cx="0" cy="0"/>
+          <a:chOff x="0" y="0"/>
+          <a:chExt cx="0" cy="0"/>
+        </a:xfrm>
+      </p:grpSpPr>
+      <p:sp>
+        <p:nvSpPr>
+          <p:cNvPr id="520194" name="Rectangle 2"/>
+          <p:cNvSpPr>
+            <a:spLocks noGrp="1" noChangeArrowheads="1"/>
+          </p:cNvSpPr>
+          <p:nvPr>
+            <p:ph type="title"/>
+          </p:nvPr>
+        </p:nvSpPr>
+        <p:spPr/>
+        <p:txBody>
+          <a:bodyPr/>
+          <a:lstStyle/>
+          <a:p>
+            <a:r>
+              <a:rPr lang="en-US"/>
+              <a:t>Triggers</a:t>
+            </a:r>
+          </a:p>
+        </p:txBody>
+      </p:sp>
+      <p:sp>
+        <p:nvSpPr>
+          <p:cNvPr id="520195" name="Rectangle 3"/>
+          <p:cNvSpPr>
+            <a:spLocks noGrp="1" noChangeArrowheads="1"/>
+          </p:cNvSpPr>
+          <p:nvPr>
+            <p:ph type="body" idx="1"/>
+          </p:nvPr>
+        </p:nvSpPr>
+        <p:spPr/>
+        <p:txBody>
+          <a:bodyPr/>
+          <a:lstStyle/>
+          <a:p>
+            <a:pPr eaLnBrk="1" hangingPunct="1"/>
+            <a:r>
+              <a:rPr lang="en-US"/>
+              <a:t>Controls with can cause update of the </a:t>
+            </a:r>
+            <a:r>
+              <a:rPr lang="en-US">
+                <a:latin typeface="Courier New" pitchFamily="49" charset="0"/>
+              </a:rPr>
+              <a:t>UpdatePanel</a:t>
+            </a:r>
+            <a:r>
+              <a:rPr lang="en-US"/>
+              <a:t>’s content </a:t>
+            </a:r>
+          </a:p>
+          <a:p>
+            <a:pPr lvl="1" eaLnBrk="1" hangingPunct="1"/>
+            <a:r>
+              <a:rPr lang="en-US"/>
+              <a:t>Can be controls inside or outside the panel</a:t>
+            </a:r>
+          </a:p>
+        </p:txBody>
+      </p:sp>
+      <p:sp>
+        <p:nvSpPr>
+          <p:cNvPr id="520196" name="Rectangle 4"/>
+          <p:cNvSpPr>
+            <a:spLocks noChangeArrowheads="1"/>
+          </p:cNvSpPr>
+          <p:nvPr/>
+        </p:nvSpPr>
+        <p:spPr bwMode="auto">
+          <a:xfrm>
+            <a:off x="468313" y="2819400"/>
+            <a:ext cx="8064500" cy="3360920"/>
+          </a:xfrm>
+          <a:prstGeom prst="rect">
+            <a:avLst/>
+          </a:prstGeom>
+          <a:solidFill>
+            <a:schemeClr val="bg1">
+              <a:alpha val="39999"/>
+            </a:schemeClr>
+          </a:solidFill>
+          <a:ln w="3175" algn="ctr">
+            <a:solidFill>
+              <a:schemeClr val="hlink"/>
+            </a:solidFill>
+            <a:miter lim="800000"/>
+            <a:headEnd/>
+            <a:tailEnd/>
+          </a:ln>
+          <a:effectLst/>
+        </p:spPr>
+        <p:txBody>
+          <a:bodyPr lIns="144000" tIns="91440" rIns="144000" bIns="109728">
+            <a:spAutoFit/>
+          </a:bodyPr>
+          <a:lstStyle/>
+          <a:p>
+            <a:pPr marL="358775" lvl="2" eaLnBrk="1" hangingPunct="1">
+              <a:spcBef>
+                <a:spcPct val="40000"/>
+              </a:spcBef>
+              <a:buClr>
+                <a:schemeClr val="tx1"/>
+              </a:buClr>
+            </a:pPr>
+            <a:r>
+              <a:rPr lang="en-US" sz="1800" b="1" noProof="1">
+                <a:solidFill>
+                  <a:schemeClr val="tx1">
+                    <a:lumMod val="20000"/>
+                    <a:lumOff val="80000"/>
+                  </a:schemeClr>
+                </a:solidFill>
+                <a:latin typeface="Courier New" pitchFamily="49" charset="0"/>
+                <a:ea typeface="Times New Roman" pitchFamily="18" charset="0"/>
+                <a:cs typeface="Courier New" pitchFamily="49" charset="0"/>
+              </a:rPr>
+              <a:t>&lt;asp:UpdatePanel ID="UpdatePanelWithTriggers" runat="server" &gt;</a:t>
+            </a:r>
+            <a:endParaRPr lang="en-US" sz="1800" b="1" dirty="0">
+              <a:solidFill>
+                <a:schemeClr val="tx1">
+                  <a:lumMod val="20000"/>
+                  <a:lumOff val="80000"/>
+                </a:schemeClr>
+              </a:solidFill>
+              <a:latin typeface="Courier New" pitchFamily="49" charset="0"/>
+              <a:ea typeface="Times New Roman" pitchFamily="18" charset="0"/>
+              <a:cs typeface="Courier New" pitchFamily="49" charset="0"/>
+            </a:endParaRPr>
+          </a:p>
+          <a:p>
+            <a:pPr marL="358775" lvl="2" eaLnBrk="1" hangingPunct="1">
+              <a:spcBef>
+                <a:spcPct val="40000"/>
+              </a:spcBef>
+              <a:buClr>
+                <a:schemeClr val="tx1"/>
+              </a:buClr>
+            </a:pPr>
+            <a:r>
+              <a:rPr lang="en-US" sz="1800" b="1" dirty="0">
+                <a:solidFill>
+                  <a:schemeClr val="tx1">
+                    <a:lumMod val="20000"/>
+                    <a:lumOff val="80000"/>
+                  </a:schemeClr>
+                </a:solidFill>
+                <a:latin typeface="Courier New" pitchFamily="49" charset="0"/>
+                <a:ea typeface="Times New Roman" pitchFamily="18" charset="0"/>
+                <a:cs typeface="Courier New" pitchFamily="49" charset="0"/>
+              </a:rPr>
+              <a:t>  </a:t>
+            </a:r>
+            <a:r>
+              <a:rPr lang="en-US" sz="1800" b="1" noProof="1">
+                <a:solidFill>
+                  <a:schemeClr val="tx1">
+                    <a:lumMod val="20000"/>
+                    <a:lumOff val="80000"/>
+                  </a:schemeClr>
+                </a:solidFill>
+                <a:latin typeface="Courier New" pitchFamily="49" charset="0"/>
+                <a:ea typeface="Times New Roman" pitchFamily="18" charset="0"/>
+                <a:cs typeface="Courier New" pitchFamily="49" charset="0"/>
+              </a:rPr>
+              <a:t>&lt;Triggers&gt;</a:t>
+            </a:r>
+          </a:p>
+          <a:p>
+            <a:pPr marL="358775" lvl="2" eaLnBrk="1" hangingPunct="1">
+              <a:spcBef>
+                <a:spcPct val="40000"/>
+              </a:spcBef>
+              <a:buClr>
+                <a:schemeClr val="tx1"/>
+              </a:buClr>
+            </a:pPr>
+            <a:r>
+              <a:rPr lang="en-US" sz="1800" b="1" dirty="0">
+                <a:solidFill>
+                  <a:schemeClr val="tx1">
+                    <a:lumMod val="20000"/>
+                    <a:lumOff val="80000"/>
+                  </a:schemeClr>
+                </a:solidFill>
+                <a:latin typeface="Courier New" pitchFamily="49" charset="0"/>
+                <a:ea typeface="Times New Roman" pitchFamily="18" charset="0"/>
+                <a:cs typeface="Courier New" pitchFamily="49" charset="0"/>
+              </a:rPr>
+              <a:t>    </a:t>
+            </a:r>
+            <a:r>
+              <a:rPr lang="en-US" sz="1800" b="1" noProof="1">
+                <a:solidFill>
+                  <a:schemeClr val="tx1">
+                    <a:lumMod val="20000"/>
+                    <a:lumOff val="80000"/>
+                  </a:schemeClr>
+                </a:solidFill>
+                <a:latin typeface="Courier New" pitchFamily="49" charset="0"/>
+                <a:ea typeface="Times New Roman" pitchFamily="18" charset="0"/>
+                <a:cs typeface="Courier New" pitchFamily="49" charset="0"/>
+              </a:rPr>
+              <a:t>&lt;asp:AsyncPostBackTrigger </a:t>
+            </a:r>
+            <a:r>
+              <a:rPr lang="en-US" sz="1800" b="1" dirty="0">
+                <a:solidFill>
+                  <a:schemeClr val="tx1">
+                    <a:lumMod val="20000"/>
+                    <a:lumOff val="80000"/>
+                  </a:schemeClr>
+                </a:solidFill>
+                <a:latin typeface="Courier New" pitchFamily="49" charset="0"/>
+                <a:ea typeface="Times New Roman" pitchFamily="18" charset="0"/>
+                <a:cs typeface="Courier New" pitchFamily="49" charset="0"/>
+              </a:rPr>
+              <a:t>    </a:t>
+            </a:r>
+            <a:r>
+              <a:rPr lang="en-US" sz="1800" b="1" noProof="1">
+                <a:solidFill>
+                  <a:schemeClr val="tx1">
+                    <a:lumMod val="20000"/>
+                    <a:lumOff val="80000"/>
+                  </a:schemeClr>
+                </a:solidFill>
+                <a:latin typeface="Courier New" pitchFamily="49" charset="0"/>
+                <a:ea typeface="Times New Roman" pitchFamily="18" charset="0"/>
+                <a:cs typeface="Courier New" pitchFamily="49" charset="0"/>
+              </a:rPr>
+              <a:t>ControlID="TimerDemo" EventName="Tick" /&gt;</a:t>
+            </a:r>
+          </a:p>
+          <a:p>
+            <a:pPr marL="358775" lvl="2" eaLnBrk="1" hangingPunct="1">
+              <a:spcBef>
+                <a:spcPct val="40000"/>
+              </a:spcBef>
+              <a:buClr>
+                <a:schemeClr val="tx1"/>
+              </a:buClr>
+            </a:pPr>
+            <a:r>
+              <a:rPr lang="en-US" sz="1800" b="1" dirty="0">
+                <a:solidFill>
+                  <a:schemeClr val="tx1">
+                    <a:lumMod val="20000"/>
+                    <a:lumOff val="80000"/>
+                  </a:schemeClr>
+                </a:solidFill>
+                <a:latin typeface="Courier New" pitchFamily="49" charset="0"/>
+                <a:ea typeface="Times New Roman" pitchFamily="18" charset="0"/>
+                <a:cs typeface="Courier New" pitchFamily="49" charset="0"/>
+              </a:rPr>
+              <a:t>  </a:t>
+            </a:r>
+            <a:r>
+              <a:rPr lang="en-US" sz="1800" b="1" noProof="1">
+                <a:solidFill>
+                  <a:schemeClr val="tx1">
+                    <a:lumMod val="20000"/>
+                    <a:lumOff val="80000"/>
+                  </a:schemeClr>
+                </a:solidFill>
+                <a:latin typeface="Courier New" pitchFamily="49" charset="0"/>
+                <a:ea typeface="Times New Roman" pitchFamily="18" charset="0"/>
+                <a:cs typeface="Courier New" pitchFamily="49" charset="0"/>
+              </a:rPr>
+              <a:t>&lt;/Triggers&gt; </a:t>
+            </a:r>
+          </a:p>
+          <a:p>
+            <a:pPr marL="358775" lvl="2" eaLnBrk="1" hangingPunct="1">
+              <a:spcBef>
+                <a:spcPct val="40000"/>
+              </a:spcBef>
+              <a:buClr>
+                <a:schemeClr val="tx1"/>
+              </a:buClr>
+            </a:pPr>
+            <a:r>
+              <a:rPr lang="en-US" sz="1800" b="1" dirty="0">
+                <a:solidFill>
+                  <a:schemeClr val="tx1">
+                    <a:lumMod val="20000"/>
+                    <a:lumOff val="80000"/>
+                  </a:schemeClr>
+                </a:solidFill>
+                <a:latin typeface="Courier New" pitchFamily="49" charset="0"/>
+                <a:ea typeface="Times New Roman" pitchFamily="18" charset="0"/>
+                <a:cs typeface="Courier New" pitchFamily="49" charset="0"/>
+              </a:rPr>
+              <a:t>  </a:t>
+            </a:r>
+            <a:r>
+              <a:rPr lang="en-US" sz="1800" b="1" noProof="1">
+                <a:solidFill>
+                  <a:schemeClr val="tx1">
+                    <a:lumMod val="20000"/>
+                    <a:lumOff val="80000"/>
+                  </a:schemeClr>
+                </a:solidFill>
+                <a:latin typeface="Courier New" pitchFamily="49" charset="0"/>
+                <a:ea typeface="Times New Roman" pitchFamily="18" charset="0"/>
+                <a:cs typeface="Courier New" pitchFamily="49" charset="0"/>
+              </a:rPr>
+              <a:t>&lt;/ContentTemplate&gt;</a:t>
+            </a:r>
+          </a:p>
+          <a:p>
+            <a:pPr marL="358775" lvl="2" eaLnBrk="1" hangingPunct="1">
+              <a:spcBef>
+                <a:spcPct val="40000"/>
+              </a:spcBef>
+              <a:buClr>
+                <a:schemeClr val="tx1"/>
+              </a:buClr>
+            </a:pPr>
+            <a:r>
+              <a:rPr lang="en-US" sz="1800" b="1" dirty="0">
+                <a:solidFill>
+                  <a:schemeClr val="tx1">
+                    <a:lumMod val="20000"/>
+                    <a:lumOff val="80000"/>
+                  </a:schemeClr>
+                </a:solidFill>
+                <a:latin typeface="Courier New" pitchFamily="49" charset="0"/>
+                <a:ea typeface="Times New Roman" pitchFamily="18" charset="0"/>
+                <a:cs typeface="Courier New" pitchFamily="49" charset="0"/>
+              </a:rPr>
+              <a:t>  </a:t>
+            </a:r>
+            <a:r>
+              <a:rPr lang="en-US" sz="1800" b="1" noProof="1">
+                <a:solidFill>
+                  <a:schemeClr val="tx1">
+                    <a:lumMod val="20000"/>
+                    <a:lumOff val="80000"/>
+                  </a:schemeClr>
+                </a:solidFill>
+                <a:latin typeface="Courier New" pitchFamily="49" charset="0"/>
+                <a:ea typeface="Times New Roman" pitchFamily="18" charset="0"/>
+                <a:cs typeface="Courier New" pitchFamily="49" charset="0"/>
+              </a:rPr>
+              <a:t>&lt;/ContentTemplate&gt;</a:t>
+            </a:r>
+          </a:p>
+          <a:p>
+            <a:pPr marL="358775" lvl="2" eaLnBrk="1" hangingPunct="1">
+              <a:spcBef>
+                <a:spcPct val="40000"/>
+              </a:spcBef>
+              <a:buClr>
+                <a:schemeClr val="tx1"/>
+              </a:buClr>
+            </a:pPr>
+            <a:r>
+              <a:rPr lang="en-US" sz="1800" b="1" noProof="1">
+                <a:solidFill>
+                  <a:schemeClr val="tx1">
+                    <a:lumMod val="20000"/>
+                    <a:lumOff val="80000"/>
+                  </a:schemeClr>
+                </a:solidFill>
+                <a:latin typeface="Courier New" pitchFamily="49" charset="0"/>
+                <a:ea typeface="Times New Roman" pitchFamily="18" charset="0"/>
+                <a:cs typeface="Courier New" pitchFamily="49" charset="0"/>
+              </a:rPr>
+              <a:t>&lt;/asp:UpdatePanel&gt;</a:t>
+            </a:r>
+          </a:p>
+        </p:txBody>
+      </p:sp>
+    </p:spTree>
+  </p:cSld>
+  <p:clrMapOvr>
+    <a:masterClrMapping/>
+  </p:clrMapOvr>
+  <p:transition/>
+  <p:timing>
+    <p:tnLst>
+      <p:par>
+        <p:cTn id="1" dur="indefinite" restart="never" nodeType="tmRoot"/>
+      </p:par>
+    </p:tnLst>
+  </p:timing>
+</p:sld>
+</file>
+
+<file path=ppt/slides/slide15.xml><?xml version="1.0" encoding="utf-8"?>
+<p:sld xmlns:a="http://schemas.openxmlformats.org/drawingml/2006/main" xmlns:r="http://schemas.openxmlformats.org/officeDocument/2006/relationships" xmlns:p="http://schemas.openxmlformats.org/presentationml/2006/main">
+  <p:cSld>
+    <p:spTree>
+      <p:nvGrpSpPr>
+        <p:cNvPr id="1" name=""/>
+        <p:cNvGrpSpPr/>
+        <p:nvPr/>
+      </p:nvGrpSpPr>
+      <p:grpSpPr>
+        <a:xfrm>
+          <a:off x="0" y="0"/>
+          <a:ext cx="0" cy="0"/>
+          <a:chOff x="0" y="0"/>
+          <a:chExt cx="0" cy="0"/>
+        </a:xfrm>
+      </p:grpSpPr>
+      <p:sp>
+        <p:nvSpPr>
+          <p:cNvPr id="513026" name="Rectangle 2"/>
+          <p:cNvSpPr>
+            <a:spLocks noGrp="1" noChangeArrowheads="1"/>
+          </p:cNvSpPr>
+          <p:nvPr>
+            <p:ph type="title"/>
+          </p:nvPr>
+        </p:nvSpPr>
+        <p:spPr/>
+        <p:txBody>
+          <a:bodyPr/>
+          <a:lstStyle/>
+          <a:p>
+            <a:r>
+              <a:rPr lang="en-US">
+                <a:latin typeface="Courier New" pitchFamily="49" charset="0"/>
+              </a:rPr>
+              <a:t>Timer</a:t>
+            </a:r>
+            <a:r>
+              <a:rPr lang="en-US"/>
+              <a:t> Control</a:t>
+            </a:r>
+          </a:p>
+        </p:txBody>
+      </p:sp>
+      <p:sp>
+        <p:nvSpPr>
+          <p:cNvPr id="513027" name="Rectangle 3"/>
+          <p:cNvSpPr>
+            <a:spLocks noGrp="1" noChangeArrowheads="1"/>
+          </p:cNvSpPr>
+          <p:nvPr>
+            <p:ph type="body" idx="1"/>
+          </p:nvPr>
+        </p:nvSpPr>
+        <p:spPr/>
+        <p:txBody>
+          <a:bodyPr/>
+          <a:lstStyle/>
+          <a:p>
+            <a:pPr eaLnBrk="1" hangingPunct="1"/>
+            <a:r>
+              <a:rPr lang="en-US" noProof="1">
+                <a:latin typeface="Courier New" pitchFamily="49" charset="0"/>
+              </a:rPr>
+              <a:t>&lt;asp:Timer&gt;</a:t>
+            </a:r>
+            <a:r>
+              <a:rPr lang="en-US" noProof="1"/>
+              <a:t> control</a:t>
+            </a:r>
+          </a:p>
+          <a:p>
+            <a:pPr lvl="1" eaLnBrk="1" hangingPunct="1"/>
+            <a:r>
+              <a:rPr lang="en-US" noProof="1"/>
+              <a:t>Added as a trigger</a:t>
+            </a:r>
+            <a:r>
+              <a:rPr lang="en-US"/>
+              <a:t> of an update panel</a:t>
+            </a:r>
+            <a:endParaRPr lang="en-US" noProof="1"/>
+          </a:p>
+          <a:p>
+            <a:pPr lvl="1" eaLnBrk="1" hangingPunct="1"/>
+            <a:r>
+              <a:rPr lang="en-US" noProof="1"/>
+              <a:t>Refreshes panel when timer </a:t>
+            </a:r>
+            <a:r>
+              <a:rPr lang="en-US"/>
+              <a:t>interval </a:t>
+            </a:r>
+            <a:r>
+              <a:rPr lang="en-US" noProof="1"/>
+              <a:t>expires</a:t>
+            </a:r>
+          </a:p>
+        </p:txBody>
+      </p:sp>
+      <p:sp>
+        <p:nvSpPr>
+          <p:cNvPr id="513028" name="Rectangle 4"/>
+          <p:cNvSpPr>
+            <a:spLocks noChangeArrowheads="1"/>
+          </p:cNvSpPr>
+          <p:nvPr/>
+        </p:nvSpPr>
+        <p:spPr bwMode="auto">
+          <a:xfrm>
+            <a:off x="468313" y="3860800"/>
+            <a:ext cx="8064500" cy="1249573"/>
+          </a:xfrm>
+          <a:prstGeom prst="rect">
+            <a:avLst/>
+          </a:prstGeom>
+          <a:solidFill>
+            <a:schemeClr val="bg1">
+              <a:alpha val="39999"/>
+            </a:schemeClr>
+          </a:solidFill>
+          <a:ln w="3175" algn="ctr">
+            <a:solidFill>
+              <a:schemeClr val="hlink"/>
+            </a:solidFill>
+            <a:miter lim="800000"/>
+            <a:headEnd/>
+            <a:tailEnd/>
+          </a:ln>
+          <a:effectLst/>
+        </p:spPr>
+        <p:txBody>
+          <a:bodyPr lIns="144000" tIns="91440" rIns="144000" bIns="109728">
+            <a:spAutoFit/>
+          </a:bodyPr>
+          <a:lstStyle/>
+          <a:p>
+            <a:pPr marL="358775" lvl="2" eaLnBrk="1" hangingPunct="1">
+              <a:spcBef>
+                <a:spcPct val="40000"/>
+              </a:spcBef>
+              <a:buClr>
+                <a:schemeClr val="tx1"/>
+              </a:buClr>
+            </a:pPr>
+            <a:r>
+              <a:rPr lang="en-US" sz="2000" b="1" noProof="1">
+                <a:solidFill>
+                  <a:schemeClr val="tx1">
+                    <a:lumMod val="20000"/>
+                    <a:lumOff val="80000"/>
+                  </a:schemeClr>
+                </a:solidFill>
+                <a:latin typeface="Courier New" pitchFamily="49" charset="0"/>
+                <a:ea typeface="Times New Roman" pitchFamily="18" charset="0"/>
+                <a:cs typeface="Courier New" pitchFamily="49" charset="0"/>
+              </a:rPr>
+              <a:t>&lt;asp:Timer ID="TimerDemo" runat="Server"</a:t>
+            </a:r>
+            <a:r>
+              <a:rPr lang="en-US" sz="2000" b="1" dirty="0">
+                <a:solidFill>
+                  <a:schemeClr val="tx1">
+                    <a:lumMod val="20000"/>
+                    <a:lumOff val="80000"/>
+                  </a:schemeClr>
+                </a:solidFill>
+                <a:latin typeface="Courier New" pitchFamily="49" charset="0"/>
+                <a:ea typeface="Times New Roman" pitchFamily="18" charset="0"/>
+                <a:cs typeface="Courier New" pitchFamily="49" charset="0"/>
+              </a:rPr>
+              <a:t> </a:t>
+            </a:r>
+            <a:r>
+              <a:rPr lang="en-US" sz="2000" b="1" noProof="1">
+                <a:solidFill>
+                  <a:schemeClr val="tx1">
+                    <a:lumMod val="20000"/>
+                    <a:lumOff val="80000"/>
+                  </a:schemeClr>
+                </a:solidFill>
+                <a:latin typeface="Courier New" pitchFamily="49" charset="0"/>
+                <a:ea typeface="Times New Roman" pitchFamily="18" charset="0"/>
+                <a:cs typeface="Courier New" pitchFamily="49" charset="0"/>
+              </a:rPr>
+              <a:t>Interval="5000" &gt;</a:t>
+            </a:r>
+          </a:p>
+          <a:p>
+            <a:pPr marL="358775" lvl="2" eaLnBrk="1" hangingPunct="1">
+              <a:spcBef>
+                <a:spcPct val="40000"/>
+              </a:spcBef>
+              <a:buClr>
+                <a:schemeClr val="tx1"/>
+              </a:buClr>
+            </a:pPr>
+            <a:r>
+              <a:rPr lang="en-US" sz="2000" b="1" noProof="1">
+                <a:solidFill>
+                  <a:schemeClr val="tx1">
+                    <a:lumMod val="20000"/>
+                    <a:lumOff val="80000"/>
+                  </a:schemeClr>
+                </a:solidFill>
+                <a:latin typeface="Courier New" pitchFamily="49" charset="0"/>
+                <a:ea typeface="Times New Roman" pitchFamily="18" charset="0"/>
+                <a:cs typeface="Courier New" pitchFamily="49" charset="0"/>
+              </a:rPr>
+              <a:t>&lt;/asp:Timer&gt;</a:t>
+            </a:r>
+          </a:p>
+        </p:txBody>
+      </p:sp>
+    </p:spTree>
+  </p:cSld>
+  <p:clrMapOvr>
+    <a:masterClrMapping/>
+  </p:clrMapOvr>
+  <p:transition/>
+  <p:timing>
+    <p:tnLst>
+      <p:par>
+        <p:cTn id="1" dur="indefinite" restart="never" nodeType="tmRoot"/>
+      </p:par>
+    </p:tnLst>
+  </p:timing>
+</p:sld>
+</file>
+
+<file path=ppt/slides/slide16.xml><?xml version="1.0" encoding="utf-8"?>
+<p:sld xmlns:a="http://schemas.openxmlformats.org/drawingml/2006/main" xmlns:r="http://schemas.openxmlformats.org/officeDocument/2006/relationships" xmlns:p="http://schemas.openxmlformats.org/presentationml/2006/main">
+  <p:cSld>
+    <p:spTree>
+      <p:nvGrpSpPr>
+        <p:cNvPr id="1" name=""/>
+        <p:cNvGrpSpPr/>
+        <p:nvPr/>
+      </p:nvGrpSpPr>
+      <p:grpSpPr>
+        <a:xfrm>
+          <a:off x="0" y="0"/>
+          <a:ext cx="0" cy="0"/>
+          <a:chOff x="0" y="0"/>
+          <a:chExt cx="0" cy="0"/>
+        </a:xfrm>
+      </p:grpSpPr>
+      <p:sp>
+        <p:nvSpPr>
+          <p:cNvPr id="517122" name="Rectangle 2"/>
+          <p:cNvSpPr>
+            <a:spLocks noGrp="1" noChangeArrowheads="1"/>
+          </p:cNvSpPr>
+          <p:nvPr>
+            <p:ph type="title"/>
+          </p:nvPr>
+        </p:nvSpPr>
+        <p:spPr/>
+        <p:txBody>
+          <a:bodyPr/>
+          <a:lstStyle/>
+          <a:p>
+            <a:r>
+              <a:rPr lang="en-US">
+                <a:latin typeface="Courier New" pitchFamily="49" charset="0"/>
+              </a:rPr>
+              <a:t>UpdateProgress</a:t>
+            </a:r>
+            <a:r>
+              <a:rPr lang="en-US"/>
+              <a:t> Control</a:t>
+            </a:r>
+          </a:p>
+        </p:txBody>
+      </p:sp>
+      <p:sp>
+        <p:nvSpPr>
+          <p:cNvPr id="517123" name="Rectangle 3"/>
+          <p:cNvSpPr>
+            <a:spLocks noGrp="1" noChangeArrowheads="1"/>
+          </p:cNvSpPr>
+          <p:nvPr>
+            <p:ph type="body" idx="1"/>
+          </p:nvPr>
+        </p:nvSpPr>
+        <p:spPr/>
+        <p:txBody>
+          <a:bodyPr/>
+          <a:lstStyle/>
+          <a:p>
+            <a:pPr eaLnBrk="1" hangingPunct="1">
+              <a:spcBef>
+                <a:spcPct val="45000"/>
+              </a:spcBef>
+            </a:pPr>
+            <a:r>
+              <a:rPr lang="en-US">
+                <a:latin typeface="Courier New" pitchFamily="49" charset="0"/>
+              </a:rPr>
+              <a:t>&lt;asp:UpdateProgress&gt;</a:t>
+            </a:r>
+            <a:r>
+              <a:rPr lang="en-US"/>
+              <a:t> control</a:t>
+            </a:r>
+          </a:p>
+          <a:p>
+            <a:pPr lvl="1" eaLnBrk="1" hangingPunct="1">
+              <a:spcBef>
+                <a:spcPct val="45000"/>
+              </a:spcBef>
+            </a:pPr>
+            <a:r>
+              <a:rPr lang="en-US"/>
+              <a:t>Shows status while an asynchronous postback is in progress</a:t>
+            </a:r>
+          </a:p>
+          <a:p>
+            <a:pPr lvl="1" eaLnBrk="1" hangingPunct="1">
+              <a:spcBef>
+                <a:spcPct val="45000"/>
+              </a:spcBef>
+            </a:pPr>
+            <a:r>
+              <a:rPr lang="en-US"/>
+              <a:t>Button to cancel the request can be added</a:t>
+            </a:r>
+          </a:p>
+        </p:txBody>
+      </p:sp>
+      <p:sp>
+        <p:nvSpPr>
+          <p:cNvPr id="517124" name="Rectangle 4"/>
+          <p:cNvSpPr>
+            <a:spLocks noChangeArrowheads="1"/>
+          </p:cNvSpPr>
+          <p:nvPr/>
+        </p:nvSpPr>
+        <p:spPr bwMode="auto">
+          <a:xfrm>
+            <a:off x="395288" y="3810000"/>
+            <a:ext cx="8064500" cy="2542234"/>
+          </a:xfrm>
+          <a:prstGeom prst="rect">
+            <a:avLst/>
+          </a:prstGeom>
+          <a:solidFill>
+            <a:schemeClr val="bg1">
+              <a:alpha val="39999"/>
+            </a:schemeClr>
+          </a:solidFill>
+          <a:ln w="3175" algn="ctr">
+            <a:solidFill>
+              <a:schemeClr val="hlink"/>
+            </a:solidFill>
+            <a:miter lim="800000"/>
+            <a:headEnd/>
+            <a:tailEnd/>
+          </a:ln>
+          <a:effectLst/>
+        </p:spPr>
+        <p:txBody>
+          <a:bodyPr lIns="144000" tIns="91440" rIns="144000" bIns="109728">
+            <a:spAutoFit/>
+          </a:bodyPr>
+          <a:lstStyle/>
+          <a:p>
+            <a:pPr marL="358775" lvl="2" eaLnBrk="1" hangingPunct="1">
+              <a:spcBef>
+                <a:spcPct val="40000"/>
+              </a:spcBef>
+              <a:buClr>
+                <a:schemeClr val="tx1"/>
+              </a:buClr>
+            </a:pPr>
+            <a:r>
+              <a:rPr lang="en-US" sz="2000" b="1" noProof="1">
+                <a:solidFill>
+                  <a:schemeClr val="tx1">
+                    <a:lumMod val="20000"/>
+                    <a:lumOff val="80000"/>
+                  </a:schemeClr>
+                </a:solidFill>
+                <a:latin typeface="Courier New" pitchFamily="49" charset="0"/>
+                <a:ea typeface="Times New Roman" pitchFamily="18" charset="0"/>
+                <a:cs typeface="Courier New" pitchFamily="49" charset="0"/>
+              </a:rPr>
+              <a:t>&lt;asp:UpdateProgress ID="UpdateProgressDemo" runat="server"&gt;</a:t>
+            </a:r>
+            <a:endParaRPr lang="en-US" sz="2000" b="1" dirty="0">
+              <a:solidFill>
+                <a:schemeClr val="tx1">
+                  <a:lumMod val="20000"/>
+                  <a:lumOff val="80000"/>
+                </a:schemeClr>
+              </a:solidFill>
+              <a:latin typeface="Courier New" pitchFamily="49" charset="0"/>
+              <a:ea typeface="Times New Roman" pitchFamily="18" charset="0"/>
+              <a:cs typeface="Courier New" pitchFamily="49" charset="0"/>
+            </a:endParaRPr>
+          </a:p>
+          <a:p>
+            <a:pPr marL="358775" lvl="2" eaLnBrk="1" hangingPunct="1">
+              <a:spcBef>
+                <a:spcPct val="40000"/>
+              </a:spcBef>
+              <a:buClr>
+                <a:schemeClr val="tx1"/>
+              </a:buClr>
+            </a:pPr>
+            <a:r>
+              <a:rPr lang="en-US" sz="2000" b="1" dirty="0">
+                <a:solidFill>
+                  <a:schemeClr val="tx1">
+                    <a:lumMod val="20000"/>
+                    <a:lumOff val="80000"/>
+                  </a:schemeClr>
+                </a:solidFill>
+                <a:latin typeface="Courier New" pitchFamily="49" charset="0"/>
+                <a:ea typeface="Times New Roman" pitchFamily="18" charset="0"/>
+                <a:cs typeface="Courier New" pitchFamily="49" charset="0"/>
+              </a:rPr>
+              <a:t>  </a:t>
+            </a:r>
+            <a:r>
+              <a:rPr lang="en-US" sz="2000" b="1" noProof="1">
+                <a:solidFill>
+                  <a:schemeClr val="tx1">
+                    <a:lumMod val="20000"/>
+                    <a:lumOff val="80000"/>
+                  </a:schemeClr>
+                </a:solidFill>
+                <a:latin typeface="Courier New" pitchFamily="49" charset="0"/>
+                <a:ea typeface="Times New Roman" pitchFamily="18" charset="0"/>
+                <a:cs typeface="Courier New" pitchFamily="49" charset="0"/>
+              </a:rPr>
+              <a:t>&lt;ProgressTemplate&gt;</a:t>
+            </a:r>
+          </a:p>
+          <a:p>
+            <a:pPr marL="358775" lvl="2" eaLnBrk="1" hangingPunct="1">
+              <a:spcBef>
+                <a:spcPct val="40000"/>
+              </a:spcBef>
+              <a:buClr>
+                <a:schemeClr val="tx1"/>
+              </a:buClr>
+            </a:pPr>
+            <a:r>
+              <a:rPr lang="en-US" sz="2000" b="1" dirty="0">
+                <a:solidFill>
+                  <a:schemeClr val="tx1">
+                    <a:lumMod val="20000"/>
+                    <a:lumOff val="80000"/>
+                  </a:schemeClr>
+                </a:solidFill>
+                <a:latin typeface="Courier New" pitchFamily="49" charset="0"/>
+                <a:ea typeface="Times New Roman" pitchFamily="18" charset="0"/>
+                <a:cs typeface="Courier New" pitchFamily="49" charset="0"/>
+              </a:rPr>
+              <a:t>  </a:t>
+            </a:r>
+            <a:r>
+              <a:rPr lang="en-US" sz="2000" b="1" noProof="1">
+                <a:solidFill>
+                  <a:schemeClr val="tx1">
+                    <a:lumMod val="20000"/>
+                    <a:lumOff val="80000"/>
+                  </a:schemeClr>
+                </a:solidFill>
+                <a:latin typeface="Courier New" pitchFamily="49" charset="0"/>
+                <a:ea typeface="Times New Roman" pitchFamily="18" charset="0"/>
+                <a:cs typeface="Courier New" pitchFamily="49" charset="0"/>
+              </a:rPr>
+              <a:t>  Updating ...</a:t>
+            </a:r>
+          </a:p>
+          <a:p>
+            <a:pPr marL="358775" lvl="2" eaLnBrk="1" hangingPunct="1">
+              <a:spcBef>
+                <a:spcPct val="40000"/>
+              </a:spcBef>
+              <a:buClr>
+                <a:schemeClr val="tx1"/>
+              </a:buClr>
+            </a:pPr>
+            <a:r>
+              <a:rPr lang="en-US" sz="2000" b="1" noProof="1">
+                <a:solidFill>
+                  <a:schemeClr val="tx1">
+                    <a:lumMod val="20000"/>
+                    <a:lumOff val="80000"/>
+                  </a:schemeClr>
+                </a:solidFill>
+                <a:latin typeface="Courier New" pitchFamily="49" charset="0"/>
+                <a:ea typeface="Times New Roman" pitchFamily="18" charset="0"/>
+                <a:cs typeface="Courier New" pitchFamily="49" charset="0"/>
+              </a:rPr>
+              <a:t>  &lt;/ProgressTemplate&gt;</a:t>
+            </a:r>
+          </a:p>
+          <a:p>
+            <a:pPr marL="358775" lvl="2" eaLnBrk="1" hangingPunct="1">
+              <a:spcBef>
+                <a:spcPct val="40000"/>
+              </a:spcBef>
+              <a:buClr>
+                <a:schemeClr val="tx1"/>
+              </a:buClr>
+            </a:pPr>
+            <a:r>
+              <a:rPr lang="en-US" sz="2000" b="1" noProof="1">
+                <a:solidFill>
+                  <a:schemeClr val="tx1">
+                    <a:lumMod val="20000"/>
+                    <a:lumOff val="80000"/>
+                  </a:schemeClr>
+                </a:solidFill>
+                <a:latin typeface="Courier New" pitchFamily="49" charset="0"/>
+                <a:ea typeface="Times New Roman" pitchFamily="18" charset="0"/>
+                <a:cs typeface="Courier New" pitchFamily="49" charset="0"/>
+              </a:rPr>
+              <a:t>&lt;/asp:UpdateProgress&gt;</a:t>
+            </a:r>
+          </a:p>
+        </p:txBody>
+      </p:sp>
+    </p:spTree>
+  </p:cSld>
+  <p:clrMapOvr>
+    <a:masterClrMapping/>
+  </p:clrMapOvr>
+  <p:transition/>
+  <p:timing>
+    <p:tnLst>
+      <p:par>
+        <p:cTn id="1" dur="indefinite" restart="never" nodeType="tmRoot"/>
+      </p:par>
+    </p:tnLst>
+  </p:timing>
+</p:sld>
+</file>
+
+<file path=ppt/slides/slide17.xml><?xml version="1.0" encoding="utf-8"?>
+<p:sld xmlns:a="http://schemas.openxmlformats.org/drawingml/2006/main" xmlns:r="http://schemas.openxmlformats.org/officeDocument/2006/relationships" xmlns:p="http://schemas.openxmlformats.org/presentationml/2006/main">
+  <p:cSld>
+    <p:spTree>
+      <p:nvGrpSpPr>
+        <p:cNvPr id="1" name=""/>
+        <p:cNvGrpSpPr/>
+        <p:nvPr/>
+      </p:nvGrpSpPr>
+      <p:grpSpPr>
+        <a:xfrm>
+          <a:off x="0" y="0"/>
+          <a:ext cx="0" cy="0"/>
+          <a:chOff x="0" y="0"/>
+          <a:chExt cx="0" cy="0"/>
+        </a:xfrm>
+      </p:grpSpPr>
+      <p:sp>
+        <p:nvSpPr>
+          <p:cNvPr id="465922" name="Rectangle 2"/>
+          <p:cNvSpPr>
+            <a:spLocks noGrp="1" noChangeArrowheads="1"/>
+          </p:cNvSpPr>
+          <p:nvPr>
+            <p:ph type="ctrTitle"/>
+          </p:nvPr>
+        </p:nvSpPr>
+        <p:spPr>
+          <a:xfrm>
+            <a:off x="1187450" y="2636838"/>
+            <a:ext cx="6480175" cy="1473200"/>
+          </a:xfrm>
+        </p:spPr>
+        <p:txBody>
+          <a:bodyPr/>
+          <a:lstStyle/>
+          <a:p>
+            <a:pPr>
+              <a:lnSpc>
+                <a:spcPct val="110000"/>
+              </a:lnSpc>
+            </a:pPr>
+            <a:r>
+              <a:rPr lang="en-US"/>
+              <a:t>ASP.NET AJAX Control Toolkit</a:t>
+            </a:r>
+            <a:endParaRPr lang="bg-BG"/>
+          </a:p>
+        </p:txBody>
+      </p:sp>
+    </p:spTree>
+  </p:cSld>
+  <p:clrMapOvr>
+    <a:masterClrMapping/>
+  </p:clrMapOvr>
+  <p:transition/>
+  <p:timing>
+    <p:tnLst>
+      <p:par>
+        <p:cTn id="1" dur="indefinite" restart="never" nodeType="tmRoot"/>
+      </p:par>
+    </p:tnLst>
+  </p:timing>
+</p:sld>
+</file>
+
+<file path=ppt/slides/slide18.xml><?xml version="1.0" encoding="utf-8"?>
+<p:sld xmlns:a="http://schemas.openxmlformats.org/drawingml/2006/main" xmlns:r="http://schemas.openxmlformats.org/officeDocument/2006/relationships" xmlns:p="http://schemas.openxmlformats.org/presentationml/2006/main">
+  <p:cSld>
+    <p:spTree>
+      <p:nvGrpSpPr>
+        <p:cNvPr id="1" name=""/>
+        <p:cNvGrpSpPr/>
+        <p:nvPr/>
+      </p:nvGrpSpPr>
+      <p:grpSpPr>
+        <a:xfrm>
+          <a:off x="0" y="0"/>
+          <a:ext cx="0" cy="0"/>
+          <a:chOff x="0" y="0"/>
+          <a:chExt cx="0" cy="0"/>
+        </a:xfrm>
+      </p:grpSpPr>
+      <p:sp>
+        <p:nvSpPr>
+          <p:cNvPr id="463874" name="Rectangle 2"/>
+          <p:cNvSpPr>
+            <a:spLocks noGrp="1" noChangeArrowheads="1"/>
+          </p:cNvSpPr>
+          <p:nvPr>
+            <p:ph type="title" idx="4294967295"/>
+          </p:nvPr>
+        </p:nvSpPr>
+        <p:spPr>
+          <a:xfrm>
+            <a:off x="2411413" y="71438"/>
+            <a:ext cx="6553200" cy="909637"/>
+          </a:xfrm>
+          <a:prstGeom prst="rect">
+            <a:avLst/>
+          </a:prstGeom>
+        </p:spPr>
+        <p:txBody>
+          <a:bodyPr/>
+          <a:lstStyle/>
+          <a:p>
+            <a:pPr eaLnBrk="1" hangingPunct="1"/>
+            <a:r>
+              <a:rPr lang="en-US"/>
+              <a:t>ASP.NET AJAX Control Toolkit</a:t>
+            </a:r>
+          </a:p>
+        </p:txBody>
+      </p:sp>
+      <p:sp>
+        <p:nvSpPr>
+          <p:cNvPr id="463875" name="Rectangle 3"/>
+          <p:cNvSpPr>
+            <a:spLocks noGrp="1" noChangeArrowheads="1"/>
+          </p:cNvSpPr>
+          <p:nvPr>
+            <p:ph type="body" idx="4294967295"/>
+          </p:nvPr>
+        </p:nvSpPr>
+        <p:spPr>
+          <a:xfrm>
+            <a:off x="323850" y="1268413"/>
+            <a:ext cx="8496300" cy="5329237"/>
+          </a:xfrm>
+          <a:prstGeom prst="rect">
+            <a:avLst/>
+          </a:prstGeom>
+        </p:spPr>
+        <p:txBody>
+          <a:bodyPr lIns="91440" tIns="45720" rIns="91440" bIns="45720"/>
+          <a:lstStyle/>
+          <a:p>
+            <a:pPr eaLnBrk="1" hangingPunct="1"/>
+            <a:r>
+              <a:rPr lang="en-US" noProof="1"/>
+              <a:t>Collection of samples and components </a:t>
+            </a:r>
+          </a:p>
+          <a:p>
+            <a:pPr eaLnBrk="1" hangingPunct="1"/>
+            <a:r>
+              <a:rPr lang="en-US" noProof="1"/>
+              <a:t>Ready to go samples</a:t>
+            </a:r>
+          </a:p>
+          <a:p>
+            <a:pPr eaLnBrk="1" hangingPunct="1"/>
+            <a:r>
+              <a:rPr lang="en-US" noProof="1"/>
+              <a:t>SDK to simplify the creation and re-use of your own custom controls</a:t>
+            </a:r>
+          </a:p>
+          <a:p>
+            <a:pPr eaLnBrk="1" hangingPunct="1"/>
+            <a:r>
+              <a:rPr lang="en-US" noProof="1"/>
+              <a:t>Full source code, documentation</a:t>
+            </a:r>
+          </a:p>
+          <a:p>
+            <a:pPr lvl="1" eaLnBrk="1" hangingPunct="1"/>
+            <a:r>
+              <a:rPr lang="en-US" sz="2900" noProof="1">
+                <a:solidFill>
+                  <a:schemeClr val="hlink"/>
+                </a:solidFill>
+                <a:effectLst>
+                  <a:outerShdw blurRad="38100" dist="38100" dir="2700000" algn="tl">
+                    <a:srgbClr val="000000"/>
+                  </a:outerShdw>
+                </a:effectLst>
+              </a:rPr>
+              <a:t>CascadingDropDown</a:t>
+            </a:r>
+            <a:r>
+              <a:rPr lang="en-US" sz="2900" noProof="1"/>
+              <a:t>: Easily link drop downs, complete with asynchronous population and no postbacks! </a:t>
+            </a:r>
+          </a:p>
+          <a:p>
+            <a:pPr lvl="1" eaLnBrk="1" hangingPunct="1"/>
+            <a:r>
+              <a:rPr lang="en-US" sz="2900" noProof="1">
+                <a:solidFill>
+                  <a:schemeClr val="hlink"/>
+                </a:solidFill>
+                <a:effectLst>
+                  <a:outerShdw blurRad="38100" dist="38100" dir="2700000" algn="tl">
+                    <a:srgbClr val="000000"/>
+                  </a:outerShdw>
+                </a:effectLst>
+              </a:rPr>
+              <a:t>CollaspiblePanel</a:t>
+            </a:r>
+            <a:r>
+              <a:rPr lang="en-US" sz="2900" noProof="1"/>
+              <a:t>:  </a:t>
+            </a:r>
+            <a:r>
+              <a:rPr lang="en-US" sz="2900"/>
+              <a:t>A</a:t>
+            </a:r>
+            <a:r>
+              <a:rPr lang="en-US" sz="2900" noProof="1"/>
+              <a:t>llows panels on your page to collapse and expand with no code </a:t>
+            </a:r>
+          </a:p>
+        </p:txBody>
+      </p:sp>
+    </p:spTree>
+  </p:cSld>
+  <p:clrMapOvr>
+    <a:masterClrMapping/>
+  </p:clrMapOvr>
+  <p:transition advClick="0"/>
+  <p:timing>
+    <p:tnLst>
+      <p:par>
+        <p:cTn id="1" dur="indefinite" restart="never" nodeType="tmRoot"/>
+      </p:par>
+    </p:tnLst>
+  </p:timing>
+</p:sld>
+</file>
+
+<file path=ppt/slides/slide19.xml><?xml version="1.0" encoding="utf-8"?>
+<p:sld xmlns:a="http://schemas.openxmlformats.org/drawingml/2006/main" xmlns:r="http://schemas.openxmlformats.org/officeDocument/2006/relationships" xmlns:p="http://schemas.openxmlformats.org/presentationml/2006/main">
+  <p:cSld>
+    <p:spTree>
+      <p:nvGrpSpPr>
+        <p:cNvPr id="1" name=""/>
+        <p:cNvGrpSpPr/>
+        <p:nvPr/>
+      </p:nvGrpSpPr>
+      <p:grpSpPr>
+        <a:xfrm>
+          <a:off x="0" y="0"/>
+          <a:ext cx="0" cy="0"/>
+          <a:chOff x="0" y="0"/>
+          <a:chExt cx="0" cy="0"/>
+        </a:xfrm>
+      </p:grpSpPr>
+      <p:sp>
+        <p:nvSpPr>
+          <p:cNvPr id="464898" name="Rectangle 2"/>
+          <p:cNvSpPr>
+            <a:spLocks noGrp="1" noChangeArrowheads="1"/>
+          </p:cNvSpPr>
+          <p:nvPr>
+            <p:ph type="title" idx="4294967295"/>
+          </p:nvPr>
+        </p:nvSpPr>
+        <p:spPr>
+          <a:xfrm>
+            <a:off x="2411413" y="71438"/>
+            <a:ext cx="6553200" cy="909637"/>
+          </a:xfrm>
+          <a:prstGeom prst="rect">
+            <a:avLst/>
+          </a:prstGeom>
+        </p:spPr>
+        <p:txBody>
+          <a:bodyPr/>
+          <a:lstStyle/>
+          <a:p>
+            <a:pPr eaLnBrk="1" hangingPunct="1"/>
+            <a:r>
+              <a:rPr lang="en-US"/>
+              <a:t>ASP.NET AJAX Control Toolkit (2)</a:t>
+            </a:r>
+          </a:p>
+        </p:txBody>
+      </p:sp>
+      <p:sp>
+        <p:nvSpPr>
+          <p:cNvPr id="464899" name="Rectangle 3"/>
+          <p:cNvSpPr>
+            <a:spLocks noGrp="1" noChangeArrowheads="1"/>
+          </p:cNvSpPr>
+          <p:nvPr>
+            <p:ph type="body" idx="4294967295"/>
+          </p:nvPr>
+        </p:nvSpPr>
+        <p:spPr>
+          <a:xfrm>
+            <a:off x="323850" y="1268413"/>
+            <a:ext cx="8496300" cy="5329237"/>
+          </a:xfrm>
+          <a:prstGeom prst="rect">
+            <a:avLst/>
+          </a:prstGeom>
+        </p:spPr>
+        <p:txBody>
+          <a:bodyPr lIns="91440" tIns="45720" rIns="91440" bIns="45720"/>
+          <a:lstStyle/>
+          <a:p>
+            <a:pPr lvl="1" eaLnBrk="1" hangingPunct="1"/>
+            <a:r>
+              <a:rPr lang="en-US" noProof="1">
+                <a:solidFill>
+                  <a:schemeClr val="hlink"/>
+                </a:solidFill>
+                <a:effectLst>
+                  <a:outerShdw blurRad="38100" dist="38100" dir="2700000" algn="tl">
+                    <a:srgbClr val="000000"/>
+                  </a:outerShdw>
+                </a:effectLst>
+              </a:rPr>
+              <a:t>ConfirmButton</a:t>
+            </a:r>
+            <a:r>
+              <a:rPr lang="en-US" noProof="1"/>
+              <a:t>: This extender adds a confirm dialog to any </a:t>
+            </a:r>
+            <a:r>
+              <a:rPr lang="en-US" noProof="1">
+                <a:latin typeface="Courier New" pitchFamily="49" charset="0"/>
+              </a:rPr>
+              <a:t>Button</a:t>
+            </a:r>
+            <a:r>
+              <a:rPr lang="en-US" noProof="1"/>
+              <a:t>, </a:t>
+            </a:r>
+            <a:r>
+              <a:rPr lang="en-US" noProof="1">
+                <a:latin typeface="Courier New" pitchFamily="49" charset="0"/>
+              </a:rPr>
+              <a:t>LinkButton</a:t>
+            </a:r>
+            <a:r>
+              <a:rPr lang="en-US" noProof="1"/>
+              <a:t>, or </a:t>
+            </a:r>
+            <a:r>
+              <a:rPr lang="en-US" noProof="1">
+                <a:latin typeface="Courier New" pitchFamily="49" charset="0"/>
+              </a:rPr>
+              <a:t>ImageButton</a:t>
+            </a:r>
+            <a:r>
+              <a:rPr lang="en-US" noProof="1"/>
+              <a:t> control </a:t>
+            </a:r>
+          </a:p>
+          <a:p>
+            <a:pPr lvl="1" eaLnBrk="1" hangingPunct="1"/>
+            <a:r>
+              <a:rPr lang="en-US" noProof="1">
+                <a:solidFill>
+                  <a:schemeClr val="hlink"/>
+                </a:solidFill>
+                <a:effectLst>
+                  <a:outerShdw blurRad="38100" dist="38100" dir="2700000" algn="tl">
+                    <a:srgbClr val="000000"/>
+                  </a:outerShdw>
+                </a:effectLst>
+              </a:rPr>
+              <a:t>DragPanel</a:t>
+            </a:r>
+            <a:r>
+              <a:rPr lang="en-US" noProof="1"/>
+              <a:t>: Makes any panel into an object that you can drag around the page</a:t>
+            </a:r>
+            <a:r>
+              <a:rPr lang="en-US"/>
+              <a:t>!</a:t>
+            </a:r>
+            <a:endParaRPr lang="en-US" noProof="1"/>
+          </a:p>
+          <a:p>
+            <a:pPr lvl="1" eaLnBrk="1" hangingPunct="1"/>
+            <a:r>
+              <a:rPr lang="en-US" noProof="1"/>
+              <a:t>... </a:t>
+            </a:r>
+            <a:r>
+              <a:rPr lang="en-US"/>
+              <a:t>and m</a:t>
+            </a:r>
+            <a:r>
+              <a:rPr lang="en-US" noProof="1"/>
+              <a:t>any more ...</a:t>
+            </a:r>
+          </a:p>
+          <a:p>
+            <a:pPr eaLnBrk="1" hangingPunct="1"/>
+            <a:r>
+              <a:rPr lang="en-US" noProof="1"/>
+              <a:t>Landing Page: </a:t>
+            </a:r>
+            <a:r>
+              <a:rPr lang="en-US" sz="2800" noProof="1">
+                <a:hlinkClick r:id="rId2"/>
+              </a:rPr>
+              <a:t>http://asp.net/ajax/ajaxcontroltoolkit/</a:t>
+            </a:r>
+            <a:endParaRPr lang="en-US" sz="1200" noProof="1"/>
+          </a:p>
+        </p:txBody>
+      </p:sp>
+    </p:spTree>
+  </p:cSld>
+  <p:clrMapOvr>
+    <a:masterClrMapping/>
+  </p:clrMapOvr>
+  <p:transition advClick="0"/>
   <p:timing>
     <p:tnLst>
       <p:par>
@@ -3820,34 +8348,61 @@
           <a:bodyPr/>
           <a:lstStyle/>
           <a:p>
-            <a:r>
-              <a:rPr lang="bg-BG" dirty="0" smtClean="0"/>
-              <a:t>Всички теми ги има от </a:t>
-            </a:r>
-            <a:r>
-              <a:rPr lang="en-US" dirty="0" smtClean="0"/>
-              <a:t>Telerik Academy </a:t>
-            </a:r>
-            <a:r>
-              <a:rPr lang="bg-BG" dirty="0" smtClean="0"/>
-              <a:t>курс</a:t>
-            </a:r>
-            <a:r>
-              <a:rPr lang="en-US" dirty="0" smtClean="0"/>
-              <a:t>a </a:t>
-            </a:r>
-            <a:r>
-              <a:rPr lang="bg-BG" dirty="0" smtClean="0"/>
-              <a:t>"</a:t>
-            </a:r>
-            <a:r>
-              <a:rPr lang="en-US" dirty="0" smtClean="0"/>
-              <a:t>.NET Essentials</a:t>
-            </a:r>
-            <a:r>
-              <a:rPr lang="bg-BG" dirty="0" smtClean="0"/>
-              <a:t>", но трябва да се съкратят</a:t>
-            </a:r>
+            <a:pPr lvl="0"/>
+            <a:r>
+              <a:rPr lang="en-US" noProof="1" smtClean="0"/>
+              <a:t>AJAX basics</a:t>
+            </a:r>
+          </a:p>
+          <a:p>
+            <a:pPr lvl="0"/>
+            <a:r>
+              <a:rPr lang="en-US" noProof="1" smtClean="0"/>
+              <a:t>ASP.NET AJAX</a:t>
+            </a:r>
+          </a:p>
+          <a:p>
+            <a:pPr lvl="0"/>
+            <a:r>
+              <a:rPr lang="en-US" dirty="0" smtClean="0"/>
+              <a:t>ASP.NET AJAX Server Controls</a:t>
+            </a:r>
+            <a:endParaRPr lang="en-US" noProof="1" smtClean="0"/>
+          </a:p>
+          <a:p>
+            <a:pPr lvl="1"/>
+            <a:r>
+              <a:rPr lang="en-US" noProof="1" smtClean="0"/>
+              <a:t>ScriptManager</a:t>
+            </a:r>
+          </a:p>
+          <a:p>
+            <a:pPr lvl="1"/>
+            <a:r>
+              <a:rPr lang="en-US" noProof="1" smtClean="0"/>
+              <a:t>UpdatePanel </a:t>
+            </a:r>
+          </a:p>
+          <a:p>
+            <a:r>
+              <a:rPr lang="en-US" dirty="0" smtClean="0"/>
+              <a:t>AJAX Control Toolkit</a:t>
+            </a:r>
+          </a:p>
+          <a:p>
+            <a:pPr lvl="0"/>
+            <a:r>
+              <a:rPr lang="en-US" dirty="0" smtClean="0"/>
+              <a:t>jQuery AJAX</a:t>
+            </a:r>
+          </a:p>
+          <a:p>
+            <a:pPr lvl="0"/>
+            <a:r>
+              <a:rPr lang="en-US" dirty="0" smtClean="0"/>
+              <a:t>Best practices</a:t>
+            </a:r>
+            <a:endParaRPr lang="bg-BG" dirty="0" smtClean="0"/>
           </a:p>
         </p:txBody>
       </p:sp>
@@ -3877,6 +8432,2957 @@
               <a:t>2</a:t>
             </a:fld>
             <a:endParaRPr lang="en-US" dirty="0"/>
+          </a:p>
+        </p:txBody>
+      </p:sp>
+    </p:spTree>
+  </p:cSld>
+  <p:clrMapOvr>
+    <a:masterClrMapping/>
+  </p:clrMapOvr>
+  <p:timing>
+    <p:tnLst>
+      <p:par>
+        <p:cTn id="1" dur="indefinite" restart="never" nodeType="tmRoot"/>
+      </p:par>
+    </p:tnLst>
+  </p:timing>
+</p:sld>
+</file>
+
+<file path=ppt/slides/slide20.xml><?xml version="1.0" encoding="utf-8"?>
+<p:sld xmlns:a="http://schemas.openxmlformats.org/drawingml/2006/main" xmlns:r="http://schemas.openxmlformats.org/officeDocument/2006/relationships" xmlns:p="http://schemas.openxmlformats.org/presentationml/2006/main">
+  <p:cSld>
+    <p:spTree>
+      <p:nvGrpSpPr>
+        <p:cNvPr id="1" name=""/>
+        <p:cNvGrpSpPr/>
+        <p:nvPr/>
+      </p:nvGrpSpPr>
+      <p:grpSpPr>
+        <a:xfrm>
+          <a:off x="0" y="0"/>
+          <a:ext cx="0" cy="0"/>
+          <a:chOff x="0" y="0"/>
+          <a:chExt cx="0" cy="0"/>
+        </a:xfrm>
+      </p:grpSpPr>
+      <p:sp>
+        <p:nvSpPr>
+          <p:cNvPr id="467970" name="Rectangle 2"/>
+          <p:cNvSpPr>
+            <a:spLocks noGrp="1" noChangeArrowheads="1"/>
+          </p:cNvSpPr>
+          <p:nvPr>
+            <p:ph type="ctrTitle"/>
+          </p:nvPr>
+        </p:nvSpPr>
+        <p:spPr>
+          <a:xfrm>
+            <a:off x="1187450" y="2636838"/>
+            <a:ext cx="6480175" cy="1473200"/>
+          </a:xfrm>
+        </p:spPr>
+        <p:txBody>
+          <a:bodyPr/>
+          <a:lstStyle/>
+          <a:p>
+            <a:pPr lvl="0"/>
+            <a:r>
+              <a:rPr lang="en-US" noProof="1" smtClean="0"/>
+              <a:t>jQuery AJAX</a:t>
+            </a:r>
+          </a:p>
+        </p:txBody>
+      </p:sp>
+    </p:spTree>
+  </p:cSld>
+  <p:clrMapOvr>
+    <a:masterClrMapping/>
+  </p:clrMapOvr>
+  <p:transition/>
+  <p:timing>
+    <p:tnLst>
+      <p:par>
+        <p:cTn id="1" dur="indefinite" restart="never" nodeType="tmRoot"/>
+      </p:par>
+    </p:tnLst>
+  </p:timing>
+</p:sld>
+</file>
+
+<file path=ppt/slides/slide21.xml><?xml version="1.0" encoding="utf-8"?>
+<p:sld xmlns:a="http://schemas.openxmlformats.org/drawingml/2006/main" xmlns:r="http://schemas.openxmlformats.org/officeDocument/2006/relationships" xmlns:p="http://schemas.openxmlformats.org/presentationml/2006/main">
+  <p:cSld>
+    <p:spTree>
+      <p:nvGrpSpPr>
+        <p:cNvPr id="1" name=""/>
+        <p:cNvGrpSpPr/>
+        <p:nvPr/>
+      </p:nvGrpSpPr>
+      <p:grpSpPr>
+        <a:xfrm>
+          <a:off x="0" y="0"/>
+          <a:ext cx="0" cy="0"/>
+          <a:chOff x="0" y="0"/>
+          <a:chExt cx="0" cy="0"/>
+        </a:xfrm>
+      </p:grpSpPr>
+      <p:sp>
+        <p:nvSpPr>
+          <p:cNvPr id="2" name="Title 1"/>
+          <p:cNvSpPr>
+            <a:spLocks noGrp="1"/>
+          </p:cNvSpPr>
+          <p:nvPr>
+            <p:ph type="title"/>
+          </p:nvPr>
+        </p:nvSpPr>
+        <p:spPr/>
+        <p:txBody>
+          <a:bodyPr/>
+          <a:lstStyle/>
+          <a:p>
+            <a:r>
+              <a:rPr lang="en-US" dirty="0" smtClean="0"/>
+              <a:t>jQuery</a:t>
+            </a:r>
+            <a:endParaRPr lang="en-US" dirty="0"/>
+          </a:p>
+        </p:txBody>
+      </p:sp>
+      <p:sp>
+        <p:nvSpPr>
+          <p:cNvPr id="3" name="Content Placeholder 2"/>
+          <p:cNvSpPr>
+            <a:spLocks noGrp="1"/>
+          </p:cNvSpPr>
+          <p:nvPr>
+            <p:ph idx="1"/>
+          </p:nvPr>
+        </p:nvSpPr>
+        <p:spPr/>
+        <p:txBody>
+          <a:bodyPr/>
+          <a:lstStyle/>
+          <a:p>
+            <a:pPr lvl="0"/>
+            <a:r>
+              <a:rPr lang="en-US" noProof="1" smtClean="0"/>
+              <a:t>JavaScript library</a:t>
+            </a:r>
+          </a:p>
+          <a:p>
+            <a:pPr lvl="0"/>
+            <a:r>
+              <a:rPr lang="en-US" noProof="1" smtClean="0"/>
+              <a:t>Cross-browser (really!)</a:t>
+            </a:r>
+          </a:p>
+          <a:p>
+            <a:pPr lvl="0"/>
+            <a:r>
+              <a:rPr lang="en-US" noProof="1" smtClean="0"/>
+              <a:t>Free</a:t>
+            </a:r>
+          </a:p>
+          <a:p>
+            <a:pPr lvl="0"/>
+            <a:r>
+              <a:rPr lang="en-US" noProof="1" smtClean="0"/>
+              <a:t>Small and lightweight</a:t>
+            </a:r>
+          </a:p>
+          <a:p>
+            <a:pPr lvl="0"/>
+            <a:endParaRPr lang="bg-BG" dirty="0" smtClean="0"/>
+          </a:p>
+        </p:txBody>
+      </p:sp>
+      <p:sp>
+        <p:nvSpPr>
+          <p:cNvPr id="4" name="Slide Number Placeholder 3"/>
+          <p:cNvSpPr>
+            <a:spLocks noGrp="1"/>
+          </p:cNvSpPr>
+          <p:nvPr>
+            <p:ph type="sldNum" sz="quarter" idx="10"/>
+          </p:nvPr>
+        </p:nvSpPr>
+        <p:spPr/>
+        <p:txBody>
+          <a:bodyPr/>
+          <a:lstStyle/>
+          <a:p>
+            <a:pPr>
+              <a:defRPr/>
+            </a:pPr>
+            <a:fld id="{58452FF4-89E3-4D1B-9927-2DBDC00E58D7}" type="slidenum">
+              <a:rPr lang="en-US" smtClean="0"/>
+              <a:pPr>
+                <a:defRPr/>
+              </a:pPr>
+              <a:t>21</a:t>
+            </a:fld>
+            <a:endParaRPr lang="en-US" dirty="0"/>
+          </a:p>
+        </p:txBody>
+      </p:sp>
+      <p:pic>
+        <p:nvPicPr>
+          <p:cNvPr id="1026" name="Picture 2" descr="C:\Users\Black\Desktop\jquery-logo-full.png"/>
+          <p:cNvPicPr>
+            <a:picLocks noChangeAspect="1" noChangeArrowheads="1"/>
+          </p:cNvPicPr>
+          <p:nvPr/>
+        </p:nvPicPr>
+        <p:blipFill>
+          <a:blip r:embed="rId2" cstate="print"/>
+          <a:srcRect/>
+          <a:stretch>
+            <a:fillRect/>
+          </a:stretch>
+        </p:blipFill>
+        <p:spPr bwMode="auto">
+          <a:xfrm>
+            <a:off x="6248400" y="1066800"/>
+            <a:ext cx="2552700" cy="2552700"/>
+          </a:xfrm>
+          <a:prstGeom prst="rect">
+            <a:avLst/>
+          </a:prstGeom>
+          <a:noFill/>
+        </p:spPr>
+      </p:pic>
+    </p:spTree>
+  </p:cSld>
+  <p:clrMapOvr>
+    <a:masterClrMapping/>
+  </p:clrMapOvr>
+  <p:timing>
+    <p:tnLst>
+      <p:par>
+        <p:cTn id="1" dur="indefinite" restart="never" nodeType="tmRoot"/>
+      </p:par>
+    </p:tnLst>
+  </p:timing>
+</p:sld>
+</file>
+
+<file path=ppt/slides/slide22.xml><?xml version="1.0" encoding="utf-8"?>
+<p:sld xmlns:a="http://schemas.openxmlformats.org/drawingml/2006/main" xmlns:r="http://schemas.openxmlformats.org/officeDocument/2006/relationships" xmlns:p="http://schemas.openxmlformats.org/presentationml/2006/main">
+  <p:cSld>
+    <p:spTree>
+      <p:nvGrpSpPr>
+        <p:cNvPr id="1" name=""/>
+        <p:cNvGrpSpPr/>
+        <p:nvPr/>
+      </p:nvGrpSpPr>
+      <p:grpSpPr>
+        <a:xfrm>
+          <a:off x="0" y="0"/>
+          <a:ext cx="0" cy="0"/>
+          <a:chOff x="0" y="0"/>
+          <a:chExt cx="0" cy="0"/>
+        </a:xfrm>
+      </p:grpSpPr>
+      <p:sp>
+        <p:nvSpPr>
+          <p:cNvPr id="2" name="Title 1"/>
+          <p:cNvSpPr>
+            <a:spLocks noGrp="1"/>
+          </p:cNvSpPr>
+          <p:nvPr>
+            <p:ph type="title"/>
+          </p:nvPr>
+        </p:nvSpPr>
+        <p:spPr/>
+        <p:txBody>
+          <a:bodyPr/>
+          <a:lstStyle/>
+          <a:p>
+            <a:r>
+              <a:rPr lang="en-US" dirty="0" smtClean="0"/>
+              <a:t>jQuery</a:t>
+            </a:r>
+            <a:endParaRPr lang="en-US" dirty="0"/>
+          </a:p>
+        </p:txBody>
+      </p:sp>
+      <p:sp>
+        <p:nvSpPr>
+          <p:cNvPr id="3" name="Content Placeholder 2"/>
+          <p:cNvSpPr>
+            <a:spLocks noGrp="1"/>
+          </p:cNvSpPr>
+          <p:nvPr>
+            <p:ph idx="1"/>
+          </p:nvPr>
+        </p:nvSpPr>
+        <p:spPr/>
+        <p:txBody>
+          <a:bodyPr/>
+          <a:lstStyle/>
+          <a:p>
+            <a:pPr lvl="0"/>
+            <a:r>
+              <a:rPr lang="en-US" noProof="1" smtClean="0"/>
+              <a:t>CSS Selectors for DOM manipulation</a:t>
+            </a:r>
+          </a:p>
+          <a:p>
+            <a:pPr lvl="0"/>
+            <a:r>
+              <a:rPr lang="en-US" noProof="1" smtClean="0"/>
+              <a:t>Event handling</a:t>
+            </a:r>
+          </a:p>
+          <a:p>
+            <a:pPr lvl="0"/>
+            <a:r>
+              <a:rPr lang="en-US" noProof="1" smtClean="0"/>
+              <a:t>Animation</a:t>
+            </a:r>
+          </a:p>
+          <a:p>
+            <a:pPr lvl="0"/>
+            <a:r>
+              <a:rPr lang="en-US" noProof="1" smtClean="0"/>
+              <a:t>AJAX</a:t>
+            </a:r>
+          </a:p>
+        </p:txBody>
+      </p:sp>
+      <p:sp>
+        <p:nvSpPr>
+          <p:cNvPr id="4" name="Slide Number Placeholder 3"/>
+          <p:cNvSpPr>
+            <a:spLocks noGrp="1"/>
+          </p:cNvSpPr>
+          <p:nvPr>
+            <p:ph type="sldNum" sz="quarter" idx="10"/>
+          </p:nvPr>
+        </p:nvSpPr>
+        <p:spPr/>
+        <p:txBody>
+          <a:bodyPr/>
+          <a:lstStyle/>
+          <a:p>
+            <a:pPr>
+              <a:defRPr/>
+            </a:pPr>
+            <a:fld id="{58452FF4-89E3-4D1B-9927-2DBDC00E58D7}" type="slidenum">
+              <a:rPr lang="en-US" smtClean="0"/>
+              <a:pPr>
+                <a:defRPr/>
+              </a:pPr>
+              <a:t>22</a:t>
+            </a:fld>
+            <a:endParaRPr lang="en-US" dirty="0"/>
+          </a:p>
+        </p:txBody>
+      </p:sp>
+    </p:spTree>
+  </p:cSld>
+  <p:clrMapOvr>
+    <a:masterClrMapping/>
+  </p:clrMapOvr>
+</p:sld>
+</file>
+
+<file path=ppt/slides/slide23.xml><?xml version="1.0" encoding="utf-8"?>
+<p:sld xmlns:a="http://schemas.openxmlformats.org/drawingml/2006/main" xmlns:r="http://schemas.openxmlformats.org/officeDocument/2006/relationships" xmlns:p="http://schemas.openxmlformats.org/presentationml/2006/main">
+  <p:cSld>
+    <p:spTree>
+      <p:nvGrpSpPr>
+        <p:cNvPr id="1" name=""/>
+        <p:cNvGrpSpPr/>
+        <p:nvPr/>
+      </p:nvGrpSpPr>
+      <p:grpSpPr>
+        <a:xfrm>
+          <a:off x="0" y="0"/>
+          <a:ext cx="0" cy="0"/>
+          <a:chOff x="0" y="0"/>
+          <a:chExt cx="0" cy="0"/>
+        </a:xfrm>
+      </p:grpSpPr>
+      <p:sp>
+        <p:nvSpPr>
+          <p:cNvPr id="2" name="Title 1"/>
+          <p:cNvSpPr>
+            <a:spLocks noGrp="1"/>
+          </p:cNvSpPr>
+          <p:nvPr>
+            <p:ph type="title"/>
+          </p:nvPr>
+        </p:nvSpPr>
+        <p:spPr/>
+        <p:txBody>
+          <a:bodyPr/>
+          <a:lstStyle/>
+          <a:p>
+            <a:r>
+              <a:rPr lang="en-US" dirty="0" smtClean="0"/>
+              <a:t>Installation</a:t>
+            </a:r>
+            <a:endParaRPr lang="en-US" dirty="0"/>
+          </a:p>
+        </p:txBody>
+      </p:sp>
+      <p:sp>
+        <p:nvSpPr>
+          <p:cNvPr id="3" name="Content Placeholder 2"/>
+          <p:cNvSpPr>
+            <a:spLocks noGrp="1"/>
+          </p:cNvSpPr>
+          <p:nvPr>
+            <p:ph idx="1"/>
+          </p:nvPr>
+        </p:nvSpPr>
+        <p:spPr/>
+        <p:txBody>
+          <a:bodyPr/>
+          <a:lstStyle/>
+          <a:p>
+            <a:r>
+              <a:rPr lang="en-US" dirty="0" smtClean="0"/>
+              <a:t>Download the </a:t>
+            </a:r>
+            <a:r>
+              <a:rPr lang="en-US" dirty="0" err="1" smtClean="0"/>
+              <a:t>js</a:t>
+            </a:r>
+            <a:r>
+              <a:rPr lang="en-US" dirty="0" smtClean="0"/>
+              <a:t> file from the official web site</a:t>
+            </a:r>
+          </a:p>
+          <a:p>
+            <a:r>
+              <a:rPr lang="en-US" dirty="0" smtClean="0"/>
+              <a:t>Releases</a:t>
+            </a:r>
+          </a:p>
+          <a:p>
+            <a:pPr lvl="1"/>
+            <a:r>
+              <a:rPr lang="en-US" sz="2800" dirty="0" smtClean="0"/>
+              <a:t>Uncompressed (jquery-1.4.2.js)</a:t>
+            </a:r>
+          </a:p>
+          <a:p>
+            <a:pPr lvl="1"/>
+            <a:r>
+              <a:rPr lang="en-US" sz="2800" dirty="0" smtClean="0"/>
+              <a:t>Minified (jquery-1.4.2.min.js)</a:t>
+            </a:r>
+          </a:p>
+          <a:p>
+            <a:pPr lvl="1"/>
+            <a:r>
+              <a:rPr lang="en-US" sz="2800" dirty="0" smtClean="0"/>
+              <a:t>Visual Studio documented (jquery-1.4.1-vsdoc.js)</a:t>
+            </a:r>
+          </a:p>
+          <a:p>
+            <a:pPr lvl="1"/>
+            <a:r>
+              <a:rPr lang="en-US" sz="2800" dirty="0" smtClean="0"/>
+              <a:t>CDN (</a:t>
+            </a:r>
+            <a:r>
+              <a:rPr lang="en-US" sz="2800" dirty="0" err="1" smtClean="0"/>
+              <a:t>url</a:t>
+            </a:r>
+            <a:r>
+              <a:rPr lang="en-US" sz="2800" dirty="0" smtClean="0"/>
+              <a:t>)</a:t>
+            </a:r>
+          </a:p>
+          <a:p>
+            <a:r>
+              <a:rPr lang="en-US" dirty="0" smtClean="0"/>
+              <a:t>Add reference to the </a:t>
+            </a:r>
+            <a:r>
+              <a:rPr lang="en-US" dirty="0" err="1" smtClean="0"/>
+              <a:t>js</a:t>
+            </a:r>
+            <a:r>
+              <a:rPr lang="en-US" dirty="0" smtClean="0"/>
+              <a:t> in your html</a:t>
+            </a:r>
+            <a:endParaRPr lang="en-US" dirty="0"/>
+          </a:p>
+        </p:txBody>
+      </p:sp>
+      <p:sp>
+        <p:nvSpPr>
+          <p:cNvPr id="4" name="Slide Number Placeholder 3"/>
+          <p:cNvSpPr>
+            <a:spLocks noGrp="1"/>
+          </p:cNvSpPr>
+          <p:nvPr>
+            <p:ph type="sldNum" sz="quarter" idx="10"/>
+          </p:nvPr>
+        </p:nvSpPr>
+        <p:spPr/>
+        <p:txBody>
+          <a:bodyPr/>
+          <a:lstStyle/>
+          <a:p>
+            <a:pPr>
+              <a:defRPr/>
+            </a:pPr>
+            <a:fld id="{58452FF4-89E3-4D1B-9927-2DBDC00E58D7}" type="slidenum">
+              <a:rPr lang="en-US" smtClean="0"/>
+              <a:pPr>
+                <a:defRPr/>
+              </a:pPr>
+              <a:t>23</a:t>
+            </a:fld>
+            <a:endParaRPr lang="en-US" dirty="0"/>
+          </a:p>
+        </p:txBody>
+      </p:sp>
+      <p:sp>
+        <p:nvSpPr>
+          <p:cNvPr id="5" name="Rectangle 4"/>
+          <p:cNvSpPr>
+            <a:spLocks noChangeArrowheads="1"/>
+          </p:cNvSpPr>
+          <p:nvPr/>
+        </p:nvSpPr>
+        <p:spPr bwMode="auto">
+          <a:xfrm>
+            <a:off x="381000" y="5562600"/>
+            <a:ext cx="8064500" cy="510909"/>
+          </a:xfrm>
+          <a:prstGeom prst="rect">
+            <a:avLst/>
+          </a:prstGeom>
+          <a:solidFill>
+            <a:schemeClr val="bg1">
+              <a:alpha val="39999"/>
+            </a:schemeClr>
+          </a:solidFill>
+          <a:ln w="3175" algn="ctr">
+            <a:solidFill>
+              <a:schemeClr val="hlink"/>
+            </a:solidFill>
+            <a:miter lim="800000"/>
+            <a:headEnd/>
+            <a:tailEnd/>
+          </a:ln>
+          <a:effectLst/>
+        </p:spPr>
+        <p:txBody>
+          <a:bodyPr lIns="144000" tIns="91440" rIns="144000" bIns="109728">
+            <a:spAutoFit/>
+          </a:bodyPr>
+          <a:lstStyle/>
+          <a:p>
+            <a:pPr marL="358775" lvl="2" eaLnBrk="1" hangingPunct="1">
+              <a:spcBef>
+                <a:spcPct val="40000"/>
+              </a:spcBef>
+              <a:buClr>
+                <a:schemeClr val="tx1"/>
+              </a:buClr>
+            </a:pPr>
+            <a:r>
+              <a:rPr lang="en-US" sz="2000" b="1" dirty="0" smtClean="0">
+                <a:solidFill>
+                  <a:schemeClr val="tx1">
+                    <a:lumMod val="20000"/>
+                    <a:lumOff val="80000"/>
+                  </a:schemeClr>
+                </a:solidFill>
+              </a:rPr>
+              <a:t>&lt;script type="text/</a:t>
+            </a:r>
+            <a:r>
+              <a:rPr lang="en-US" sz="2000" b="1" dirty="0" err="1" smtClean="0">
+                <a:solidFill>
+                  <a:schemeClr val="tx1">
+                    <a:lumMod val="20000"/>
+                    <a:lumOff val="80000"/>
+                  </a:schemeClr>
+                </a:solidFill>
+              </a:rPr>
+              <a:t>javascript</a:t>
+            </a:r>
+            <a:r>
+              <a:rPr lang="en-US" sz="2000" b="1" dirty="0" smtClean="0">
+                <a:solidFill>
+                  <a:schemeClr val="tx1">
+                    <a:lumMod val="20000"/>
+                    <a:lumOff val="80000"/>
+                  </a:schemeClr>
+                </a:solidFill>
+              </a:rPr>
+              <a:t>" </a:t>
+            </a:r>
+            <a:r>
+              <a:rPr lang="en-US" sz="2000" b="1" dirty="0" err="1" smtClean="0">
+                <a:solidFill>
+                  <a:schemeClr val="tx1">
+                    <a:lumMod val="20000"/>
+                    <a:lumOff val="80000"/>
+                  </a:schemeClr>
+                </a:solidFill>
+              </a:rPr>
+              <a:t>src</a:t>
+            </a:r>
+            <a:r>
+              <a:rPr lang="en-US" sz="2000" b="1" dirty="0" smtClean="0">
+                <a:solidFill>
+                  <a:schemeClr val="tx1">
+                    <a:lumMod val="20000"/>
+                    <a:lumOff val="80000"/>
+                  </a:schemeClr>
+                </a:solidFill>
+              </a:rPr>
+              <a:t>="</a:t>
+            </a:r>
+            <a:r>
+              <a:rPr lang="en-US" sz="2000" b="1" dirty="0" smtClean="0">
+                <a:solidFill>
+                  <a:schemeClr val="tx2"/>
+                </a:solidFill>
+              </a:rPr>
+              <a:t>/scripts/</a:t>
+            </a:r>
+            <a:r>
+              <a:rPr lang="en-US" sz="2000" b="1" dirty="0" err="1" smtClean="0">
+                <a:solidFill>
+                  <a:schemeClr val="tx2"/>
+                </a:solidFill>
+              </a:rPr>
+              <a:t>jquery.min.js</a:t>
+            </a:r>
+            <a:r>
+              <a:rPr lang="en-US" sz="2000" b="1" dirty="0" smtClean="0">
+                <a:solidFill>
+                  <a:schemeClr val="tx1">
+                    <a:lumMod val="20000"/>
+                    <a:lumOff val="80000"/>
+                  </a:schemeClr>
+                </a:solidFill>
+              </a:rPr>
+              <a:t>"&gt;&lt;/script&gt;</a:t>
+            </a:r>
+            <a:endParaRPr lang="en-US" sz="2000" b="1" noProof="1">
+              <a:solidFill>
+                <a:schemeClr val="tx1">
+                  <a:lumMod val="20000"/>
+                  <a:lumOff val="80000"/>
+                </a:schemeClr>
+              </a:solidFill>
+              <a:latin typeface="Courier New" pitchFamily="49" charset="0"/>
+              <a:ea typeface="Times New Roman" pitchFamily="18" charset="0"/>
+              <a:cs typeface="Courier New" pitchFamily="49" charset="0"/>
+            </a:endParaRPr>
+          </a:p>
+        </p:txBody>
+      </p:sp>
+    </p:spTree>
+  </p:cSld>
+  <p:clrMapOvr>
+    <a:masterClrMapping/>
+  </p:clrMapOvr>
+  <p:timing>
+    <p:tnLst>
+      <p:par>
+        <p:cTn id="1" dur="indefinite" restart="never" nodeType="tmRoot"/>
+      </p:par>
+    </p:tnLst>
+  </p:timing>
+</p:sld>
+</file>
+
+<file path=ppt/slides/slide24.xml><?xml version="1.0" encoding="utf-8"?>
+<p:sld xmlns:a="http://schemas.openxmlformats.org/drawingml/2006/main" xmlns:r="http://schemas.openxmlformats.org/officeDocument/2006/relationships" xmlns:p="http://schemas.openxmlformats.org/presentationml/2006/main">
+  <p:cSld>
+    <p:spTree>
+      <p:nvGrpSpPr>
+        <p:cNvPr id="1" name=""/>
+        <p:cNvGrpSpPr/>
+        <p:nvPr/>
+      </p:nvGrpSpPr>
+      <p:grpSpPr>
+        <a:xfrm>
+          <a:off x="0" y="0"/>
+          <a:ext cx="0" cy="0"/>
+          <a:chOff x="0" y="0"/>
+          <a:chExt cx="0" cy="0"/>
+        </a:xfrm>
+      </p:grpSpPr>
+      <p:sp>
+        <p:nvSpPr>
+          <p:cNvPr id="2" name="Title 1"/>
+          <p:cNvSpPr>
+            <a:spLocks noGrp="1"/>
+          </p:cNvSpPr>
+          <p:nvPr>
+            <p:ph type="title"/>
+          </p:nvPr>
+        </p:nvSpPr>
+        <p:spPr/>
+        <p:txBody>
+          <a:bodyPr/>
+          <a:lstStyle/>
+          <a:p>
+            <a:r>
+              <a:rPr lang="en-US" dirty="0" smtClean="0"/>
+              <a:t>Selectors</a:t>
+            </a:r>
+            <a:endParaRPr lang="en-US" dirty="0"/>
+          </a:p>
+        </p:txBody>
+      </p:sp>
+      <p:sp>
+        <p:nvSpPr>
+          <p:cNvPr id="3" name="Content Placeholder 2"/>
+          <p:cNvSpPr>
+            <a:spLocks noGrp="1"/>
+          </p:cNvSpPr>
+          <p:nvPr>
+            <p:ph idx="1"/>
+          </p:nvPr>
+        </p:nvSpPr>
+        <p:spPr/>
+        <p:txBody>
+          <a:bodyPr/>
+          <a:lstStyle/>
+          <a:p>
+            <a:r>
+              <a:rPr lang="en-US" dirty="0" smtClean="0"/>
+              <a:t>CSS 3 compliant syntax</a:t>
+            </a:r>
+          </a:p>
+          <a:p>
+            <a:r>
+              <a:rPr lang="en-US" dirty="0" smtClean="0"/>
+              <a:t>Select DOM element or elements</a:t>
+            </a:r>
+          </a:p>
+          <a:p>
+            <a:r>
+              <a:rPr lang="en-US" dirty="0" smtClean="0"/>
+              <a:t>The result is always jQuery object </a:t>
+            </a:r>
+          </a:p>
+          <a:p>
+            <a:pPr lvl="1"/>
+            <a:r>
+              <a:rPr lang="en-US" dirty="0" smtClean="0"/>
+              <a:t>it will never be null </a:t>
+            </a:r>
+          </a:p>
+          <a:p>
+            <a:pPr lvl="1"/>
+            <a:r>
+              <a:rPr lang="en-US" dirty="0" smtClean="0"/>
+              <a:t>check the length property</a:t>
+            </a:r>
+          </a:p>
+          <a:p>
+            <a:endParaRPr lang="en-US" dirty="0"/>
+          </a:p>
+        </p:txBody>
+      </p:sp>
+      <p:sp>
+        <p:nvSpPr>
+          <p:cNvPr id="4" name="Slide Number Placeholder 3"/>
+          <p:cNvSpPr>
+            <a:spLocks noGrp="1"/>
+          </p:cNvSpPr>
+          <p:nvPr>
+            <p:ph type="sldNum" sz="quarter" idx="10"/>
+          </p:nvPr>
+        </p:nvSpPr>
+        <p:spPr/>
+        <p:txBody>
+          <a:bodyPr/>
+          <a:lstStyle/>
+          <a:p>
+            <a:pPr>
+              <a:defRPr/>
+            </a:pPr>
+            <a:fld id="{58452FF4-89E3-4D1B-9927-2DBDC00E58D7}" type="slidenum">
+              <a:rPr lang="en-US" smtClean="0"/>
+              <a:pPr>
+                <a:defRPr/>
+              </a:pPr>
+              <a:t>24</a:t>
+            </a:fld>
+            <a:endParaRPr lang="en-US" dirty="0"/>
+          </a:p>
+        </p:txBody>
+      </p:sp>
+      <p:sp>
+        <p:nvSpPr>
+          <p:cNvPr id="5" name="Rectangle 4"/>
+          <p:cNvSpPr>
+            <a:spLocks noChangeArrowheads="1"/>
+          </p:cNvSpPr>
+          <p:nvPr/>
+        </p:nvSpPr>
+        <p:spPr bwMode="auto">
+          <a:xfrm>
+            <a:off x="381000" y="4191000"/>
+            <a:ext cx="8064500" cy="2234458"/>
+          </a:xfrm>
+          <a:prstGeom prst="rect">
+            <a:avLst/>
+          </a:prstGeom>
+          <a:solidFill>
+            <a:schemeClr val="bg1">
+              <a:alpha val="39999"/>
+            </a:schemeClr>
+          </a:solidFill>
+          <a:ln w="3175" algn="ctr">
+            <a:solidFill>
+              <a:schemeClr val="hlink"/>
+            </a:solidFill>
+            <a:miter lim="800000"/>
+            <a:headEnd/>
+            <a:tailEnd/>
+          </a:ln>
+          <a:effectLst/>
+        </p:spPr>
+        <p:txBody>
+          <a:bodyPr lIns="144000" tIns="91440" rIns="144000" bIns="109728">
+            <a:spAutoFit/>
+          </a:bodyPr>
+          <a:lstStyle/>
+          <a:p>
+            <a:pPr marL="358775" lvl="2" eaLnBrk="1" hangingPunct="1">
+              <a:spcBef>
+                <a:spcPct val="40000"/>
+              </a:spcBef>
+              <a:buClr>
+                <a:schemeClr val="tx1"/>
+              </a:buClr>
+            </a:pPr>
+            <a:r>
+              <a:rPr lang="en-US" sz="2000" b="1" dirty="0" smtClean="0">
+                <a:solidFill>
+                  <a:schemeClr val="tx1">
+                    <a:lumMod val="20000"/>
+                    <a:lumOff val="80000"/>
+                  </a:schemeClr>
+                </a:solidFill>
+                <a:latin typeface="Courier New" pitchFamily="49" charset="0"/>
+                <a:cs typeface="Courier New" pitchFamily="49" charset="0"/>
+              </a:rPr>
+              <a:t>$(document).ready(function() { </a:t>
+            </a:r>
+          </a:p>
+          <a:p>
+            <a:pPr marL="358775" lvl="2" eaLnBrk="1" hangingPunct="1">
+              <a:spcBef>
+                <a:spcPct val="40000"/>
+              </a:spcBef>
+              <a:buClr>
+                <a:schemeClr val="tx1"/>
+              </a:buClr>
+            </a:pPr>
+            <a:r>
+              <a:rPr lang="en-US" sz="2000" b="1" dirty="0" smtClean="0">
+                <a:solidFill>
+                  <a:schemeClr val="tx1">
+                    <a:lumMod val="20000"/>
+                    <a:lumOff val="80000"/>
+                  </a:schemeClr>
+                </a:solidFill>
+                <a:latin typeface="Courier New" pitchFamily="49" charset="0"/>
+                <a:cs typeface="Courier New" pitchFamily="49" charset="0"/>
+              </a:rPr>
+              <a:t>	</a:t>
+            </a:r>
+            <a:r>
+              <a:rPr lang="en-US" sz="2000" b="1" dirty="0" err="1" smtClean="0">
+                <a:solidFill>
+                  <a:schemeClr val="tx1">
+                    <a:lumMod val="20000"/>
+                    <a:lumOff val="80000"/>
+                  </a:schemeClr>
+                </a:solidFill>
+                <a:latin typeface="Courier New" pitchFamily="49" charset="0"/>
+                <a:cs typeface="Courier New" pitchFamily="49" charset="0"/>
+              </a:rPr>
+              <a:t>var</a:t>
+            </a:r>
+            <a:r>
+              <a:rPr lang="en-US" sz="2000" b="1" dirty="0" smtClean="0">
+                <a:solidFill>
+                  <a:schemeClr val="tx1">
+                    <a:lumMod val="20000"/>
+                    <a:lumOff val="80000"/>
+                  </a:schemeClr>
+                </a:solidFill>
+                <a:latin typeface="Courier New" pitchFamily="49" charset="0"/>
+                <a:cs typeface="Courier New" pitchFamily="49" charset="0"/>
+              </a:rPr>
+              <a:t> </a:t>
+            </a:r>
+            <a:r>
+              <a:rPr lang="en-US" sz="2000" b="1" dirty="0" err="1" smtClean="0">
+                <a:solidFill>
+                  <a:schemeClr val="tx1">
+                    <a:lumMod val="20000"/>
+                    <a:lumOff val="80000"/>
+                  </a:schemeClr>
+                </a:solidFill>
+                <a:latin typeface="Courier New" pitchFamily="49" charset="0"/>
+                <a:cs typeface="Courier New" pitchFamily="49" charset="0"/>
+              </a:rPr>
+              <a:t>allAnchors</a:t>
+            </a:r>
+            <a:r>
+              <a:rPr lang="en-US" sz="2000" b="1" dirty="0" smtClean="0">
+                <a:solidFill>
+                  <a:schemeClr val="tx1">
+                    <a:lumMod val="20000"/>
+                    <a:lumOff val="80000"/>
+                  </a:schemeClr>
+                </a:solidFill>
+                <a:latin typeface="Courier New" pitchFamily="49" charset="0"/>
+                <a:cs typeface="Courier New" pitchFamily="49" charset="0"/>
+              </a:rPr>
+              <a:t> = $("a");</a:t>
+            </a:r>
+          </a:p>
+          <a:p>
+            <a:pPr marL="358775" lvl="2" eaLnBrk="1" hangingPunct="1">
+              <a:spcBef>
+                <a:spcPct val="40000"/>
+              </a:spcBef>
+              <a:buClr>
+                <a:schemeClr val="tx1"/>
+              </a:buClr>
+            </a:pPr>
+            <a:r>
+              <a:rPr lang="en-US" sz="2000" b="1" dirty="0" smtClean="0">
+                <a:solidFill>
+                  <a:schemeClr val="tx1">
+                    <a:lumMod val="20000"/>
+                    <a:lumOff val="80000"/>
+                  </a:schemeClr>
+                </a:solidFill>
+                <a:latin typeface="Courier New" pitchFamily="49" charset="0"/>
+                <a:cs typeface="Courier New" pitchFamily="49" charset="0"/>
+              </a:rPr>
+              <a:t>	</a:t>
+            </a:r>
+            <a:r>
+              <a:rPr lang="en-US" sz="2000" b="1" dirty="0" err="1" smtClean="0">
+                <a:solidFill>
+                  <a:schemeClr val="tx1">
+                    <a:lumMod val="20000"/>
+                    <a:lumOff val="80000"/>
+                  </a:schemeClr>
+                </a:solidFill>
+                <a:latin typeface="Courier New" pitchFamily="49" charset="0"/>
+                <a:cs typeface="Courier New" pitchFamily="49" charset="0"/>
+              </a:rPr>
+              <a:t>var</a:t>
+            </a:r>
+            <a:r>
+              <a:rPr lang="en-US" sz="2000" b="1" dirty="0" smtClean="0">
+                <a:solidFill>
+                  <a:schemeClr val="tx1">
+                    <a:lumMod val="20000"/>
+                    <a:lumOff val="80000"/>
+                  </a:schemeClr>
+                </a:solidFill>
+                <a:latin typeface="Courier New" pitchFamily="49" charset="0"/>
+                <a:cs typeface="Courier New" pitchFamily="49" charset="0"/>
+              </a:rPr>
+              <a:t> </a:t>
+            </a:r>
+            <a:r>
+              <a:rPr lang="en-US" sz="2000" b="1" dirty="0" err="1" smtClean="0">
+                <a:solidFill>
+                  <a:schemeClr val="tx1">
+                    <a:lumMod val="20000"/>
+                    <a:lumOff val="80000"/>
+                  </a:schemeClr>
+                </a:solidFill>
+                <a:latin typeface="Courier New" pitchFamily="49" charset="0"/>
+                <a:cs typeface="Courier New" pitchFamily="49" charset="0"/>
+              </a:rPr>
+              <a:t>theElementWithIdAspForm</a:t>
+            </a:r>
+            <a:r>
+              <a:rPr lang="en-US" sz="2000" b="1" dirty="0" smtClean="0">
+                <a:solidFill>
+                  <a:schemeClr val="tx1">
+                    <a:lumMod val="20000"/>
+                    <a:lumOff val="80000"/>
+                  </a:schemeClr>
+                </a:solidFill>
+                <a:latin typeface="Courier New" pitchFamily="49" charset="0"/>
+                <a:cs typeface="Courier New" pitchFamily="49" charset="0"/>
+              </a:rPr>
+              <a:t> = $("#</a:t>
+            </a:r>
+            <a:r>
+              <a:rPr lang="en-US" sz="2000" b="1" dirty="0" err="1" smtClean="0">
+                <a:solidFill>
+                  <a:schemeClr val="tx1">
+                    <a:lumMod val="20000"/>
+                    <a:lumOff val="80000"/>
+                  </a:schemeClr>
+                </a:solidFill>
+                <a:latin typeface="Courier New" pitchFamily="49" charset="0"/>
+                <a:cs typeface="Courier New" pitchFamily="49" charset="0"/>
+              </a:rPr>
+              <a:t>aspForm</a:t>
+            </a:r>
+            <a:r>
+              <a:rPr lang="en-US" sz="2000" b="1" dirty="0" smtClean="0">
+                <a:solidFill>
+                  <a:schemeClr val="tx1">
+                    <a:lumMod val="20000"/>
+                    <a:lumOff val="80000"/>
+                  </a:schemeClr>
+                </a:solidFill>
+                <a:latin typeface="Courier New" pitchFamily="49" charset="0"/>
+                <a:cs typeface="Courier New" pitchFamily="49" charset="0"/>
+              </a:rPr>
+              <a:t>");</a:t>
+            </a:r>
+          </a:p>
+          <a:p>
+            <a:pPr marL="358775" lvl="2" eaLnBrk="1" hangingPunct="1">
+              <a:spcBef>
+                <a:spcPct val="40000"/>
+              </a:spcBef>
+              <a:buClr>
+                <a:schemeClr val="tx1"/>
+              </a:buClr>
+            </a:pPr>
+            <a:r>
+              <a:rPr lang="en-US" sz="2000" b="1" dirty="0" smtClean="0">
+                <a:solidFill>
+                  <a:schemeClr val="tx1">
+                    <a:lumMod val="20000"/>
+                    <a:lumOff val="80000"/>
+                  </a:schemeClr>
+                </a:solidFill>
+                <a:latin typeface="Courier New" pitchFamily="49" charset="0"/>
+                <a:cs typeface="Courier New" pitchFamily="49" charset="0"/>
+              </a:rPr>
+              <a:t>	</a:t>
+            </a:r>
+            <a:r>
+              <a:rPr lang="en-US" sz="2000" b="1" dirty="0" err="1" smtClean="0">
+                <a:solidFill>
+                  <a:schemeClr val="tx1">
+                    <a:lumMod val="20000"/>
+                    <a:lumOff val="80000"/>
+                  </a:schemeClr>
+                </a:solidFill>
+                <a:latin typeface="Courier New" pitchFamily="49" charset="0"/>
+                <a:cs typeface="Courier New" pitchFamily="49" charset="0"/>
+              </a:rPr>
+              <a:t>var</a:t>
+            </a:r>
+            <a:r>
+              <a:rPr lang="en-US" sz="2000" b="1" dirty="0" smtClean="0">
+                <a:solidFill>
+                  <a:schemeClr val="tx1">
+                    <a:lumMod val="20000"/>
+                    <a:lumOff val="80000"/>
+                  </a:schemeClr>
+                </a:solidFill>
+                <a:latin typeface="Courier New" pitchFamily="49" charset="0"/>
+                <a:cs typeface="Courier New" pitchFamily="49" charset="0"/>
+              </a:rPr>
+              <a:t> </a:t>
+            </a:r>
+            <a:r>
+              <a:rPr lang="en-US" sz="2000" b="1" dirty="0" err="1" smtClean="0">
+                <a:solidFill>
+                  <a:schemeClr val="tx1">
+                    <a:lumMod val="20000"/>
+                    <a:lumOff val="80000"/>
+                  </a:schemeClr>
+                </a:solidFill>
+                <a:latin typeface="Courier New" pitchFamily="49" charset="0"/>
+                <a:cs typeface="Courier New" pitchFamily="49" charset="0"/>
+              </a:rPr>
+              <a:t>allElemsWithClassHidden</a:t>
+            </a:r>
+            <a:r>
+              <a:rPr lang="en-US" sz="2000" b="1" dirty="0" smtClean="0">
+                <a:solidFill>
+                  <a:schemeClr val="tx1">
+                    <a:lumMod val="20000"/>
+                    <a:lumOff val="80000"/>
+                  </a:schemeClr>
+                </a:solidFill>
+                <a:latin typeface="Courier New" pitchFamily="49" charset="0"/>
+                <a:cs typeface="Courier New" pitchFamily="49" charset="0"/>
+              </a:rPr>
+              <a:t> = $(".hidden");</a:t>
+            </a:r>
+          </a:p>
+          <a:p>
+            <a:pPr marL="358775" lvl="2" eaLnBrk="1" hangingPunct="1">
+              <a:spcBef>
+                <a:spcPct val="40000"/>
+              </a:spcBef>
+              <a:buClr>
+                <a:schemeClr val="tx1"/>
+              </a:buClr>
+            </a:pPr>
+            <a:r>
+              <a:rPr lang="en-US" sz="2000" b="1" dirty="0" smtClean="0">
+                <a:solidFill>
+                  <a:schemeClr val="tx1">
+                    <a:lumMod val="20000"/>
+                    <a:lumOff val="80000"/>
+                  </a:schemeClr>
+                </a:solidFill>
+                <a:latin typeface="Courier New" pitchFamily="49" charset="0"/>
+                <a:cs typeface="Courier New" pitchFamily="49" charset="0"/>
+              </a:rPr>
+              <a:t>}); </a:t>
+            </a:r>
+            <a:endParaRPr lang="en-US" sz="2000" b="1" noProof="1">
+              <a:solidFill>
+                <a:schemeClr val="tx1">
+                  <a:lumMod val="20000"/>
+                  <a:lumOff val="80000"/>
+                </a:schemeClr>
+              </a:solidFill>
+              <a:latin typeface="Courier New" pitchFamily="49" charset="0"/>
+              <a:ea typeface="Times New Roman" pitchFamily="18" charset="0"/>
+              <a:cs typeface="Courier New" pitchFamily="49" charset="0"/>
+            </a:endParaRPr>
+          </a:p>
+        </p:txBody>
+      </p:sp>
+    </p:spTree>
+  </p:cSld>
+  <p:clrMapOvr>
+    <a:masterClrMapping/>
+  </p:clrMapOvr>
+  <p:timing>
+    <p:tnLst>
+      <p:par>
+        <p:cTn id="1" dur="indefinite" restart="never" nodeType="tmRoot"/>
+      </p:par>
+    </p:tnLst>
+  </p:timing>
+</p:sld>
+</file>
+
+<file path=ppt/slides/slide25.xml><?xml version="1.0" encoding="utf-8"?>
+<p:sld xmlns:a="http://schemas.openxmlformats.org/drawingml/2006/main" xmlns:r="http://schemas.openxmlformats.org/officeDocument/2006/relationships" xmlns:p="http://schemas.openxmlformats.org/presentationml/2006/main">
+  <p:cSld>
+    <p:spTree>
+      <p:nvGrpSpPr>
+        <p:cNvPr id="1" name=""/>
+        <p:cNvGrpSpPr/>
+        <p:nvPr/>
+      </p:nvGrpSpPr>
+      <p:grpSpPr>
+        <a:xfrm>
+          <a:off x="0" y="0"/>
+          <a:ext cx="0" cy="0"/>
+          <a:chOff x="0" y="0"/>
+          <a:chExt cx="0" cy="0"/>
+        </a:xfrm>
+      </p:grpSpPr>
+      <p:sp>
+        <p:nvSpPr>
+          <p:cNvPr id="2" name="Title 1"/>
+          <p:cNvSpPr>
+            <a:spLocks noGrp="1"/>
+          </p:cNvSpPr>
+          <p:nvPr>
+            <p:ph type="title"/>
+          </p:nvPr>
+        </p:nvSpPr>
+        <p:spPr/>
+        <p:txBody>
+          <a:bodyPr/>
+          <a:lstStyle/>
+          <a:p>
+            <a:r>
+              <a:rPr lang="en-US" dirty="0" smtClean="0"/>
+              <a:t>DOM Manipulation</a:t>
+            </a:r>
+            <a:endParaRPr lang="en-US" dirty="0"/>
+          </a:p>
+        </p:txBody>
+      </p:sp>
+      <p:sp>
+        <p:nvSpPr>
+          <p:cNvPr id="3" name="Content Placeholder 2"/>
+          <p:cNvSpPr>
+            <a:spLocks noGrp="1"/>
+          </p:cNvSpPr>
+          <p:nvPr>
+            <p:ph idx="1"/>
+          </p:nvPr>
+        </p:nvSpPr>
+        <p:spPr/>
+        <p:txBody>
+          <a:bodyPr/>
+          <a:lstStyle/>
+          <a:p>
+            <a:r>
+              <a:rPr lang="en-US" dirty="0" smtClean="0"/>
+              <a:t>.</a:t>
+            </a:r>
+            <a:r>
+              <a:rPr lang="en-US" dirty="0" err="1" smtClean="0"/>
+              <a:t>attr</a:t>
+            </a:r>
+            <a:r>
+              <a:rPr lang="en-US" dirty="0" smtClean="0"/>
+              <a:t>()</a:t>
+            </a:r>
+          </a:p>
+          <a:p>
+            <a:r>
+              <a:rPr lang="en-US" dirty="0" smtClean="0"/>
+              <a:t>.</a:t>
+            </a:r>
+            <a:r>
+              <a:rPr lang="en-US" dirty="0" err="1" smtClean="0"/>
+              <a:t>val</a:t>
+            </a:r>
+            <a:r>
+              <a:rPr lang="en-US" dirty="0" smtClean="0"/>
+              <a:t>()</a:t>
+            </a:r>
+          </a:p>
+          <a:p>
+            <a:r>
+              <a:rPr lang="en-US" dirty="0" smtClean="0"/>
+              <a:t>.text()</a:t>
+            </a:r>
+          </a:p>
+          <a:p>
+            <a:r>
+              <a:rPr lang="en-US" dirty="0" smtClean="0"/>
+              <a:t>.html()</a:t>
+            </a:r>
+          </a:p>
+          <a:p>
+            <a:r>
+              <a:rPr lang="en-US" dirty="0" smtClean="0"/>
+              <a:t>.</a:t>
+            </a:r>
+            <a:r>
+              <a:rPr lang="en-US" dirty="0" err="1" smtClean="0"/>
+              <a:t>addClass</a:t>
+            </a:r>
+            <a:r>
+              <a:rPr lang="en-US" dirty="0" smtClean="0"/>
+              <a:t>(), </a:t>
+            </a:r>
+            <a:r>
+              <a:rPr lang="en-US" dirty="0" err="1" smtClean="0"/>
+              <a:t>removeClass</a:t>
+            </a:r>
+            <a:r>
+              <a:rPr lang="en-US" dirty="0" smtClean="0"/>
+              <a:t>(), .</a:t>
+            </a:r>
+            <a:r>
+              <a:rPr lang="en-US" dirty="0" err="1" smtClean="0"/>
+              <a:t>hasClass</a:t>
+            </a:r>
+            <a:r>
+              <a:rPr lang="en-US" dirty="0" smtClean="0"/>
+              <a:t>()</a:t>
+            </a:r>
+            <a:endParaRPr lang="en-US" dirty="0"/>
+          </a:p>
+        </p:txBody>
+      </p:sp>
+      <p:sp>
+        <p:nvSpPr>
+          <p:cNvPr id="4" name="Slide Number Placeholder 3"/>
+          <p:cNvSpPr>
+            <a:spLocks noGrp="1"/>
+          </p:cNvSpPr>
+          <p:nvPr>
+            <p:ph type="sldNum" sz="quarter" idx="10"/>
+          </p:nvPr>
+        </p:nvSpPr>
+        <p:spPr/>
+        <p:txBody>
+          <a:bodyPr/>
+          <a:lstStyle/>
+          <a:p>
+            <a:pPr>
+              <a:defRPr/>
+            </a:pPr>
+            <a:fld id="{58452FF4-89E3-4D1B-9927-2DBDC00E58D7}" type="slidenum">
+              <a:rPr lang="en-US" smtClean="0"/>
+              <a:pPr>
+                <a:defRPr/>
+              </a:pPr>
+              <a:t>25</a:t>
+            </a:fld>
+            <a:endParaRPr lang="en-US" dirty="0"/>
+          </a:p>
+        </p:txBody>
+      </p:sp>
+      <p:sp>
+        <p:nvSpPr>
+          <p:cNvPr id="5" name="Rectangle 4"/>
+          <p:cNvSpPr>
+            <a:spLocks noChangeArrowheads="1"/>
+          </p:cNvSpPr>
+          <p:nvPr/>
+        </p:nvSpPr>
+        <p:spPr bwMode="auto">
+          <a:xfrm>
+            <a:off x="381000" y="4342317"/>
+            <a:ext cx="8064500" cy="1372683"/>
+          </a:xfrm>
+          <a:prstGeom prst="rect">
+            <a:avLst/>
+          </a:prstGeom>
+          <a:solidFill>
+            <a:schemeClr val="bg1">
+              <a:alpha val="39999"/>
+            </a:schemeClr>
+          </a:solidFill>
+          <a:ln w="3175" algn="ctr">
+            <a:solidFill>
+              <a:schemeClr val="hlink"/>
+            </a:solidFill>
+            <a:miter lim="800000"/>
+            <a:headEnd/>
+            <a:tailEnd/>
+          </a:ln>
+          <a:effectLst/>
+        </p:spPr>
+        <p:txBody>
+          <a:bodyPr lIns="144000" tIns="91440" rIns="144000" bIns="109728">
+            <a:spAutoFit/>
+          </a:bodyPr>
+          <a:lstStyle/>
+          <a:p>
+            <a:pPr marL="358775" lvl="2" eaLnBrk="1" hangingPunct="1">
+              <a:spcBef>
+                <a:spcPct val="40000"/>
+              </a:spcBef>
+              <a:buClr>
+                <a:schemeClr val="tx1"/>
+              </a:buClr>
+            </a:pPr>
+            <a:r>
+              <a:rPr lang="en-US" sz="2000" b="1" dirty="0" smtClean="0">
+                <a:solidFill>
+                  <a:schemeClr val="tx1">
+                    <a:lumMod val="20000"/>
+                    <a:lumOff val="80000"/>
+                  </a:schemeClr>
+                </a:solidFill>
+                <a:latin typeface="Courier New" pitchFamily="49" charset="0"/>
+                <a:cs typeface="Courier New" pitchFamily="49" charset="0"/>
+              </a:rPr>
+              <a:t>$(document).ready(function() { </a:t>
+            </a:r>
+          </a:p>
+          <a:p>
+            <a:pPr marL="358775" lvl="2">
+              <a:spcBef>
+                <a:spcPct val="40000"/>
+              </a:spcBef>
+              <a:buClr>
+                <a:schemeClr val="tx1"/>
+              </a:buClr>
+            </a:pPr>
+            <a:r>
+              <a:rPr lang="en-US" sz="2000" b="1" dirty="0" smtClean="0">
+                <a:solidFill>
+                  <a:schemeClr val="tx1">
+                    <a:lumMod val="20000"/>
+                    <a:lumOff val="80000"/>
+                  </a:schemeClr>
+                </a:solidFill>
+                <a:latin typeface="Courier New" pitchFamily="49" charset="0"/>
+                <a:cs typeface="Courier New" pitchFamily="49" charset="0"/>
+              </a:rPr>
+              <a:t>	$("a").</a:t>
+            </a:r>
+            <a:r>
+              <a:rPr lang="en-US" sz="2000" b="1" dirty="0" err="1" smtClean="0">
+                <a:solidFill>
+                  <a:schemeClr val="tx1">
+                    <a:lumMod val="20000"/>
+                    <a:lumOff val="80000"/>
+                  </a:schemeClr>
+                </a:solidFill>
+                <a:latin typeface="Courier New" pitchFamily="49" charset="0"/>
+                <a:cs typeface="Courier New" pitchFamily="49" charset="0"/>
+              </a:rPr>
+              <a:t>attr</a:t>
+            </a:r>
+            <a:r>
+              <a:rPr lang="en-US" sz="2000" b="1" dirty="0" smtClean="0">
+                <a:solidFill>
+                  <a:schemeClr val="tx1">
+                    <a:lumMod val="20000"/>
+                    <a:lumOff val="80000"/>
+                  </a:schemeClr>
+                </a:solidFill>
+                <a:latin typeface="Courier New" pitchFamily="49" charset="0"/>
+                <a:cs typeface="Courier New" pitchFamily="49" charset="0"/>
+              </a:rPr>
+              <a:t>("target", "_blank");</a:t>
+            </a:r>
+          </a:p>
+          <a:p>
+            <a:pPr marL="358775" lvl="2" eaLnBrk="1" hangingPunct="1">
+              <a:spcBef>
+                <a:spcPct val="40000"/>
+              </a:spcBef>
+              <a:buClr>
+                <a:schemeClr val="tx1"/>
+              </a:buClr>
+            </a:pPr>
+            <a:r>
+              <a:rPr lang="en-US" sz="2000" b="1" dirty="0" smtClean="0">
+                <a:solidFill>
+                  <a:schemeClr val="tx1">
+                    <a:lumMod val="20000"/>
+                    <a:lumOff val="80000"/>
+                  </a:schemeClr>
+                </a:solidFill>
+                <a:latin typeface="Courier New" pitchFamily="49" charset="0"/>
+                <a:cs typeface="Courier New" pitchFamily="49" charset="0"/>
+              </a:rPr>
+              <a:t>}); </a:t>
+            </a:r>
+            <a:endParaRPr lang="en-US" sz="2000" b="1" noProof="1">
+              <a:solidFill>
+                <a:schemeClr val="tx1">
+                  <a:lumMod val="20000"/>
+                  <a:lumOff val="80000"/>
+                </a:schemeClr>
+              </a:solidFill>
+              <a:latin typeface="Courier New" pitchFamily="49" charset="0"/>
+              <a:ea typeface="Times New Roman" pitchFamily="18" charset="0"/>
+              <a:cs typeface="Courier New" pitchFamily="49" charset="0"/>
+            </a:endParaRPr>
+          </a:p>
+        </p:txBody>
+      </p:sp>
+    </p:spTree>
+  </p:cSld>
+  <p:clrMapOvr>
+    <a:masterClrMapping/>
+  </p:clrMapOvr>
+  <p:timing>
+    <p:tnLst>
+      <p:par>
+        <p:cTn id="1" dur="indefinite" restart="never" nodeType="tmRoot"/>
+      </p:par>
+    </p:tnLst>
+  </p:timing>
+</p:sld>
+</file>
+
+<file path=ppt/slides/slide26.xml><?xml version="1.0" encoding="utf-8"?>
+<p:sld xmlns:a="http://schemas.openxmlformats.org/drawingml/2006/main" xmlns:r="http://schemas.openxmlformats.org/officeDocument/2006/relationships" xmlns:p="http://schemas.openxmlformats.org/presentationml/2006/main">
+  <p:cSld>
+    <p:spTree>
+      <p:nvGrpSpPr>
+        <p:cNvPr id="1" name=""/>
+        <p:cNvGrpSpPr/>
+        <p:nvPr/>
+      </p:nvGrpSpPr>
+      <p:grpSpPr>
+        <a:xfrm>
+          <a:off x="0" y="0"/>
+          <a:ext cx="0" cy="0"/>
+          <a:chOff x="0" y="0"/>
+          <a:chExt cx="0" cy="0"/>
+        </a:xfrm>
+      </p:grpSpPr>
+      <p:sp>
+        <p:nvSpPr>
+          <p:cNvPr id="2" name="Title 1"/>
+          <p:cNvSpPr>
+            <a:spLocks noGrp="1"/>
+          </p:cNvSpPr>
+          <p:nvPr>
+            <p:ph type="title"/>
+          </p:nvPr>
+        </p:nvSpPr>
+        <p:spPr/>
+        <p:txBody>
+          <a:bodyPr/>
+          <a:lstStyle/>
+          <a:p>
+            <a:r>
+              <a:rPr lang="en-US" dirty="0" smtClean="0"/>
+              <a:t>Events</a:t>
+            </a:r>
+            <a:endParaRPr lang="en-US" dirty="0"/>
+          </a:p>
+        </p:txBody>
+      </p:sp>
+      <p:sp>
+        <p:nvSpPr>
+          <p:cNvPr id="3" name="Content Placeholder 2"/>
+          <p:cNvSpPr>
+            <a:spLocks noGrp="1"/>
+          </p:cNvSpPr>
+          <p:nvPr>
+            <p:ph idx="1"/>
+          </p:nvPr>
+        </p:nvSpPr>
+        <p:spPr/>
+        <p:txBody>
+          <a:bodyPr/>
+          <a:lstStyle/>
+          <a:p>
+            <a:r>
+              <a:rPr lang="en-US" dirty="0" smtClean="0"/>
+              <a:t>.click()</a:t>
+            </a:r>
+          </a:p>
+          <a:p>
+            <a:r>
+              <a:rPr lang="en-US" dirty="0" smtClean="0"/>
+              <a:t>.</a:t>
+            </a:r>
+            <a:r>
+              <a:rPr lang="en-US" dirty="0" err="1" smtClean="0"/>
+              <a:t>keypress</a:t>
+            </a:r>
+            <a:r>
+              <a:rPr lang="en-US" dirty="0" smtClean="0"/>
+              <a:t>(), </a:t>
+            </a:r>
+            <a:r>
+              <a:rPr lang="en-US" dirty="0" err="1" smtClean="0"/>
+              <a:t>keydown</a:t>
+            </a:r>
+            <a:r>
+              <a:rPr lang="en-US" dirty="0" smtClean="0"/>
+              <a:t>(), </a:t>
+            </a:r>
+            <a:r>
+              <a:rPr lang="en-US" dirty="0" err="1" smtClean="0"/>
+              <a:t>keyup</a:t>
+            </a:r>
+            <a:r>
+              <a:rPr lang="en-US" dirty="0" smtClean="0"/>
+              <a:t>()</a:t>
+            </a:r>
+          </a:p>
+          <a:p>
+            <a:r>
+              <a:rPr lang="en-US" dirty="0" smtClean="0"/>
+              <a:t>.change()</a:t>
+            </a:r>
+          </a:p>
+          <a:p>
+            <a:r>
+              <a:rPr lang="en-US" dirty="0" smtClean="0"/>
+              <a:t>.hover()</a:t>
+            </a:r>
+          </a:p>
+          <a:p>
+            <a:r>
+              <a:rPr lang="en-US" dirty="0" smtClean="0"/>
+              <a:t>.toggle()</a:t>
+            </a:r>
+            <a:endParaRPr lang="en-US" dirty="0"/>
+          </a:p>
+        </p:txBody>
+      </p:sp>
+      <p:sp>
+        <p:nvSpPr>
+          <p:cNvPr id="4" name="Slide Number Placeholder 3"/>
+          <p:cNvSpPr>
+            <a:spLocks noGrp="1"/>
+          </p:cNvSpPr>
+          <p:nvPr>
+            <p:ph type="sldNum" sz="quarter" idx="10"/>
+          </p:nvPr>
+        </p:nvSpPr>
+        <p:spPr/>
+        <p:txBody>
+          <a:bodyPr/>
+          <a:lstStyle/>
+          <a:p>
+            <a:pPr>
+              <a:defRPr/>
+            </a:pPr>
+            <a:fld id="{58452FF4-89E3-4D1B-9927-2DBDC00E58D7}" type="slidenum">
+              <a:rPr lang="en-US" smtClean="0"/>
+              <a:pPr>
+                <a:defRPr/>
+              </a:pPr>
+              <a:t>26</a:t>
+            </a:fld>
+            <a:endParaRPr lang="en-US" dirty="0"/>
+          </a:p>
+        </p:txBody>
+      </p:sp>
+      <p:sp>
+        <p:nvSpPr>
+          <p:cNvPr id="5" name="Rectangle 4"/>
+          <p:cNvSpPr>
+            <a:spLocks noChangeArrowheads="1"/>
+          </p:cNvSpPr>
+          <p:nvPr/>
+        </p:nvSpPr>
+        <p:spPr bwMode="auto">
+          <a:xfrm>
+            <a:off x="381000" y="4267200"/>
+            <a:ext cx="8064500" cy="2234458"/>
+          </a:xfrm>
+          <a:prstGeom prst="rect">
+            <a:avLst/>
+          </a:prstGeom>
+          <a:solidFill>
+            <a:schemeClr val="bg1">
+              <a:alpha val="39999"/>
+            </a:schemeClr>
+          </a:solidFill>
+          <a:ln w="3175" algn="ctr">
+            <a:solidFill>
+              <a:schemeClr val="hlink"/>
+            </a:solidFill>
+            <a:miter lim="800000"/>
+            <a:headEnd/>
+            <a:tailEnd/>
+          </a:ln>
+          <a:effectLst/>
+        </p:spPr>
+        <p:txBody>
+          <a:bodyPr lIns="144000" tIns="91440" rIns="144000" bIns="109728">
+            <a:spAutoFit/>
+          </a:bodyPr>
+          <a:lstStyle/>
+          <a:p>
+            <a:pPr marL="358775" lvl="2" eaLnBrk="1" hangingPunct="1">
+              <a:spcBef>
+                <a:spcPct val="40000"/>
+              </a:spcBef>
+              <a:buClr>
+                <a:schemeClr val="tx1"/>
+              </a:buClr>
+            </a:pPr>
+            <a:r>
+              <a:rPr lang="en-US" sz="2000" b="1" dirty="0" smtClean="0">
+                <a:solidFill>
+                  <a:schemeClr val="tx1">
+                    <a:lumMod val="20000"/>
+                    <a:lumOff val="80000"/>
+                  </a:schemeClr>
+                </a:solidFill>
+                <a:latin typeface="Courier New" pitchFamily="49" charset="0"/>
+                <a:cs typeface="Courier New" pitchFamily="49" charset="0"/>
+              </a:rPr>
+              <a:t>$(document).ready(function() { </a:t>
+            </a:r>
+          </a:p>
+          <a:p>
+            <a:pPr marL="358775" lvl="2">
+              <a:spcBef>
+                <a:spcPct val="40000"/>
+              </a:spcBef>
+              <a:buClr>
+                <a:schemeClr val="tx1"/>
+              </a:buClr>
+            </a:pPr>
+            <a:r>
+              <a:rPr lang="en-US" sz="2000" b="1" dirty="0" smtClean="0">
+                <a:solidFill>
+                  <a:schemeClr val="tx1">
+                    <a:lumMod val="20000"/>
+                    <a:lumOff val="80000"/>
+                  </a:schemeClr>
+                </a:solidFill>
+                <a:latin typeface="Courier New" pitchFamily="49" charset="0"/>
+                <a:cs typeface="Courier New" pitchFamily="49" charset="0"/>
+              </a:rPr>
+              <a:t>	$("a").click(function(){</a:t>
+            </a:r>
+          </a:p>
+          <a:p>
+            <a:pPr marL="358775" lvl="2">
+              <a:spcBef>
+                <a:spcPct val="40000"/>
+              </a:spcBef>
+              <a:buClr>
+                <a:schemeClr val="tx1"/>
+              </a:buClr>
+            </a:pPr>
+            <a:r>
+              <a:rPr lang="en-US" sz="2000" b="1" dirty="0" smtClean="0">
+                <a:solidFill>
+                  <a:schemeClr val="tx1">
+                    <a:lumMod val="20000"/>
+                    <a:lumOff val="80000"/>
+                  </a:schemeClr>
+                </a:solidFill>
+                <a:latin typeface="Courier New" pitchFamily="49" charset="0"/>
+                <a:cs typeface="Courier New" pitchFamily="49" charset="0"/>
+              </a:rPr>
+              <a:t>		alert("You've clicked on a link!");</a:t>
+            </a:r>
+          </a:p>
+          <a:p>
+            <a:pPr marL="358775" lvl="2">
+              <a:spcBef>
+                <a:spcPct val="40000"/>
+              </a:spcBef>
+              <a:buClr>
+                <a:schemeClr val="tx1"/>
+              </a:buClr>
+            </a:pPr>
+            <a:r>
+              <a:rPr lang="en-US" sz="2000" b="1" dirty="0" smtClean="0">
+                <a:solidFill>
+                  <a:schemeClr val="tx1">
+                    <a:lumMod val="20000"/>
+                    <a:lumOff val="80000"/>
+                  </a:schemeClr>
+                </a:solidFill>
+                <a:latin typeface="Courier New" pitchFamily="49" charset="0"/>
+                <a:cs typeface="Courier New" pitchFamily="49" charset="0"/>
+              </a:rPr>
+              <a:t>	});</a:t>
+            </a:r>
+          </a:p>
+          <a:p>
+            <a:pPr marL="358775" lvl="2" eaLnBrk="1" hangingPunct="1">
+              <a:spcBef>
+                <a:spcPct val="40000"/>
+              </a:spcBef>
+              <a:buClr>
+                <a:schemeClr val="tx1"/>
+              </a:buClr>
+            </a:pPr>
+            <a:r>
+              <a:rPr lang="en-US" sz="2000" b="1" dirty="0" smtClean="0">
+                <a:solidFill>
+                  <a:schemeClr val="tx1">
+                    <a:lumMod val="20000"/>
+                    <a:lumOff val="80000"/>
+                  </a:schemeClr>
+                </a:solidFill>
+                <a:latin typeface="Courier New" pitchFamily="49" charset="0"/>
+                <a:cs typeface="Courier New" pitchFamily="49" charset="0"/>
+              </a:rPr>
+              <a:t>}); </a:t>
+            </a:r>
+            <a:endParaRPr lang="en-US" sz="2000" b="1" noProof="1">
+              <a:solidFill>
+                <a:schemeClr val="tx1">
+                  <a:lumMod val="20000"/>
+                  <a:lumOff val="80000"/>
+                </a:schemeClr>
+              </a:solidFill>
+              <a:latin typeface="Courier New" pitchFamily="49" charset="0"/>
+              <a:ea typeface="Times New Roman" pitchFamily="18" charset="0"/>
+              <a:cs typeface="Courier New" pitchFamily="49" charset="0"/>
+            </a:endParaRPr>
+          </a:p>
+        </p:txBody>
+      </p:sp>
+    </p:spTree>
+  </p:cSld>
+  <p:clrMapOvr>
+    <a:masterClrMapping/>
+  </p:clrMapOvr>
+</p:sld>
+</file>
+
+<file path=ppt/slides/slide27.xml><?xml version="1.0" encoding="utf-8"?>
+<p:sld xmlns:a="http://schemas.openxmlformats.org/drawingml/2006/main" xmlns:r="http://schemas.openxmlformats.org/officeDocument/2006/relationships" xmlns:p="http://schemas.openxmlformats.org/presentationml/2006/main">
+  <p:cSld>
+    <p:spTree>
+      <p:nvGrpSpPr>
+        <p:cNvPr id="1" name=""/>
+        <p:cNvGrpSpPr/>
+        <p:nvPr/>
+      </p:nvGrpSpPr>
+      <p:grpSpPr>
+        <a:xfrm>
+          <a:off x="0" y="0"/>
+          <a:ext cx="0" cy="0"/>
+          <a:chOff x="0" y="0"/>
+          <a:chExt cx="0" cy="0"/>
+        </a:xfrm>
+      </p:grpSpPr>
+      <p:sp>
+        <p:nvSpPr>
+          <p:cNvPr id="2" name="Title 1"/>
+          <p:cNvSpPr>
+            <a:spLocks noGrp="1"/>
+          </p:cNvSpPr>
+          <p:nvPr>
+            <p:ph type="title"/>
+          </p:nvPr>
+        </p:nvSpPr>
+        <p:spPr/>
+        <p:txBody>
+          <a:bodyPr/>
+          <a:lstStyle/>
+          <a:p>
+            <a:r>
+              <a:rPr lang="en-US" dirty="0" smtClean="0"/>
+              <a:t>Animation</a:t>
+            </a:r>
+            <a:endParaRPr lang="en-US" dirty="0"/>
+          </a:p>
+        </p:txBody>
+      </p:sp>
+      <p:sp>
+        <p:nvSpPr>
+          <p:cNvPr id="3" name="Content Placeholder 2"/>
+          <p:cNvSpPr>
+            <a:spLocks noGrp="1"/>
+          </p:cNvSpPr>
+          <p:nvPr>
+            <p:ph idx="1"/>
+          </p:nvPr>
+        </p:nvSpPr>
+        <p:spPr/>
+        <p:txBody>
+          <a:bodyPr/>
+          <a:lstStyle/>
+          <a:p>
+            <a:r>
+              <a:rPr lang="en-US" dirty="0" smtClean="0"/>
+              <a:t>.animate()</a:t>
+            </a:r>
+          </a:p>
+          <a:p>
+            <a:r>
+              <a:rPr lang="en-US" dirty="0" smtClean="0"/>
+              <a:t>.</a:t>
+            </a:r>
+            <a:r>
+              <a:rPr lang="en-US" dirty="0" err="1" smtClean="0"/>
+              <a:t>fadeIn</a:t>
+            </a:r>
+            <a:r>
+              <a:rPr lang="en-US" dirty="0" smtClean="0"/>
+              <a:t>(), </a:t>
+            </a:r>
+            <a:r>
+              <a:rPr lang="en-US" dirty="0" err="1" smtClean="0"/>
+              <a:t>fadeOut</a:t>
+            </a:r>
+            <a:r>
+              <a:rPr lang="en-US" dirty="0" smtClean="0"/>
+              <a:t>()</a:t>
+            </a:r>
+          </a:p>
+          <a:p>
+            <a:r>
+              <a:rPr lang="en-US" dirty="0" smtClean="0"/>
+              <a:t>.hide(), .show()</a:t>
+            </a:r>
+          </a:p>
+          <a:p>
+            <a:r>
+              <a:rPr lang="en-US" dirty="0" smtClean="0"/>
+              <a:t>.</a:t>
+            </a:r>
+            <a:r>
+              <a:rPr lang="en-US" dirty="0" err="1" smtClean="0"/>
+              <a:t>slideUp</a:t>
+            </a:r>
+            <a:r>
+              <a:rPr lang="en-US" dirty="0" smtClean="0"/>
+              <a:t>(), </a:t>
+            </a:r>
+            <a:r>
+              <a:rPr lang="en-US" dirty="0" err="1" smtClean="0"/>
+              <a:t>slideDown</a:t>
+            </a:r>
+            <a:r>
+              <a:rPr lang="en-US" dirty="0" smtClean="0"/>
+              <a:t>()</a:t>
+            </a:r>
+          </a:p>
+          <a:p>
+            <a:r>
+              <a:rPr lang="en-US" dirty="0" smtClean="0"/>
+              <a:t>.toggle()</a:t>
+            </a:r>
+            <a:endParaRPr lang="en-US" dirty="0"/>
+          </a:p>
+        </p:txBody>
+      </p:sp>
+      <p:sp>
+        <p:nvSpPr>
+          <p:cNvPr id="4" name="Slide Number Placeholder 3"/>
+          <p:cNvSpPr>
+            <a:spLocks noGrp="1"/>
+          </p:cNvSpPr>
+          <p:nvPr>
+            <p:ph type="sldNum" sz="quarter" idx="10"/>
+          </p:nvPr>
+        </p:nvSpPr>
+        <p:spPr/>
+        <p:txBody>
+          <a:bodyPr/>
+          <a:lstStyle/>
+          <a:p>
+            <a:pPr>
+              <a:defRPr/>
+            </a:pPr>
+            <a:fld id="{58452FF4-89E3-4D1B-9927-2DBDC00E58D7}" type="slidenum">
+              <a:rPr lang="en-US" smtClean="0"/>
+              <a:pPr>
+                <a:defRPr/>
+              </a:pPr>
+              <a:t>27</a:t>
+            </a:fld>
+            <a:endParaRPr lang="en-US" dirty="0"/>
+          </a:p>
+        </p:txBody>
+      </p:sp>
+      <p:sp>
+        <p:nvSpPr>
+          <p:cNvPr id="5" name="Rectangle 4"/>
+          <p:cNvSpPr>
+            <a:spLocks noChangeArrowheads="1"/>
+          </p:cNvSpPr>
+          <p:nvPr/>
+        </p:nvSpPr>
+        <p:spPr bwMode="auto">
+          <a:xfrm>
+            <a:off x="381000" y="4267200"/>
+            <a:ext cx="8064500" cy="2234458"/>
+          </a:xfrm>
+          <a:prstGeom prst="rect">
+            <a:avLst/>
+          </a:prstGeom>
+          <a:solidFill>
+            <a:schemeClr val="bg1">
+              <a:alpha val="39999"/>
+            </a:schemeClr>
+          </a:solidFill>
+          <a:ln w="3175" algn="ctr">
+            <a:solidFill>
+              <a:schemeClr val="hlink"/>
+            </a:solidFill>
+            <a:miter lim="800000"/>
+            <a:headEnd/>
+            <a:tailEnd/>
+          </a:ln>
+          <a:effectLst/>
+        </p:spPr>
+        <p:txBody>
+          <a:bodyPr lIns="144000" tIns="91440" rIns="144000" bIns="109728">
+            <a:spAutoFit/>
+          </a:bodyPr>
+          <a:lstStyle/>
+          <a:p>
+            <a:pPr marL="358775" lvl="2" eaLnBrk="1" hangingPunct="1">
+              <a:spcBef>
+                <a:spcPct val="40000"/>
+              </a:spcBef>
+              <a:buClr>
+                <a:schemeClr val="tx1"/>
+              </a:buClr>
+            </a:pPr>
+            <a:r>
+              <a:rPr lang="en-US" sz="2000" b="1" dirty="0" smtClean="0">
+                <a:solidFill>
+                  <a:schemeClr val="tx1">
+                    <a:lumMod val="20000"/>
+                    <a:lumOff val="80000"/>
+                  </a:schemeClr>
+                </a:solidFill>
+                <a:latin typeface="Courier New" pitchFamily="49" charset="0"/>
+                <a:cs typeface="Courier New" pitchFamily="49" charset="0"/>
+              </a:rPr>
+              <a:t>$(document).ready(function() { </a:t>
+            </a:r>
+          </a:p>
+          <a:p>
+            <a:pPr marL="358775" lvl="2">
+              <a:spcBef>
+                <a:spcPct val="40000"/>
+              </a:spcBef>
+              <a:buClr>
+                <a:schemeClr val="tx1"/>
+              </a:buClr>
+            </a:pPr>
+            <a:r>
+              <a:rPr lang="en-US" sz="2000" b="1" dirty="0" smtClean="0">
+                <a:solidFill>
+                  <a:schemeClr val="tx1">
+                    <a:lumMod val="20000"/>
+                    <a:lumOff val="80000"/>
+                  </a:schemeClr>
+                </a:solidFill>
+                <a:latin typeface="Courier New" pitchFamily="49" charset="0"/>
+                <a:cs typeface="Courier New" pitchFamily="49" charset="0"/>
+              </a:rPr>
+              <a:t>	$("#</a:t>
+            </a:r>
+            <a:r>
+              <a:rPr lang="en-US" sz="2000" b="1" dirty="0" err="1" smtClean="0">
+                <a:solidFill>
+                  <a:schemeClr val="tx1">
+                    <a:lumMod val="20000"/>
+                    <a:lumOff val="80000"/>
+                  </a:schemeClr>
+                </a:solidFill>
+                <a:latin typeface="Courier New" pitchFamily="49" charset="0"/>
+                <a:cs typeface="Courier New" pitchFamily="49" charset="0"/>
+              </a:rPr>
+              <a:t>hideAllAnchorsButton</a:t>
+            </a:r>
+            <a:r>
+              <a:rPr lang="en-US" sz="2000" b="1" dirty="0" smtClean="0">
+                <a:solidFill>
+                  <a:schemeClr val="tx1">
+                    <a:lumMod val="20000"/>
+                    <a:lumOff val="80000"/>
+                  </a:schemeClr>
+                </a:solidFill>
+                <a:latin typeface="Courier New" pitchFamily="49" charset="0"/>
+                <a:cs typeface="Courier New" pitchFamily="49" charset="0"/>
+              </a:rPr>
+              <a:t>").click(function(){</a:t>
+            </a:r>
+          </a:p>
+          <a:p>
+            <a:pPr marL="358775" lvl="2">
+              <a:spcBef>
+                <a:spcPct val="40000"/>
+              </a:spcBef>
+              <a:buClr>
+                <a:schemeClr val="tx1"/>
+              </a:buClr>
+            </a:pPr>
+            <a:r>
+              <a:rPr lang="en-US" sz="2000" b="1" dirty="0" smtClean="0">
+                <a:solidFill>
+                  <a:schemeClr val="tx1">
+                    <a:lumMod val="20000"/>
+                    <a:lumOff val="80000"/>
+                  </a:schemeClr>
+                </a:solidFill>
+                <a:latin typeface="Courier New" pitchFamily="49" charset="0"/>
+                <a:cs typeface="Courier New" pitchFamily="49" charset="0"/>
+              </a:rPr>
+              <a:t>		 $("a").hide();</a:t>
+            </a:r>
+          </a:p>
+          <a:p>
+            <a:pPr marL="358775" lvl="2">
+              <a:spcBef>
+                <a:spcPct val="40000"/>
+              </a:spcBef>
+              <a:buClr>
+                <a:schemeClr val="tx1"/>
+              </a:buClr>
+            </a:pPr>
+            <a:r>
+              <a:rPr lang="en-US" sz="2000" b="1" dirty="0" smtClean="0">
+                <a:solidFill>
+                  <a:schemeClr val="tx1">
+                    <a:lumMod val="20000"/>
+                    <a:lumOff val="80000"/>
+                  </a:schemeClr>
+                </a:solidFill>
+                <a:latin typeface="Courier New" pitchFamily="49" charset="0"/>
+                <a:cs typeface="Courier New" pitchFamily="49" charset="0"/>
+              </a:rPr>
+              <a:t>	});</a:t>
+            </a:r>
+          </a:p>
+          <a:p>
+            <a:pPr marL="358775" lvl="2" eaLnBrk="1" hangingPunct="1">
+              <a:spcBef>
+                <a:spcPct val="40000"/>
+              </a:spcBef>
+              <a:buClr>
+                <a:schemeClr val="tx1"/>
+              </a:buClr>
+            </a:pPr>
+            <a:r>
+              <a:rPr lang="en-US" sz="2000" b="1" dirty="0" smtClean="0">
+                <a:solidFill>
+                  <a:schemeClr val="tx1">
+                    <a:lumMod val="20000"/>
+                    <a:lumOff val="80000"/>
+                  </a:schemeClr>
+                </a:solidFill>
+                <a:latin typeface="Courier New" pitchFamily="49" charset="0"/>
+                <a:cs typeface="Courier New" pitchFamily="49" charset="0"/>
+              </a:rPr>
+              <a:t>}); </a:t>
+            </a:r>
+            <a:endParaRPr lang="en-US" sz="2000" b="1" noProof="1">
+              <a:solidFill>
+                <a:schemeClr val="tx1">
+                  <a:lumMod val="20000"/>
+                  <a:lumOff val="80000"/>
+                </a:schemeClr>
+              </a:solidFill>
+              <a:latin typeface="Courier New" pitchFamily="49" charset="0"/>
+              <a:ea typeface="Times New Roman" pitchFamily="18" charset="0"/>
+              <a:cs typeface="Courier New" pitchFamily="49" charset="0"/>
+            </a:endParaRPr>
+          </a:p>
+        </p:txBody>
+      </p:sp>
+    </p:spTree>
+  </p:cSld>
+  <p:clrMapOvr>
+    <a:masterClrMapping/>
+  </p:clrMapOvr>
+</p:sld>
+</file>
+
+<file path=ppt/slides/slide28.xml><?xml version="1.0" encoding="utf-8"?>
+<p:sld xmlns:a="http://schemas.openxmlformats.org/drawingml/2006/main" xmlns:r="http://schemas.openxmlformats.org/officeDocument/2006/relationships" xmlns:p="http://schemas.openxmlformats.org/presentationml/2006/main">
+  <p:cSld>
+    <p:spTree>
+      <p:nvGrpSpPr>
+        <p:cNvPr id="1" name=""/>
+        <p:cNvGrpSpPr/>
+        <p:nvPr/>
+      </p:nvGrpSpPr>
+      <p:grpSpPr>
+        <a:xfrm>
+          <a:off x="0" y="0"/>
+          <a:ext cx="0" cy="0"/>
+          <a:chOff x="0" y="0"/>
+          <a:chExt cx="0" cy="0"/>
+        </a:xfrm>
+      </p:grpSpPr>
+      <p:sp>
+        <p:nvSpPr>
+          <p:cNvPr id="2" name="Title 1"/>
+          <p:cNvSpPr>
+            <a:spLocks noGrp="1"/>
+          </p:cNvSpPr>
+          <p:nvPr>
+            <p:ph type="title"/>
+          </p:nvPr>
+        </p:nvSpPr>
+        <p:spPr/>
+        <p:txBody>
+          <a:bodyPr/>
+          <a:lstStyle/>
+          <a:p>
+            <a:r>
+              <a:rPr lang="en-US" dirty="0" smtClean="0"/>
+              <a:t>AJAX</a:t>
+            </a:r>
+            <a:endParaRPr lang="en-US" dirty="0"/>
+          </a:p>
+        </p:txBody>
+      </p:sp>
+      <p:sp>
+        <p:nvSpPr>
+          <p:cNvPr id="3" name="Content Placeholder 2"/>
+          <p:cNvSpPr>
+            <a:spLocks noGrp="1"/>
+          </p:cNvSpPr>
+          <p:nvPr>
+            <p:ph idx="1"/>
+          </p:nvPr>
+        </p:nvSpPr>
+        <p:spPr/>
+        <p:txBody>
+          <a:bodyPr/>
+          <a:lstStyle/>
+          <a:p>
+            <a:r>
+              <a:rPr lang="en-US" dirty="0" smtClean="0"/>
+              <a:t>.</a:t>
+            </a:r>
+            <a:r>
+              <a:rPr lang="en-US" dirty="0" err="1" smtClean="0"/>
+              <a:t>ajax</a:t>
+            </a:r>
+            <a:r>
+              <a:rPr lang="en-US" dirty="0" smtClean="0"/>
+              <a:t>()</a:t>
+            </a:r>
+            <a:endParaRPr lang="en-US" dirty="0"/>
+          </a:p>
+        </p:txBody>
+      </p:sp>
+      <p:sp>
+        <p:nvSpPr>
+          <p:cNvPr id="4" name="Slide Number Placeholder 3"/>
+          <p:cNvSpPr>
+            <a:spLocks noGrp="1"/>
+          </p:cNvSpPr>
+          <p:nvPr>
+            <p:ph type="sldNum" sz="quarter" idx="10"/>
+          </p:nvPr>
+        </p:nvSpPr>
+        <p:spPr/>
+        <p:txBody>
+          <a:bodyPr/>
+          <a:lstStyle/>
+          <a:p>
+            <a:pPr>
+              <a:defRPr/>
+            </a:pPr>
+            <a:fld id="{58452FF4-89E3-4D1B-9927-2DBDC00E58D7}" type="slidenum">
+              <a:rPr lang="en-US" smtClean="0"/>
+              <a:pPr>
+                <a:defRPr/>
+              </a:pPr>
+              <a:t>28</a:t>
+            </a:fld>
+            <a:endParaRPr lang="en-US" dirty="0"/>
+          </a:p>
+        </p:txBody>
+      </p:sp>
+      <p:sp>
+        <p:nvSpPr>
+          <p:cNvPr id="5" name="Rectangle 4"/>
+          <p:cNvSpPr>
+            <a:spLocks noChangeArrowheads="1"/>
+          </p:cNvSpPr>
+          <p:nvPr/>
+        </p:nvSpPr>
+        <p:spPr bwMode="auto">
+          <a:xfrm>
+            <a:off x="381000" y="2689015"/>
+            <a:ext cx="8064500" cy="3711785"/>
+          </a:xfrm>
+          <a:prstGeom prst="rect">
+            <a:avLst/>
+          </a:prstGeom>
+          <a:solidFill>
+            <a:schemeClr val="bg1">
+              <a:alpha val="39999"/>
+            </a:schemeClr>
+          </a:solidFill>
+          <a:ln w="3175" algn="ctr">
+            <a:solidFill>
+              <a:schemeClr val="hlink"/>
+            </a:solidFill>
+            <a:miter lim="800000"/>
+            <a:headEnd/>
+            <a:tailEnd/>
+          </a:ln>
+          <a:effectLst/>
+        </p:spPr>
+        <p:txBody>
+          <a:bodyPr lIns="144000" tIns="91440" rIns="144000" bIns="109728">
+            <a:spAutoFit/>
+          </a:bodyPr>
+          <a:lstStyle/>
+          <a:p>
+            <a:pPr marL="358775" lvl="2" eaLnBrk="1" hangingPunct="1">
+              <a:spcBef>
+                <a:spcPct val="40000"/>
+              </a:spcBef>
+              <a:buClr>
+                <a:schemeClr val="tx1"/>
+              </a:buClr>
+            </a:pPr>
+            <a:r>
+              <a:rPr lang="en-US" sz="2000" b="1" dirty="0" smtClean="0">
+                <a:solidFill>
+                  <a:schemeClr val="tx1">
+                    <a:lumMod val="20000"/>
+                    <a:lumOff val="80000"/>
+                  </a:schemeClr>
+                </a:solidFill>
+                <a:latin typeface="Courier New" pitchFamily="49" charset="0"/>
+                <a:cs typeface="Courier New" pitchFamily="49" charset="0"/>
+              </a:rPr>
+              <a:t>$(document).ready(function() { </a:t>
+            </a:r>
+          </a:p>
+          <a:p>
+            <a:pPr marL="358775" lvl="2">
+              <a:spcBef>
+                <a:spcPct val="40000"/>
+              </a:spcBef>
+              <a:buClr>
+                <a:schemeClr val="tx1"/>
+              </a:buClr>
+            </a:pPr>
+            <a:r>
+              <a:rPr lang="en-US" sz="2000" b="1" dirty="0" smtClean="0">
+                <a:solidFill>
+                  <a:schemeClr val="tx1">
+                    <a:lumMod val="20000"/>
+                    <a:lumOff val="80000"/>
+                  </a:schemeClr>
+                </a:solidFill>
+                <a:latin typeface="Courier New" pitchFamily="49" charset="0"/>
+                <a:cs typeface="Courier New" pitchFamily="49" charset="0"/>
+              </a:rPr>
+              <a:t>	$("#</a:t>
+            </a:r>
+            <a:r>
+              <a:rPr lang="en-US" sz="2000" b="1" dirty="0" err="1" smtClean="0">
+                <a:solidFill>
+                  <a:schemeClr val="tx1">
+                    <a:lumMod val="20000"/>
+                    <a:lumOff val="80000"/>
+                  </a:schemeClr>
+                </a:solidFill>
+                <a:latin typeface="Courier New" pitchFamily="49" charset="0"/>
+                <a:cs typeface="Courier New" pitchFamily="49" charset="0"/>
+              </a:rPr>
+              <a:t>AjaxCall</a:t>
+            </a:r>
+            <a:r>
+              <a:rPr lang="en-US" sz="2000" b="1" dirty="0" smtClean="0">
+                <a:solidFill>
+                  <a:schemeClr val="tx1">
+                    <a:lumMod val="20000"/>
+                    <a:lumOff val="80000"/>
+                  </a:schemeClr>
+                </a:solidFill>
+                <a:latin typeface="Courier New" pitchFamily="49" charset="0"/>
+                <a:cs typeface="Courier New" pitchFamily="49" charset="0"/>
+              </a:rPr>
+              <a:t>").click(function(){</a:t>
+            </a:r>
+          </a:p>
+          <a:p>
+            <a:pPr marL="358775" lvl="2">
+              <a:spcBef>
+                <a:spcPct val="40000"/>
+              </a:spcBef>
+              <a:buClr>
+                <a:schemeClr val="tx1"/>
+              </a:buClr>
+            </a:pPr>
+            <a:r>
+              <a:rPr lang="en-US" sz="2000" b="1" dirty="0" smtClean="0">
+                <a:solidFill>
+                  <a:schemeClr val="tx1">
+                    <a:lumMod val="20000"/>
+                    <a:lumOff val="80000"/>
+                  </a:schemeClr>
+                </a:solidFill>
+                <a:latin typeface="Courier New" pitchFamily="49" charset="0"/>
+                <a:cs typeface="Courier New" pitchFamily="49" charset="0"/>
+              </a:rPr>
+              <a:t>		$.</a:t>
+            </a:r>
+            <a:r>
+              <a:rPr lang="en-US" sz="2000" b="1" dirty="0" err="1" smtClean="0">
+                <a:solidFill>
+                  <a:schemeClr val="tx1">
+                    <a:lumMod val="20000"/>
+                    <a:lumOff val="80000"/>
+                  </a:schemeClr>
+                </a:solidFill>
+                <a:latin typeface="Courier New" pitchFamily="49" charset="0"/>
+                <a:cs typeface="Courier New" pitchFamily="49" charset="0"/>
+              </a:rPr>
+              <a:t>ajax</a:t>
+            </a:r>
+            <a:r>
+              <a:rPr lang="en-US" sz="2000" b="1" dirty="0" smtClean="0">
+                <a:solidFill>
+                  <a:schemeClr val="tx1">
+                    <a:lumMod val="20000"/>
+                    <a:lumOff val="80000"/>
+                  </a:schemeClr>
+                </a:solidFill>
+                <a:latin typeface="Courier New" pitchFamily="49" charset="0"/>
+                <a:cs typeface="Courier New" pitchFamily="49" charset="0"/>
+              </a:rPr>
+              <a:t>({ </a:t>
+            </a:r>
+            <a:r>
+              <a:rPr lang="en-US" sz="2000" b="1" dirty="0" err="1" smtClean="0">
+                <a:solidFill>
+                  <a:schemeClr val="tx1">
+                    <a:lumMod val="20000"/>
+                    <a:lumOff val="80000"/>
+                  </a:schemeClr>
+                </a:solidFill>
+                <a:latin typeface="Courier New" pitchFamily="49" charset="0"/>
+                <a:cs typeface="Courier New" pitchFamily="49" charset="0"/>
+              </a:rPr>
+              <a:t>url</a:t>
+            </a:r>
+            <a:r>
+              <a:rPr lang="en-US" sz="2000" b="1" dirty="0" smtClean="0">
+                <a:solidFill>
+                  <a:schemeClr val="tx1">
+                    <a:lumMod val="20000"/>
+                    <a:lumOff val="80000"/>
+                  </a:schemeClr>
+                </a:solidFill>
+                <a:latin typeface="Courier New" pitchFamily="49" charset="0"/>
+                <a:cs typeface="Courier New" pitchFamily="49" charset="0"/>
+              </a:rPr>
+              <a:t>: "test.html", </a:t>
+            </a:r>
+          </a:p>
+          <a:p>
+            <a:pPr marL="358775" lvl="2">
+              <a:spcBef>
+                <a:spcPct val="40000"/>
+              </a:spcBef>
+              <a:buClr>
+                <a:schemeClr val="tx1"/>
+              </a:buClr>
+            </a:pPr>
+            <a:r>
+              <a:rPr lang="en-US" sz="2000" b="1" dirty="0" smtClean="0">
+                <a:solidFill>
+                  <a:schemeClr val="tx1">
+                    <a:lumMod val="20000"/>
+                    <a:lumOff val="80000"/>
+                  </a:schemeClr>
+                </a:solidFill>
+                <a:latin typeface="Courier New" pitchFamily="49" charset="0"/>
+                <a:cs typeface="Courier New" pitchFamily="49" charset="0"/>
+              </a:rPr>
+              <a:t>			   context: </a:t>
+            </a:r>
+            <a:r>
+              <a:rPr lang="en-US" sz="2000" b="1" dirty="0" err="1" smtClean="0">
+                <a:solidFill>
+                  <a:schemeClr val="tx1">
+                    <a:lumMod val="20000"/>
+                    <a:lumOff val="80000"/>
+                  </a:schemeClr>
+                </a:solidFill>
+                <a:latin typeface="Courier New" pitchFamily="49" charset="0"/>
+                <a:cs typeface="Courier New" pitchFamily="49" charset="0"/>
+              </a:rPr>
+              <a:t>document.body</a:t>
+            </a:r>
+            <a:r>
+              <a:rPr lang="en-US" sz="2000" b="1" dirty="0" smtClean="0">
+                <a:solidFill>
+                  <a:schemeClr val="tx1">
+                    <a:lumMod val="20000"/>
+                    <a:lumOff val="80000"/>
+                  </a:schemeClr>
+                </a:solidFill>
+                <a:latin typeface="Courier New" pitchFamily="49" charset="0"/>
+                <a:cs typeface="Courier New" pitchFamily="49" charset="0"/>
+              </a:rPr>
+              <a:t>, </a:t>
+            </a:r>
+          </a:p>
+          <a:p>
+            <a:pPr marL="358775" lvl="2">
+              <a:spcBef>
+                <a:spcPct val="40000"/>
+              </a:spcBef>
+              <a:buClr>
+                <a:schemeClr val="tx1"/>
+              </a:buClr>
+            </a:pPr>
+            <a:r>
+              <a:rPr lang="en-US" sz="2000" b="1" dirty="0" smtClean="0">
+                <a:solidFill>
+                  <a:schemeClr val="tx1">
+                    <a:lumMod val="20000"/>
+                    <a:lumOff val="80000"/>
+                  </a:schemeClr>
+                </a:solidFill>
+                <a:latin typeface="Courier New" pitchFamily="49" charset="0"/>
+                <a:cs typeface="Courier New" pitchFamily="49" charset="0"/>
+              </a:rPr>
+              <a:t>			   success: function(){     					$(this).</a:t>
+            </a:r>
+            <a:r>
+              <a:rPr lang="en-US" sz="2000" b="1" dirty="0" err="1" smtClean="0">
+                <a:solidFill>
+                  <a:schemeClr val="tx1">
+                    <a:lumMod val="20000"/>
+                    <a:lumOff val="80000"/>
+                  </a:schemeClr>
+                </a:solidFill>
+                <a:latin typeface="Courier New" pitchFamily="49" charset="0"/>
+                <a:cs typeface="Courier New" pitchFamily="49" charset="0"/>
+              </a:rPr>
+              <a:t>addClass</a:t>
+            </a:r>
+            <a:r>
+              <a:rPr lang="en-US" sz="2000" b="1" dirty="0" smtClean="0">
+                <a:solidFill>
+                  <a:schemeClr val="tx1">
+                    <a:lumMod val="20000"/>
+                    <a:lumOff val="80000"/>
+                  </a:schemeClr>
+                </a:solidFill>
+                <a:latin typeface="Courier New" pitchFamily="49" charset="0"/>
+                <a:cs typeface="Courier New" pitchFamily="49" charset="0"/>
+              </a:rPr>
+              <a:t>("done"); 			   }});</a:t>
+            </a:r>
+          </a:p>
+          <a:p>
+            <a:pPr marL="358775" lvl="2">
+              <a:spcBef>
+                <a:spcPct val="40000"/>
+              </a:spcBef>
+              <a:buClr>
+                <a:schemeClr val="tx1"/>
+              </a:buClr>
+            </a:pPr>
+            <a:r>
+              <a:rPr lang="en-US" sz="2000" b="1" dirty="0" smtClean="0">
+                <a:solidFill>
+                  <a:schemeClr val="tx1">
+                    <a:lumMod val="20000"/>
+                    <a:lumOff val="80000"/>
+                  </a:schemeClr>
+                </a:solidFill>
+                <a:latin typeface="Courier New" pitchFamily="49" charset="0"/>
+                <a:cs typeface="Courier New" pitchFamily="49" charset="0"/>
+              </a:rPr>
+              <a:t>	});</a:t>
+            </a:r>
+          </a:p>
+          <a:p>
+            <a:pPr marL="358775" lvl="2" eaLnBrk="1" hangingPunct="1">
+              <a:spcBef>
+                <a:spcPct val="40000"/>
+              </a:spcBef>
+              <a:buClr>
+                <a:schemeClr val="tx1"/>
+              </a:buClr>
+            </a:pPr>
+            <a:r>
+              <a:rPr lang="en-US" sz="2000" b="1" dirty="0" smtClean="0">
+                <a:solidFill>
+                  <a:schemeClr val="tx1">
+                    <a:lumMod val="20000"/>
+                    <a:lumOff val="80000"/>
+                  </a:schemeClr>
+                </a:solidFill>
+                <a:latin typeface="Courier New" pitchFamily="49" charset="0"/>
+                <a:cs typeface="Courier New" pitchFamily="49" charset="0"/>
+              </a:rPr>
+              <a:t>}); </a:t>
+            </a:r>
+            <a:endParaRPr lang="en-US" sz="2000" b="1" noProof="1">
+              <a:solidFill>
+                <a:schemeClr val="tx1">
+                  <a:lumMod val="20000"/>
+                  <a:lumOff val="80000"/>
+                </a:schemeClr>
+              </a:solidFill>
+              <a:latin typeface="Courier New" pitchFamily="49" charset="0"/>
+              <a:ea typeface="Times New Roman" pitchFamily="18" charset="0"/>
+              <a:cs typeface="Courier New" pitchFamily="49" charset="0"/>
+            </a:endParaRPr>
+          </a:p>
+        </p:txBody>
+      </p:sp>
+    </p:spTree>
+  </p:cSld>
+  <p:clrMapOvr>
+    <a:masterClrMapping/>
+  </p:clrMapOvr>
+</p:sld>
+</file>
+
+<file path=ppt/slides/slide29.xml><?xml version="1.0" encoding="utf-8"?>
+<p:sld xmlns:a="http://schemas.openxmlformats.org/drawingml/2006/main" xmlns:r="http://schemas.openxmlformats.org/officeDocument/2006/relationships" xmlns:p="http://schemas.openxmlformats.org/presentationml/2006/main">
+  <p:cSld>
+    <p:spTree>
+      <p:nvGrpSpPr>
+        <p:cNvPr id="1" name=""/>
+        <p:cNvGrpSpPr/>
+        <p:nvPr/>
+      </p:nvGrpSpPr>
+      <p:grpSpPr>
+        <a:xfrm>
+          <a:off x="0" y="0"/>
+          <a:ext cx="0" cy="0"/>
+          <a:chOff x="0" y="0"/>
+          <a:chExt cx="0" cy="0"/>
+        </a:xfrm>
+      </p:grpSpPr>
+      <p:sp>
+        <p:nvSpPr>
+          <p:cNvPr id="2" name="Title 1"/>
+          <p:cNvSpPr>
+            <a:spLocks noGrp="1"/>
+          </p:cNvSpPr>
+          <p:nvPr>
+            <p:ph type="title"/>
+          </p:nvPr>
+        </p:nvSpPr>
+        <p:spPr/>
+        <p:txBody>
+          <a:bodyPr/>
+          <a:lstStyle/>
+          <a:p>
+            <a:r>
+              <a:rPr lang="en-US" dirty="0" smtClean="0"/>
+              <a:t>AJAX</a:t>
+            </a:r>
+            <a:endParaRPr lang="en-US" dirty="0"/>
+          </a:p>
+        </p:txBody>
+      </p:sp>
+      <p:sp>
+        <p:nvSpPr>
+          <p:cNvPr id="3" name="Content Placeholder 2"/>
+          <p:cNvSpPr>
+            <a:spLocks noGrp="1"/>
+          </p:cNvSpPr>
+          <p:nvPr>
+            <p:ph idx="1"/>
+          </p:nvPr>
+        </p:nvSpPr>
+        <p:spPr/>
+        <p:txBody>
+          <a:bodyPr/>
+          <a:lstStyle/>
+          <a:p>
+            <a:r>
+              <a:rPr lang="en-US" dirty="0" smtClean="0"/>
+              <a:t>.get(), .</a:t>
+            </a:r>
+            <a:r>
+              <a:rPr lang="en-US" dirty="0" err="1" smtClean="0"/>
+              <a:t>getScript</a:t>
+            </a:r>
+            <a:r>
+              <a:rPr lang="en-US" dirty="0" smtClean="0"/>
+              <a:t>(), .</a:t>
+            </a:r>
+            <a:r>
+              <a:rPr lang="en-US" dirty="0" err="1" smtClean="0"/>
+              <a:t>getJSON</a:t>
+            </a:r>
+            <a:r>
+              <a:rPr lang="en-US" dirty="0" smtClean="0"/>
+              <a:t>()</a:t>
+            </a:r>
+          </a:p>
+          <a:p>
+            <a:r>
+              <a:rPr lang="en-US" dirty="0" smtClean="0"/>
+              <a:t>.post()</a:t>
+            </a:r>
+          </a:p>
+          <a:p>
+            <a:r>
+              <a:rPr lang="en-US" dirty="0" smtClean="0"/>
+              <a:t>.load()</a:t>
+            </a:r>
+            <a:endParaRPr lang="en-US" dirty="0"/>
+          </a:p>
+        </p:txBody>
+      </p:sp>
+      <p:sp>
+        <p:nvSpPr>
+          <p:cNvPr id="4" name="Slide Number Placeholder 3"/>
+          <p:cNvSpPr>
+            <a:spLocks noGrp="1"/>
+          </p:cNvSpPr>
+          <p:nvPr>
+            <p:ph type="sldNum" sz="quarter" idx="10"/>
+          </p:nvPr>
+        </p:nvSpPr>
+        <p:spPr/>
+        <p:txBody>
+          <a:bodyPr/>
+          <a:lstStyle/>
+          <a:p>
+            <a:pPr>
+              <a:defRPr/>
+            </a:pPr>
+            <a:fld id="{58452FF4-89E3-4D1B-9927-2DBDC00E58D7}" type="slidenum">
+              <a:rPr lang="en-US" smtClean="0"/>
+              <a:pPr>
+                <a:defRPr/>
+              </a:pPr>
+              <a:t>29</a:t>
+            </a:fld>
+            <a:endParaRPr lang="en-US" dirty="0"/>
+          </a:p>
+        </p:txBody>
+      </p:sp>
+      <p:sp>
+        <p:nvSpPr>
+          <p:cNvPr id="5" name="Rectangle 4"/>
+          <p:cNvSpPr>
+            <a:spLocks noChangeArrowheads="1"/>
+          </p:cNvSpPr>
+          <p:nvPr/>
+        </p:nvSpPr>
+        <p:spPr bwMode="auto">
+          <a:xfrm>
+            <a:off x="381000" y="2917615"/>
+            <a:ext cx="8064500" cy="3711785"/>
+          </a:xfrm>
+          <a:prstGeom prst="rect">
+            <a:avLst/>
+          </a:prstGeom>
+          <a:solidFill>
+            <a:schemeClr val="bg1">
+              <a:alpha val="39999"/>
+            </a:schemeClr>
+          </a:solidFill>
+          <a:ln w="3175" algn="ctr">
+            <a:solidFill>
+              <a:schemeClr val="hlink"/>
+            </a:solidFill>
+            <a:miter lim="800000"/>
+            <a:headEnd/>
+            <a:tailEnd/>
+          </a:ln>
+          <a:effectLst/>
+        </p:spPr>
+        <p:txBody>
+          <a:bodyPr lIns="144000" tIns="91440" rIns="144000" bIns="109728">
+            <a:spAutoFit/>
+          </a:bodyPr>
+          <a:lstStyle/>
+          <a:p>
+            <a:pPr marL="358775" lvl="2" eaLnBrk="1" hangingPunct="1">
+              <a:spcBef>
+                <a:spcPct val="40000"/>
+              </a:spcBef>
+              <a:buClr>
+                <a:schemeClr val="tx1"/>
+              </a:buClr>
+            </a:pPr>
+            <a:r>
+              <a:rPr lang="en-US" sz="2000" b="1" dirty="0" smtClean="0">
+                <a:solidFill>
+                  <a:schemeClr val="tx1">
+                    <a:lumMod val="20000"/>
+                    <a:lumOff val="80000"/>
+                  </a:schemeClr>
+                </a:solidFill>
+                <a:latin typeface="Courier New" pitchFamily="49" charset="0"/>
+                <a:cs typeface="Courier New" pitchFamily="49" charset="0"/>
+              </a:rPr>
+              <a:t>$(document).ready(function() { </a:t>
+            </a:r>
+          </a:p>
+          <a:p>
+            <a:pPr marL="358775" lvl="2">
+              <a:spcBef>
+                <a:spcPct val="40000"/>
+              </a:spcBef>
+              <a:buClr>
+                <a:schemeClr val="tx1"/>
+              </a:buClr>
+            </a:pPr>
+            <a:r>
+              <a:rPr lang="en-US" sz="2000" b="1" dirty="0" smtClean="0">
+                <a:solidFill>
+                  <a:schemeClr val="tx1">
+                    <a:lumMod val="20000"/>
+                    <a:lumOff val="80000"/>
+                  </a:schemeClr>
+                </a:solidFill>
+                <a:latin typeface="Courier New" pitchFamily="49" charset="0"/>
+                <a:cs typeface="Courier New" pitchFamily="49" charset="0"/>
+              </a:rPr>
+              <a:t>	$("#</a:t>
+            </a:r>
+            <a:r>
+              <a:rPr lang="en-US" sz="2000" b="1" dirty="0" err="1" smtClean="0">
+                <a:solidFill>
+                  <a:schemeClr val="tx1">
+                    <a:lumMod val="20000"/>
+                    <a:lumOff val="80000"/>
+                  </a:schemeClr>
+                </a:solidFill>
+                <a:latin typeface="Courier New" pitchFamily="49" charset="0"/>
+                <a:cs typeface="Courier New" pitchFamily="49" charset="0"/>
+              </a:rPr>
+              <a:t>AjaxCall</a:t>
+            </a:r>
+            <a:r>
+              <a:rPr lang="en-US" sz="2000" b="1" dirty="0" smtClean="0">
+                <a:solidFill>
+                  <a:schemeClr val="tx1">
+                    <a:lumMod val="20000"/>
+                    <a:lumOff val="80000"/>
+                  </a:schemeClr>
+                </a:solidFill>
+                <a:latin typeface="Courier New" pitchFamily="49" charset="0"/>
+                <a:cs typeface="Courier New" pitchFamily="49" charset="0"/>
+              </a:rPr>
+              <a:t>").click(function(){</a:t>
+            </a:r>
+          </a:p>
+          <a:p>
+            <a:pPr marL="358775" lvl="2">
+              <a:spcBef>
+                <a:spcPct val="40000"/>
+              </a:spcBef>
+              <a:buClr>
+                <a:schemeClr val="tx1"/>
+              </a:buClr>
+            </a:pPr>
+            <a:r>
+              <a:rPr lang="en-US" sz="2000" b="1" dirty="0" smtClean="0">
+                <a:solidFill>
+                  <a:schemeClr val="tx1">
+                    <a:lumMod val="20000"/>
+                    <a:lumOff val="80000"/>
+                  </a:schemeClr>
+                </a:solidFill>
+                <a:latin typeface="Courier New" pitchFamily="49" charset="0"/>
+                <a:cs typeface="Courier New" pitchFamily="49" charset="0"/>
+              </a:rPr>
+              <a:t>		$.get('</a:t>
+            </a:r>
+            <a:r>
+              <a:rPr lang="en-US" sz="2000" b="1" dirty="0" err="1" smtClean="0">
+                <a:solidFill>
+                  <a:schemeClr val="tx1">
+                    <a:lumMod val="20000"/>
+                    <a:lumOff val="80000"/>
+                  </a:schemeClr>
+                </a:solidFill>
+                <a:latin typeface="Courier New" pitchFamily="49" charset="0"/>
+                <a:cs typeface="Courier New" pitchFamily="49" charset="0"/>
+              </a:rPr>
+              <a:t>ajax</a:t>
+            </a:r>
+            <a:r>
+              <a:rPr lang="en-US" sz="2000" b="1" dirty="0" smtClean="0">
+                <a:solidFill>
+                  <a:schemeClr val="tx1">
+                    <a:lumMod val="20000"/>
+                    <a:lumOff val="80000"/>
+                  </a:schemeClr>
+                </a:solidFill>
+                <a:latin typeface="Courier New" pitchFamily="49" charset="0"/>
+                <a:cs typeface="Courier New" pitchFamily="49" charset="0"/>
+              </a:rPr>
+              <a:t>/test.html', </a:t>
+            </a:r>
+          </a:p>
+          <a:p>
+            <a:pPr marL="358775" lvl="2">
+              <a:spcBef>
+                <a:spcPct val="40000"/>
+              </a:spcBef>
+              <a:buClr>
+                <a:schemeClr val="tx1"/>
+              </a:buClr>
+            </a:pPr>
+            <a:r>
+              <a:rPr lang="en-US" sz="2000" b="1" dirty="0" smtClean="0">
+                <a:solidFill>
+                  <a:schemeClr val="tx1">
+                    <a:lumMod val="20000"/>
+                    <a:lumOff val="80000"/>
+                  </a:schemeClr>
+                </a:solidFill>
+                <a:latin typeface="Courier New" pitchFamily="49" charset="0"/>
+                <a:cs typeface="Courier New" pitchFamily="49" charset="0"/>
+              </a:rPr>
+              <a:t>			{ name: "John", time: "2pm" }</a:t>
+            </a:r>
+          </a:p>
+          <a:p>
+            <a:pPr marL="358775" lvl="2">
+              <a:spcBef>
+                <a:spcPct val="40000"/>
+              </a:spcBef>
+              <a:buClr>
+                <a:schemeClr val="tx1"/>
+              </a:buClr>
+            </a:pPr>
+            <a:r>
+              <a:rPr lang="en-US" sz="2000" b="1" dirty="0" smtClean="0">
+                <a:solidFill>
+                  <a:schemeClr val="tx1">
+                    <a:lumMod val="20000"/>
+                    <a:lumOff val="80000"/>
+                  </a:schemeClr>
+                </a:solidFill>
+                <a:latin typeface="Courier New" pitchFamily="49" charset="0"/>
+                <a:cs typeface="Courier New" pitchFamily="49" charset="0"/>
+              </a:rPr>
+              <a:t>			function(data){ 							$('.result').html(data); 				alert('AJAX!!'}); </a:t>
+            </a:r>
+          </a:p>
+          <a:p>
+            <a:pPr marL="358775" lvl="2">
+              <a:spcBef>
+                <a:spcPct val="40000"/>
+              </a:spcBef>
+              <a:buClr>
+                <a:schemeClr val="tx1"/>
+              </a:buClr>
+            </a:pPr>
+            <a:r>
+              <a:rPr lang="en-US" sz="2000" b="1" dirty="0" smtClean="0">
+                <a:solidFill>
+                  <a:schemeClr val="tx1">
+                    <a:lumMod val="20000"/>
+                    <a:lumOff val="80000"/>
+                  </a:schemeClr>
+                </a:solidFill>
+                <a:latin typeface="Courier New" pitchFamily="49" charset="0"/>
+                <a:cs typeface="Courier New" pitchFamily="49" charset="0"/>
+              </a:rPr>
+              <a:t>			});	</a:t>
+            </a:r>
+          </a:p>
+          <a:p>
+            <a:pPr marL="358775" lvl="2">
+              <a:spcBef>
+                <a:spcPct val="40000"/>
+              </a:spcBef>
+              <a:buClr>
+                <a:schemeClr val="tx1"/>
+              </a:buClr>
+            </a:pPr>
+            <a:r>
+              <a:rPr lang="en-US" sz="2000" b="1" dirty="0" smtClean="0">
+                <a:solidFill>
+                  <a:schemeClr val="tx1">
+                    <a:lumMod val="20000"/>
+                    <a:lumOff val="80000"/>
+                  </a:schemeClr>
+                </a:solidFill>
+                <a:latin typeface="Courier New" pitchFamily="49" charset="0"/>
+                <a:cs typeface="Courier New" pitchFamily="49" charset="0"/>
+              </a:rPr>
+              <a:t>	});}); </a:t>
+            </a:r>
+            <a:endParaRPr lang="en-US" sz="2000" b="1" noProof="1">
+              <a:solidFill>
+                <a:schemeClr val="tx1">
+                  <a:lumMod val="20000"/>
+                  <a:lumOff val="80000"/>
+                </a:schemeClr>
+              </a:solidFill>
+              <a:latin typeface="Courier New" pitchFamily="49" charset="0"/>
+              <a:ea typeface="Times New Roman" pitchFamily="18" charset="0"/>
+              <a:cs typeface="Courier New" pitchFamily="49" charset="0"/>
+            </a:endParaRPr>
           </a:p>
         </p:txBody>
       </p:sp>
@@ -3914,6 +11420,459 @@
       </p:grpSpPr>
       <p:sp>
         <p:nvSpPr>
+          <p:cNvPr id="467970" name="Rectangle 2"/>
+          <p:cNvSpPr>
+            <a:spLocks noGrp="1" noChangeArrowheads="1"/>
+          </p:cNvSpPr>
+          <p:nvPr>
+            <p:ph type="ctrTitle"/>
+          </p:nvPr>
+        </p:nvSpPr>
+        <p:spPr>
+          <a:xfrm>
+            <a:off x="1187450" y="2636838"/>
+            <a:ext cx="6480175" cy="1473200"/>
+          </a:xfrm>
+        </p:spPr>
+        <p:txBody>
+          <a:bodyPr/>
+          <a:lstStyle/>
+          <a:p>
+            <a:pPr lvl="0"/>
+            <a:r>
+              <a:rPr lang="en-US" noProof="1" smtClean="0"/>
+              <a:t>AJAX basics</a:t>
+            </a:r>
+          </a:p>
+        </p:txBody>
+      </p:sp>
+    </p:spTree>
+  </p:cSld>
+  <p:clrMapOvr>
+    <a:masterClrMapping/>
+  </p:clrMapOvr>
+  <p:transition/>
+  <p:timing>
+    <p:tnLst>
+      <p:par>
+        <p:cTn id="1" dur="indefinite" restart="never" nodeType="tmRoot"/>
+      </p:par>
+    </p:tnLst>
+  </p:timing>
+</p:sld>
+</file>
+
+<file path=ppt/slides/slide30.xml><?xml version="1.0" encoding="utf-8"?>
+<p:sld xmlns:a="http://schemas.openxmlformats.org/drawingml/2006/main" xmlns:r="http://schemas.openxmlformats.org/officeDocument/2006/relationships" xmlns:p="http://schemas.openxmlformats.org/presentationml/2006/main">
+  <p:cSld>
+    <p:spTree>
+      <p:nvGrpSpPr>
+        <p:cNvPr id="1" name=""/>
+        <p:cNvGrpSpPr/>
+        <p:nvPr/>
+      </p:nvGrpSpPr>
+      <p:grpSpPr>
+        <a:xfrm>
+          <a:off x="0" y="0"/>
+          <a:ext cx="0" cy="0"/>
+          <a:chOff x="0" y="0"/>
+          <a:chExt cx="0" cy="0"/>
+        </a:xfrm>
+      </p:grpSpPr>
+      <p:sp>
+        <p:nvSpPr>
+          <p:cNvPr id="2" name="Title 1"/>
+          <p:cNvSpPr>
+            <a:spLocks noGrp="1"/>
+          </p:cNvSpPr>
+          <p:nvPr>
+            <p:ph type="title"/>
+          </p:nvPr>
+        </p:nvSpPr>
+        <p:spPr/>
+        <p:txBody>
+          <a:bodyPr/>
+          <a:lstStyle/>
+          <a:p>
+            <a:r>
+              <a:rPr lang="en-US" dirty="0" smtClean="0"/>
+              <a:t>Best practices</a:t>
+            </a:r>
+            <a:endParaRPr lang="en-US" dirty="0"/>
+          </a:p>
+        </p:txBody>
+      </p:sp>
+      <p:sp>
+        <p:nvSpPr>
+          <p:cNvPr id="3" name="Content Placeholder 2"/>
+          <p:cNvSpPr>
+            <a:spLocks noGrp="1"/>
+          </p:cNvSpPr>
+          <p:nvPr>
+            <p:ph idx="1"/>
+          </p:nvPr>
+        </p:nvSpPr>
+        <p:spPr/>
+        <p:txBody>
+          <a:bodyPr/>
+          <a:lstStyle/>
+          <a:p>
+            <a:r>
+              <a:rPr lang="en-US" dirty="0" smtClean="0"/>
+              <a:t>Write valid HTML</a:t>
+            </a:r>
+          </a:p>
+          <a:p>
+            <a:pPr lvl="1"/>
+            <a:r>
+              <a:rPr lang="en-US" dirty="0" smtClean="0"/>
+              <a:t>Both jQuery and ASP.NET AJAX rely on this</a:t>
+            </a:r>
+          </a:p>
+          <a:p>
+            <a:r>
+              <a:rPr lang="en-US" dirty="0" smtClean="0"/>
+              <a:t>Use loader images to indicate </a:t>
+            </a:r>
+            <a:r>
+              <a:rPr lang="en-US" dirty="0" err="1" smtClean="0"/>
+              <a:t>ajax</a:t>
+            </a:r>
+            <a:r>
+              <a:rPr lang="en-US" dirty="0" smtClean="0"/>
+              <a:t> calls</a:t>
+            </a:r>
+          </a:p>
+          <a:p>
+            <a:r>
+              <a:rPr lang="en-US" dirty="0" smtClean="0"/>
+              <a:t>Disable buttons upon Ajax call</a:t>
+            </a:r>
+          </a:p>
+          <a:p>
+            <a:r>
+              <a:rPr lang="en-US" dirty="0" smtClean="0"/>
+              <a:t>Enable them when the call is over</a:t>
+            </a:r>
+          </a:p>
+          <a:p>
+            <a:r>
+              <a:rPr lang="en-US" dirty="0" smtClean="0"/>
+              <a:t>Handle errors</a:t>
+            </a:r>
+          </a:p>
+          <a:p>
+            <a:pPr lvl="1"/>
+            <a:endParaRPr lang="en-US" dirty="0"/>
+          </a:p>
+        </p:txBody>
+      </p:sp>
+      <p:sp>
+        <p:nvSpPr>
+          <p:cNvPr id="4" name="Slide Number Placeholder 3"/>
+          <p:cNvSpPr>
+            <a:spLocks noGrp="1"/>
+          </p:cNvSpPr>
+          <p:nvPr>
+            <p:ph type="sldNum" sz="quarter" idx="10"/>
+          </p:nvPr>
+        </p:nvSpPr>
+        <p:spPr/>
+        <p:txBody>
+          <a:bodyPr/>
+          <a:lstStyle/>
+          <a:p>
+            <a:pPr>
+              <a:defRPr/>
+            </a:pPr>
+            <a:fld id="{58452FF4-89E3-4D1B-9927-2DBDC00E58D7}" type="slidenum">
+              <a:rPr lang="en-US" smtClean="0"/>
+              <a:pPr>
+                <a:defRPr/>
+              </a:pPr>
+              <a:t>30</a:t>
+            </a:fld>
+            <a:endParaRPr lang="en-US" dirty="0"/>
+          </a:p>
+        </p:txBody>
+      </p:sp>
+    </p:spTree>
+  </p:cSld>
+  <p:clrMapOvr>
+    <a:masterClrMapping/>
+  </p:clrMapOvr>
+</p:sld>
+</file>
+
+<file path=ppt/slides/slide31.xml><?xml version="1.0" encoding="utf-8"?>
+<p:sld xmlns:a="http://schemas.openxmlformats.org/drawingml/2006/main" xmlns:r="http://schemas.openxmlformats.org/officeDocument/2006/relationships" xmlns:p="http://schemas.openxmlformats.org/presentationml/2006/main">
+  <p:cSld>
+    <p:spTree>
+      <p:nvGrpSpPr>
+        <p:cNvPr id="1" name=""/>
+        <p:cNvGrpSpPr/>
+        <p:nvPr/>
+      </p:nvGrpSpPr>
+      <p:grpSpPr>
+        <a:xfrm>
+          <a:off x="0" y="0"/>
+          <a:ext cx="0" cy="0"/>
+          <a:chOff x="0" y="0"/>
+          <a:chExt cx="0" cy="0"/>
+        </a:xfrm>
+      </p:grpSpPr>
+      <p:sp>
+        <p:nvSpPr>
+          <p:cNvPr id="2" name="Title 1"/>
+          <p:cNvSpPr>
+            <a:spLocks noGrp="1"/>
+          </p:cNvSpPr>
+          <p:nvPr>
+            <p:ph type="title"/>
+          </p:nvPr>
+        </p:nvSpPr>
+        <p:spPr/>
+        <p:txBody>
+          <a:bodyPr/>
+          <a:lstStyle/>
+          <a:p>
+            <a:r>
+              <a:rPr lang="en-US" dirty="0" smtClean="0"/>
+              <a:t>JSON</a:t>
+            </a:r>
+            <a:endParaRPr lang="en-US" dirty="0"/>
+          </a:p>
+        </p:txBody>
+      </p:sp>
+      <p:sp>
+        <p:nvSpPr>
+          <p:cNvPr id="3" name="Content Placeholder 2"/>
+          <p:cNvSpPr>
+            <a:spLocks noGrp="1"/>
+          </p:cNvSpPr>
+          <p:nvPr>
+            <p:ph idx="1"/>
+          </p:nvPr>
+        </p:nvSpPr>
+        <p:spPr/>
+        <p:txBody>
+          <a:bodyPr/>
+          <a:lstStyle/>
+          <a:p>
+            <a:r>
+              <a:rPr lang="en-US" dirty="0" smtClean="0"/>
+              <a:t>Data representation format</a:t>
+            </a:r>
+          </a:p>
+          <a:p>
+            <a:endParaRPr lang="en-US" dirty="0" smtClean="0"/>
+          </a:p>
+          <a:p>
+            <a:endParaRPr lang="en-US" dirty="0" smtClean="0"/>
+          </a:p>
+          <a:p>
+            <a:r>
+              <a:rPr lang="en-US" dirty="0" smtClean="0"/>
+              <a:t>Native to JavaScript</a:t>
+            </a:r>
+          </a:p>
+          <a:p>
+            <a:r>
+              <a:rPr lang="en-US" dirty="0" smtClean="0"/>
+              <a:t>Serialize objects and collections</a:t>
+            </a:r>
+          </a:p>
+          <a:p>
+            <a:r>
+              <a:rPr lang="en-US" dirty="0" smtClean="0"/>
+              <a:t>Parse JSON to JavaScript objects</a:t>
+            </a:r>
+          </a:p>
+          <a:p>
+            <a:endParaRPr lang="en-US" dirty="0" smtClean="0"/>
+          </a:p>
+        </p:txBody>
+      </p:sp>
+      <p:sp>
+        <p:nvSpPr>
+          <p:cNvPr id="4" name="Slide Number Placeholder 3"/>
+          <p:cNvSpPr>
+            <a:spLocks noGrp="1"/>
+          </p:cNvSpPr>
+          <p:nvPr>
+            <p:ph type="sldNum" sz="quarter" idx="10"/>
+          </p:nvPr>
+        </p:nvSpPr>
+        <p:spPr/>
+        <p:txBody>
+          <a:bodyPr/>
+          <a:lstStyle/>
+          <a:p>
+            <a:pPr>
+              <a:defRPr/>
+            </a:pPr>
+            <a:fld id="{58452FF4-89E3-4D1B-9927-2DBDC00E58D7}" type="slidenum">
+              <a:rPr lang="en-US" smtClean="0"/>
+              <a:pPr>
+                <a:defRPr/>
+              </a:pPr>
+              <a:t>31</a:t>
+            </a:fld>
+            <a:endParaRPr lang="en-US" dirty="0"/>
+          </a:p>
+        </p:txBody>
+      </p:sp>
+      <p:sp>
+        <p:nvSpPr>
+          <p:cNvPr id="5" name="Rectangle 4"/>
+          <p:cNvSpPr>
+            <a:spLocks noChangeArrowheads="1"/>
+          </p:cNvSpPr>
+          <p:nvPr/>
+        </p:nvSpPr>
+        <p:spPr bwMode="auto">
+          <a:xfrm>
+            <a:off x="381000" y="5257800"/>
+            <a:ext cx="8064500" cy="510909"/>
+          </a:xfrm>
+          <a:prstGeom prst="rect">
+            <a:avLst/>
+          </a:prstGeom>
+          <a:solidFill>
+            <a:schemeClr val="bg1">
+              <a:alpha val="39999"/>
+            </a:schemeClr>
+          </a:solidFill>
+          <a:ln w="3175" algn="ctr">
+            <a:solidFill>
+              <a:schemeClr val="hlink"/>
+            </a:solidFill>
+            <a:miter lim="800000"/>
+            <a:headEnd/>
+            <a:tailEnd/>
+          </a:ln>
+          <a:effectLst/>
+        </p:spPr>
+        <p:txBody>
+          <a:bodyPr lIns="144000" tIns="91440" rIns="144000" bIns="109728">
+            <a:spAutoFit/>
+          </a:bodyPr>
+          <a:lstStyle/>
+          <a:p>
+            <a:pPr marL="358775" lvl="2" eaLnBrk="1" hangingPunct="1">
+              <a:spcBef>
+                <a:spcPct val="40000"/>
+              </a:spcBef>
+              <a:buClr>
+                <a:schemeClr val="tx1"/>
+              </a:buClr>
+            </a:pPr>
+            <a:r>
+              <a:rPr lang="en-US" sz="2000" b="1" noProof="1" smtClean="0">
+                <a:solidFill>
+                  <a:schemeClr val="tx1">
+                    <a:lumMod val="20000"/>
+                    <a:lumOff val="80000"/>
+                  </a:schemeClr>
+                </a:solidFill>
+                <a:latin typeface="Courier New" pitchFamily="49" charset="0"/>
+                <a:ea typeface="Times New Roman" pitchFamily="18" charset="0"/>
+                <a:cs typeface="Courier New" pitchFamily="49" charset="0"/>
+              </a:rPr>
+              <a:t>var jsObject = eval('(' + strJson + ')')</a:t>
+            </a:r>
+          </a:p>
+        </p:txBody>
+      </p:sp>
+      <p:sp>
+        <p:nvSpPr>
+          <p:cNvPr id="6" name="Rectangle 5"/>
+          <p:cNvSpPr>
+            <a:spLocks noChangeArrowheads="1"/>
+          </p:cNvSpPr>
+          <p:nvPr/>
+        </p:nvSpPr>
+        <p:spPr bwMode="auto">
+          <a:xfrm>
+            <a:off x="304800" y="1981200"/>
+            <a:ext cx="8064500" cy="510909"/>
+          </a:xfrm>
+          <a:prstGeom prst="rect">
+            <a:avLst/>
+          </a:prstGeom>
+          <a:solidFill>
+            <a:schemeClr val="bg1">
+              <a:alpha val="39999"/>
+            </a:schemeClr>
+          </a:solidFill>
+          <a:ln w="3175" algn="ctr">
+            <a:solidFill>
+              <a:schemeClr val="hlink"/>
+            </a:solidFill>
+            <a:miter lim="800000"/>
+            <a:headEnd/>
+            <a:tailEnd/>
+          </a:ln>
+          <a:effectLst/>
+        </p:spPr>
+        <p:txBody>
+          <a:bodyPr lIns="144000" tIns="91440" rIns="144000" bIns="109728">
+            <a:spAutoFit/>
+          </a:bodyPr>
+          <a:lstStyle/>
+          <a:p>
+            <a:pPr marL="358775" lvl="2" eaLnBrk="1" hangingPunct="1">
+              <a:spcBef>
+                <a:spcPct val="40000"/>
+              </a:spcBef>
+              <a:buClr>
+                <a:schemeClr val="tx1"/>
+              </a:buClr>
+            </a:pPr>
+            <a:r>
+              <a:rPr lang="en-US" sz="2000" b="1" noProof="1" smtClean="0">
+                <a:solidFill>
+                  <a:schemeClr val="tx1">
+                    <a:lumMod val="20000"/>
+                    <a:lumOff val="80000"/>
+                  </a:schemeClr>
+                </a:solidFill>
+                <a:latin typeface="Courier New" pitchFamily="49" charset="0"/>
+                <a:ea typeface="Times New Roman" pitchFamily="18" charset="0"/>
+                <a:cs typeface="Courier New" pitchFamily="49" charset="0"/>
+              </a:rPr>
+              <a:t>{"Name": "Cheeso", "Rank": 7, "Age": 25}</a:t>
+            </a:r>
+          </a:p>
+        </p:txBody>
+      </p:sp>
+    </p:spTree>
+  </p:cSld>
+  <p:clrMapOvr>
+    <a:masterClrMapping/>
+  </p:clrMapOvr>
+</p:sld>
+</file>
+
+<file path=ppt/slides/slide32.xml><?xml version="1.0" encoding="utf-8"?>
+<p:sld xmlns:a="http://schemas.openxmlformats.org/drawingml/2006/main" xmlns:r="http://schemas.openxmlformats.org/officeDocument/2006/relationships" xmlns:p="http://schemas.openxmlformats.org/presentationml/2006/main">
+  <p:cSld>
+    <p:spTree>
+      <p:nvGrpSpPr>
+        <p:cNvPr id="1" name=""/>
+        <p:cNvGrpSpPr/>
+        <p:nvPr/>
+      </p:nvGrpSpPr>
+      <p:grpSpPr>
+        <a:xfrm>
+          <a:off x="0" y="0"/>
+          <a:ext cx="0" cy="0"/>
+          <a:chOff x="0" y="0"/>
+          <a:chExt cx="0" cy="0"/>
+        </a:xfrm>
+      </p:grpSpPr>
+      <p:sp>
+        <p:nvSpPr>
           <p:cNvPr id="5" name="Title 4"/>
           <p:cNvSpPr>
             <a:spLocks noGrp="1"/>
@@ -3945,6 +11904,1746 @@
   <p:clrMapOvr>
     <a:masterClrMapping/>
   </p:clrMapOvr>
+  <p:timing>
+    <p:tnLst>
+      <p:par>
+        <p:cTn id="1" dur="indefinite" restart="never" nodeType="tmRoot"/>
+      </p:par>
+    </p:tnLst>
+  </p:timing>
+</p:sld>
+</file>
+
+<file path=ppt/slides/slide33.xml><?xml version="1.0" encoding="utf-8"?>
+<p:sld xmlns:a="http://schemas.openxmlformats.org/drawingml/2006/main" xmlns:r="http://schemas.openxmlformats.org/officeDocument/2006/relationships" xmlns:p="http://schemas.openxmlformats.org/presentationml/2006/main">
+  <p:cSld>
+    <p:spTree>
+      <p:nvGrpSpPr>
+        <p:cNvPr id="1" name=""/>
+        <p:cNvGrpSpPr/>
+        <p:nvPr/>
+      </p:nvGrpSpPr>
+      <p:grpSpPr>
+        <a:xfrm>
+          <a:off x="0" y="0"/>
+          <a:ext cx="0" cy="0"/>
+          <a:chOff x="0" y="0"/>
+          <a:chExt cx="0" cy="0"/>
+        </a:xfrm>
+      </p:grpSpPr>
+      <p:sp>
+        <p:nvSpPr>
+          <p:cNvPr id="2" name="Title 1"/>
+          <p:cNvSpPr>
+            <a:spLocks noGrp="1"/>
+          </p:cNvSpPr>
+          <p:nvPr>
+            <p:ph type="title"/>
+          </p:nvPr>
+        </p:nvSpPr>
+        <p:spPr/>
+        <p:txBody>
+          <a:bodyPr/>
+          <a:lstStyle/>
+          <a:p>
+            <a:r>
+              <a:rPr lang="en-US" dirty="0" smtClean="0"/>
+              <a:t>Useful sites</a:t>
+            </a:r>
+            <a:endParaRPr lang="en-US" dirty="0"/>
+          </a:p>
+        </p:txBody>
+      </p:sp>
+      <p:sp>
+        <p:nvSpPr>
+          <p:cNvPr id="3" name="Content Placeholder 2"/>
+          <p:cNvSpPr>
+            <a:spLocks noGrp="1"/>
+          </p:cNvSpPr>
+          <p:nvPr>
+            <p:ph idx="1"/>
+          </p:nvPr>
+        </p:nvSpPr>
+        <p:spPr>
+          <a:xfrm>
+            <a:off x="2514600" y="1066800"/>
+            <a:ext cx="6400800" cy="5638800"/>
+          </a:xfrm>
+        </p:spPr>
+        <p:txBody>
+          <a:bodyPr/>
+          <a:lstStyle/>
+          <a:p>
+            <a:r>
+              <a:rPr lang="en-US" dirty="0" smtClean="0">
+                <a:hlinkClick r:id="rId2"/>
+              </a:rPr>
+              <a:t>www.asp.net</a:t>
+            </a:r>
+            <a:endParaRPr lang="en-US" dirty="0" smtClean="0"/>
+          </a:p>
+          <a:p>
+            <a:endParaRPr lang="en-US" dirty="0" smtClean="0"/>
+          </a:p>
+          <a:p>
+            <a:r>
+              <a:rPr lang="en-US" dirty="0" smtClean="0">
+                <a:hlinkClick r:id="rId3"/>
+              </a:rPr>
+              <a:t>www.stackoverflow.com</a:t>
+            </a:r>
+            <a:endParaRPr lang="en-US" dirty="0" smtClean="0"/>
+          </a:p>
+          <a:p>
+            <a:pPr>
+              <a:buNone/>
+            </a:pPr>
+            <a:endParaRPr lang="en-US" dirty="0" smtClean="0"/>
+          </a:p>
+          <a:p>
+            <a:r>
+              <a:rPr lang="en-US" dirty="0" smtClean="0">
+                <a:hlinkClick r:id="rId4"/>
+              </a:rPr>
+              <a:t>jquery.com</a:t>
+            </a:r>
+            <a:endParaRPr lang="en-US" dirty="0" smtClean="0"/>
+          </a:p>
+          <a:p>
+            <a:endParaRPr lang="en-US" dirty="0" smtClean="0"/>
+          </a:p>
+          <a:p>
+            <a:r>
+              <a:rPr lang="en-US" dirty="0" smtClean="0">
+                <a:hlinkClick r:id="rId5"/>
+              </a:rPr>
+              <a:t>http://www.asp.net/ajax/AjaxControlToolkit/Samples/</a:t>
+            </a:r>
+            <a:r>
+              <a:rPr lang="en-US" dirty="0" smtClean="0"/>
+              <a:t> </a:t>
+            </a:r>
+          </a:p>
+        </p:txBody>
+      </p:sp>
+      <p:sp>
+        <p:nvSpPr>
+          <p:cNvPr id="4" name="Slide Number Placeholder 3"/>
+          <p:cNvSpPr>
+            <a:spLocks noGrp="1"/>
+          </p:cNvSpPr>
+          <p:nvPr>
+            <p:ph type="sldNum" sz="quarter" idx="10"/>
+          </p:nvPr>
+        </p:nvSpPr>
+        <p:spPr/>
+        <p:txBody>
+          <a:bodyPr/>
+          <a:lstStyle/>
+          <a:p>
+            <a:pPr>
+              <a:defRPr/>
+            </a:pPr>
+            <a:fld id="{58452FF4-89E3-4D1B-9927-2DBDC00E58D7}" type="slidenum">
+              <a:rPr lang="en-US" smtClean="0"/>
+              <a:pPr>
+                <a:defRPr/>
+              </a:pPr>
+              <a:t>33</a:t>
+            </a:fld>
+            <a:endParaRPr lang="en-US" dirty="0"/>
+          </a:p>
+        </p:txBody>
+      </p:sp>
+      <p:pic>
+        <p:nvPicPr>
+          <p:cNvPr id="2057" name="Picture 9" descr="C:\Users\Black\Desktop\asp.net.png"/>
+          <p:cNvPicPr>
+            <a:picLocks noChangeAspect="1" noChangeArrowheads="1"/>
+          </p:cNvPicPr>
+          <p:nvPr/>
+        </p:nvPicPr>
+        <p:blipFill>
+          <a:blip r:embed="rId6" cstate="print"/>
+          <a:srcRect/>
+          <a:stretch>
+            <a:fillRect/>
+          </a:stretch>
+        </p:blipFill>
+        <p:spPr bwMode="auto">
+          <a:xfrm>
+            <a:off x="381000" y="1066800"/>
+            <a:ext cx="1895475" cy="904875"/>
+          </a:xfrm>
+          <a:prstGeom prst="rect">
+            <a:avLst/>
+          </a:prstGeom>
+          <a:noFill/>
+        </p:spPr>
+      </p:pic>
+      <p:pic>
+        <p:nvPicPr>
+          <p:cNvPr id="2059" name="Picture 11" descr="C:\Users\Black\Desktop\stackoverflow.com.png"/>
+          <p:cNvPicPr>
+            <a:picLocks noChangeAspect="1" noChangeArrowheads="1"/>
+          </p:cNvPicPr>
+          <p:nvPr/>
+        </p:nvPicPr>
+        <p:blipFill>
+          <a:blip r:embed="rId7" cstate="print"/>
+          <a:srcRect/>
+          <a:stretch>
+            <a:fillRect/>
+          </a:stretch>
+        </p:blipFill>
+        <p:spPr bwMode="auto">
+          <a:xfrm>
+            <a:off x="381001" y="2362200"/>
+            <a:ext cx="2133599" cy="761999"/>
+          </a:xfrm>
+          <a:prstGeom prst="rect">
+            <a:avLst/>
+          </a:prstGeom>
+          <a:noFill/>
+        </p:spPr>
+      </p:pic>
+      <p:pic>
+        <p:nvPicPr>
+          <p:cNvPr id="1027" name="Picture 3" descr="C:\Users\Black\Desktop\jquery-logo.png"/>
+          <p:cNvPicPr>
+            <a:picLocks noChangeAspect="1" noChangeArrowheads="1"/>
+          </p:cNvPicPr>
+          <p:nvPr/>
+        </p:nvPicPr>
+        <p:blipFill>
+          <a:blip r:embed="rId8" cstate="print"/>
+          <a:srcRect/>
+          <a:stretch>
+            <a:fillRect/>
+          </a:stretch>
+        </p:blipFill>
+        <p:spPr bwMode="auto">
+          <a:xfrm>
+            <a:off x="381000" y="3505200"/>
+            <a:ext cx="2057400" cy="783040"/>
+          </a:xfrm>
+          <a:prstGeom prst="rect">
+            <a:avLst/>
+          </a:prstGeom>
+          <a:noFill/>
+        </p:spPr>
+      </p:pic>
+      <p:pic>
+        <p:nvPicPr>
+          <p:cNvPr id="2051" name="Picture 3" descr="C:\Documents and Settings\babadjimarinov\Desktop\ajax.JPG"/>
+          <p:cNvPicPr>
+            <a:picLocks noChangeAspect="1" noChangeArrowheads="1"/>
+          </p:cNvPicPr>
+          <p:nvPr/>
+        </p:nvPicPr>
+        <p:blipFill>
+          <a:blip r:embed="rId9" cstate="print"/>
+          <a:srcRect/>
+          <a:stretch>
+            <a:fillRect/>
+          </a:stretch>
+        </p:blipFill>
+        <p:spPr bwMode="auto">
+          <a:xfrm>
+            <a:off x="457200" y="4953000"/>
+            <a:ext cx="1920354" cy="838200"/>
+          </a:xfrm>
+          <a:prstGeom prst="rect">
+            <a:avLst/>
+          </a:prstGeom>
+          <a:noFill/>
+        </p:spPr>
+      </p:pic>
+    </p:spTree>
+  </p:cSld>
+  <p:clrMapOvr>
+    <a:masterClrMapping/>
+  </p:clrMapOvr>
+  <p:timing>
+    <p:tnLst>
+      <p:par>
+        <p:cTn id="1" dur="indefinite" restart="never" nodeType="tmRoot"/>
+      </p:par>
+    </p:tnLst>
+  </p:timing>
+</p:sld>
+</file>
+
+<file path=ppt/slides/slide34.xml><?xml version="1.0" encoding="utf-8"?>
+<p:sld xmlns:a="http://schemas.openxmlformats.org/drawingml/2006/main" xmlns:r="http://schemas.openxmlformats.org/officeDocument/2006/relationships" xmlns:p="http://schemas.openxmlformats.org/presentationml/2006/main">
+  <p:cSld>
+    <p:spTree>
+      <p:nvGrpSpPr>
+        <p:cNvPr id="1" name=""/>
+        <p:cNvGrpSpPr/>
+        <p:nvPr/>
+      </p:nvGrpSpPr>
+      <p:grpSpPr>
+        <a:xfrm>
+          <a:off x="0" y="0"/>
+          <a:ext cx="0" cy="0"/>
+          <a:chOff x="0" y="0"/>
+          <a:chExt cx="0" cy="0"/>
+        </a:xfrm>
+      </p:grpSpPr>
+      <p:sp>
+        <p:nvSpPr>
+          <p:cNvPr id="2" name="Title 1"/>
+          <p:cNvSpPr>
+            <a:spLocks noGrp="1"/>
+          </p:cNvSpPr>
+          <p:nvPr>
+            <p:ph type="title"/>
+          </p:nvPr>
+        </p:nvSpPr>
+        <p:spPr/>
+        <p:txBody>
+          <a:bodyPr/>
+          <a:lstStyle/>
+          <a:p>
+            <a:r>
+              <a:rPr lang="en-US" dirty="0" smtClean="0"/>
+              <a:t>Useful sites</a:t>
+            </a:r>
+            <a:endParaRPr lang="en-US" dirty="0"/>
+          </a:p>
+        </p:txBody>
+      </p:sp>
+      <p:sp>
+        <p:nvSpPr>
+          <p:cNvPr id="3" name="Content Placeholder 2"/>
+          <p:cNvSpPr>
+            <a:spLocks noGrp="1"/>
+          </p:cNvSpPr>
+          <p:nvPr>
+            <p:ph idx="1"/>
+          </p:nvPr>
+        </p:nvSpPr>
+        <p:spPr>
+          <a:xfrm>
+            <a:off x="3200400" y="1066800"/>
+            <a:ext cx="5715000" cy="5638800"/>
+          </a:xfrm>
+        </p:spPr>
+        <p:txBody>
+          <a:bodyPr/>
+          <a:lstStyle/>
+          <a:p>
+            <a:r>
+              <a:rPr lang="en-US" dirty="0" smtClean="0">
+                <a:hlinkClick r:id="rId2"/>
+              </a:rPr>
+              <a:t>http://ajaxload.info/</a:t>
+            </a:r>
+          </a:p>
+          <a:p>
+            <a:endParaRPr lang="en-US" dirty="0" smtClean="0">
+              <a:hlinkClick r:id="rId2"/>
+            </a:endParaRPr>
+          </a:p>
+          <a:p>
+            <a:pPr>
+              <a:buNone/>
+            </a:pPr>
+            <a:endParaRPr lang="en-US" dirty="0" smtClean="0">
+              <a:hlinkClick r:id="rId2"/>
+            </a:endParaRPr>
+          </a:p>
+          <a:p>
+            <a:r>
+              <a:rPr lang="en-US" dirty="0" smtClean="0">
+                <a:hlinkClick r:id="rId2"/>
+              </a:rPr>
+              <a:t>www.abadjimarinov.net/blog</a:t>
+            </a:r>
+            <a:r>
+              <a:rPr lang="en-US" dirty="0" smtClean="0"/>
+              <a:t>  </a:t>
+            </a:r>
+          </a:p>
+          <a:p>
+            <a:endParaRPr lang="en-US" dirty="0"/>
+          </a:p>
+        </p:txBody>
+      </p:sp>
+      <p:sp>
+        <p:nvSpPr>
+          <p:cNvPr id="4" name="Slide Number Placeholder 3"/>
+          <p:cNvSpPr>
+            <a:spLocks noGrp="1"/>
+          </p:cNvSpPr>
+          <p:nvPr>
+            <p:ph type="sldNum" sz="quarter" idx="10"/>
+          </p:nvPr>
+        </p:nvSpPr>
+        <p:spPr/>
+        <p:txBody>
+          <a:bodyPr/>
+          <a:lstStyle/>
+          <a:p>
+            <a:pPr>
+              <a:defRPr/>
+            </a:pPr>
+            <a:fld id="{58452FF4-89E3-4D1B-9927-2DBDC00E58D7}" type="slidenum">
+              <a:rPr lang="en-US" smtClean="0"/>
+              <a:pPr>
+                <a:defRPr/>
+              </a:pPr>
+              <a:t>34</a:t>
+            </a:fld>
+            <a:endParaRPr lang="en-US" dirty="0"/>
+          </a:p>
+        </p:txBody>
+      </p:sp>
+      <p:pic>
+        <p:nvPicPr>
+          <p:cNvPr id="1026" name="Picture 2" descr="C:\Documents and Settings\babadjimarinov\Desktop\logo.png"/>
+          <p:cNvPicPr>
+            <a:picLocks noChangeAspect="1" noChangeArrowheads="1"/>
+          </p:cNvPicPr>
+          <p:nvPr/>
+        </p:nvPicPr>
+        <p:blipFill>
+          <a:blip r:embed="rId3" cstate="print"/>
+          <a:srcRect/>
+          <a:stretch>
+            <a:fillRect/>
+          </a:stretch>
+        </p:blipFill>
+        <p:spPr bwMode="auto">
+          <a:xfrm>
+            <a:off x="304800" y="1143000"/>
+            <a:ext cx="2758576" cy="965200"/>
+          </a:xfrm>
+          <a:prstGeom prst="rect">
+            <a:avLst/>
+          </a:prstGeom>
+          <a:noFill/>
+        </p:spPr>
+      </p:pic>
+      <p:pic>
+        <p:nvPicPr>
+          <p:cNvPr id="6" name="Picture 2" descr="C:\Users\Black\Desktop\superman.jpg"/>
+          <p:cNvPicPr>
+            <a:picLocks noChangeAspect="1" noChangeArrowheads="1"/>
+          </p:cNvPicPr>
+          <p:nvPr/>
+        </p:nvPicPr>
+        <p:blipFill>
+          <a:blip r:embed="rId4" cstate="print"/>
+          <a:srcRect/>
+          <a:stretch>
+            <a:fillRect/>
+          </a:stretch>
+        </p:blipFill>
+        <p:spPr bwMode="auto">
+          <a:xfrm>
+            <a:off x="533400" y="2667000"/>
+            <a:ext cx="1752600" cy="1740514"/>
+          </a:xfrm>
+          <a:prstGeom prst="rect">
+            <a:avLst/>
+          </a:prstGeom>
+          <a:noFill/>
+        </p:spPr>
+      </p:pic>
+    </p:spTree>
+  </p:cSld>
+  <p:clrMapOvr>
+    <a:masterClrMapping/>
+  </p:clrMapOvr>
+</p:sld>
+</file>
+
+<file path=ppt/slides/slide4.xml><?xml version="1.0" encoding="utf-8"?>
+<p:sld xmlns:a="http://schemas.openxmlformats.org/drawingml/2006/main" xmlns:r="http://schemas.openxmlformats.org/officeDocument/2006/relationships" xmlns:p="http://schemas.openxmlformats.org/presentationml/2006/main">
+  <p:cSld>
+    <p:spTree>
+      <p:nvGrpSpPr>
+        <p:cNvPr id="1" name=""/>
+        <p:cNvGrpSpPr/>
+        <p:nvPr/>
+      </p:nvGrpSpPr>
+      <p:grpSpPr>
+        <a:xfrm>
+          <a:off x="0" y="0"/>
+          <a:ext cx="0" cy="0"/>
+          <a:chOff x="0" y="0"/>
+          <a:chExt cx="0" cy="0"/>
+        </a:xfrm>
+      </p:grpSpPr>
+      <p:sp>
+        <p:nvSpPr>
+          <p:cNvPr id="428034" name="Rectangle 2"/>
+          <p:cNvSpPr>
+            <a:spLocks noGrp="1" noChangeArrowheads="1"/>
+          </p:cNvSpPr>
+          <p:nvPr>
+            <p:ph type="title"/>
+          </p:nvPr>
+        </p:nvSpPr>
+        <p:spPr/>
+        <p:txBody>
+          <a:bodyPr/>
+          <a:lstStyle/>
+          <a:p>
+            <a:r>
+              <a:rPr lang="en-US"/>
+              <a:t>What is AJAX?</a:t>
+            </a:r>
+            <a:endParaRPr lang="bg-BG"/>
+          </a:p>
+        </p:txBody>
+      </p:sp>
+      <p:sp>
+        <p:nvSpPr>
+          <p:cNvPr id="428035" name="Rectangle 3"/>
+          <p:cNvSpPr>
+            <a:spLocks noGrp="1" noChangeArrowheads="1"/>
+          </p:cNvSpPr>
+          <p:nvPr>
+            <p:ph type="body" idx="1"/>
+          </p:nvPr>
+        </p:nvSpPr>
+        <p:spPr/>
+        <p:txBody>
+          <a:bodyPr/>
+          <a:lstStyle/>
+          <a:p>
+            <a:pPr eaLnBrk="1" hangingPunct="1"/>
+            <a:r>
+              <a:rPr lang="en-US" dirty="0">
+                <a:solidFill>
+                  <a:schemeClr val="hlink"/>
+                </a:solidFill>
+                <a:effectLst>
+                  <a:outerShdw blurRad="38100" dist="38100" dir="2700000" algn="tl">
+                    <a:srgbClr val="000000"/>
+                  </a:outerShdw>
+                </a:effectLst>
+              </a:rPr>
+              <a:t>AJAX = A</a:t>
+            </a:r>
+            <a:r>
+              <a:rPr lang="en-US" dirty="0"/>
+              <a:t>synchronous</a:t>
+            </a:r>
+            <a:r>
+              <a:rPr lang="en-US" dirty="0">
+                <a:solidFill>
+                  <a:schemeClr val="hlink"/>
+                </a:solidFill>
+                <a:effectLst>
+                  <a:outerShdw blurRad="38100" dist="38100" dir="2700000" algn="tl">
+                    <a:srgbClr val="000000"/>
+                  </a:outerShdw>
+                </a:effectLst>
+              </a:rPr>
+              <a:t> J</a:t>
+            </a:r>
+            <a:r>
+              <a:rPr lang="en-US" dirty="0"/>
+              <a:t>avaScript</a:t>
+            </a:r>
+            <a:r>
+              <a:rPr lang="en-US" dirty="0">
+                <a:solidFill>
+                  <a:schemeClr val="hlink"/>
+                </a:solidFill>
+                <a:effectLst>
+                  <a:outerShdw blurRad="38100" dist="38100" dir="2700000" algn="tl">
+                    <a:srgbClr val="000000"/>
+                  </a:outerShdw>
+                </a:effectLst>
+              </a:rPr>
+              <a:t> A</a:t>
+            </a:r>
+            <a:r>
+              <a:rPr lang="en-US" dirty="0"/>
+              <a:t>nd</a:t>
+            </a:r>
+            <a:r>
+              <a:rPr lang="en-US" dirty="0">
+                <a:solidFill>
+                  <a:schemeClr val="hlink"/>
+                </a:solidFill>
+                <a:effectLst>
+                  <a:outerShdw blurRad="38100" dist="38100" dir="2700000" algn="tl">
+                    <a:srgbClr val="000000"/>
+                  </a:outerShdw>
+                </a:effectLst>
+              </a:rPr>
+              <a:t> </a:t>
+            </a:r>
+            <a:r>
+              <a:rPr lang="en-US" dirty="0" smtClean="0">
+                <a:solidFill>
+                  <a:schemeClr val="hlink"/>
+                </a:solidFill>
+                <a:effectLst>
+                  <a:outerShdw blurRad="38100" dist="38100" dir="2700000" algn="tl">
+                    <a:srgbClr val="000000"/>
+                  </a:outerShdw>
+                </a:effectLst>
+              </a:rPr>
+              <a:t>X</a:t>
+            </a:r>
+            <a:r>
+              <a:rPr lang="en-US" dirty="0" smtClean="0"/>
+              <a:t>ML</a:t>
+            </a:r>
+            <a:endParaRPr lang="en-US" dirty="0" smtClean="0">
+              <a:solidFill>
+                <a:schemeClr val="hlink"/>
+              </a:solidFill>
+              <a:effectLst>
+                <a:outerShdw blurRad="38100" dist="38100" dir="2700000" algn="tl">
+                  <a:srgbClr val="000000"/>
+                </a:outerShdw>
+              </a:effectLst>
+            </a:endParaRPr>
+          </a:p>
+          <a:p>
+            <a:pPr eaLnBrk="1" hangingPunct="1"/>
+            <a:r>
+              <a:rPr lang="en-US" dirty="0" smtClean="0"/>
+              <a:t>Combination of several techniques, technologies and protocols</a:t>
+            </a:r>
+          </a:p>
+          <a:p>
+            <a:pPr eaLnBrk="1" hangingPunct="1"/>
+            <a:r>
+              <a:rPr lang="en-US" dirty="0" smtClean="0"/>
+              <a:t>Retrieve data from the server asynchronously</a:t>
+            </a:r>
+          </a:p>
+          <a:p>
+            <a:pPr eaLnBrk="1" hangingPunct="1"/>
+            <a:r>
+              <a:rPr lang="en-US" dirty="0" smtClean="0"/>
+              <a:t>Do not interfere with the display of the page</a:t>
+            </a:r>
+          </a:p>
+          <a:p>
+            <a:pPr eaLnBrk="1" hangingPunct="1"/>
+            <a:r>
+              <a:rPr lang="en-US" dirty="0" smtClean="0"/>
+              <a:t>Used to build more responsive and interactive web applications</a:t>
+            </a:r>
+            <a:endParaRPr lang="en-US" dirty="0"/>
+          </a:p>
+        </p:txBody>
+      </p:sp>
+    </p:spTree>
+  </p:cSld>
+  <p:clrMapOvr>
+    <a:masterClrMapping/>
+  </p:clrMapOvr>
+  <p:transition/>
+  <p:timing>
+    <p:tnLst>
+      <p:par>
+        <p:cTn id="1" dur="indefinite" restart="never" nodeType="tmRoot"/>
+      </p:par>
+    </p:tnLst>
+  </p:timing>
+</p:sld>
+</file>
+
+<file path=ppt/slides/slide5.xml><?xml version="1.0" encoding="utf-8"?>
+<p:sld xmlns:a="http://schemas.openxmlformats.org/drawingml/2006/main" xmlns:r="http://schemas.openxmlformats.org/officeDocument/2006/relationships" xmlns:p="http://schemas.openxmlformats.org/presentationml/2006/main">
+  <p:cSld>
+    <p:spTree>
+      <p:nvGrpSpPr>
+        <p:cNvPr id="1" name=""/>
+        <p:cNvGrpSpPr/>
+        <p:nvPr/>
+      </p:nvGrpSpPr>
+      <p:grpSpPr>
+        <a:xfrm>
+          <a:off x="0" y="0"/>
+          <a:ext cx="0" cy="0"/>
+          <a:chOff x="0" y="0"/>
+          <a:chExt cx="0" cy="0"/>
+        </a:xfrm>
+      </p:grpSpPr>
+      <p:sp>
+        <p:nvSpPr>
+          <p:cNvPr id="470018" name="Rectangle 2"/>
+          <p:cNvSpPr>
+            <a:spLocks noGrp="1" noChangeArrowheads="1"/>
+          </p:cNvSpPr>
+          <p:nvPr>
+            <p:ph type="title" idx="4294967295"/>
+          </p:nvPr>
+        </p:nvSpPr>
+        <p:spPr>
+          <a:xfrm>
+            <a:off x="2411413" y="71438"/>
+            <a:ext cx="6553200" cy="909637"/>
+          </a:xfrm>
+          <a:prstGeom prst="rect">
+            <a:avLst/>
+          </a:prstGeom>
+          <a:noFill/>
+        </p:spPr>
+        <p:txBody>
+          <a:bodyPr/>
+          <a:lstStyle/>
+          <a:p>
+            <a:pPr hangingPunct="1"/>
+            <a:r>
+              <a:rPr lang="en-US">
+                <a:sym typeface="Wingdings" pitchFamily="2" charset="2"/>
+              </a:rPr>
+              <a:t>AJAX Technology</a:t>
+            </a:r>
+            <a:endParaRPr lang="en-US">
+              <a:ea typeface="SimSun" pitchFamily="2" charset="-122"/>
+              <a:cs typeface="Times New Roman" pitchFamily="18" charset="0"/>
+              <a:sym typeface="Wingdings" pitchFamily="2" charset="2"/>
+            </a:endParaRPr>
+          </a:p>
+        </p:txBody>
+      </p:sp>
+      <p:sp>
+        <p:nvSpPr>
+          <p:cNvPr id="470019" name="Rectangle 3"/>
+          <p:cNvSpPr>
+            <a:spLocks noGrp="1" noChangeArrowheads="1"/>
+          </p:cNvSpPr>
+          <p:nvPr>
+            <p:ph type="body" idx="4294967295"/>
+          </p:nvPr>
+        </p:nvSpPr>
+        <p:spPr>
+          <a:xfrm>
+            <a:off x="457200" y="1238250"/>
+            <a:ext cx="8229600" cy="5187950"/>
+          </a:xfrm>
+          <a:prstGeom prst="rect">
+            <a:avLst/>
+          </a:prstGeom>
+          <a:noFill/>
+        </p:spPr>
+        <p:txBody>
+          <a:bodyPr lIns="91440" tIns="45720" rIns="91440" bIns="45720"/>
+          <a:lstStyle/>
+          <a:p>
+            <a:pPr hangingPunct="1"/>
+            <a:r>
+              <a:rPr lang="en-US" dirty="0">
+                <a:sym typeface="Wingdings" pitchFamily="2" charset="2"/>
+              </a:rPr>
+              <a:t>DHTML DOM</a:t>
+            </a:r>
+          </a:p>
+          <a:p>
+            <a:pPr lvl="1" hangingPunct="1"/>
+            <a:r>
+              <a:rPr lang="en-US" dirty="0">
+                <a:sym typeface="Wingdings" pitchFamily="2" charset="2"/>
+              </a:rPr>
+              <a:t>Browser DOM manipulated through JavaScript to dynamically display and interact with information</a:t>
+            </a:r>
+          </a:p>
+          <a:p>
+            <a:pPr lvl="1" hangingPunct="1"/>
+            <a:r>
+              <a:rPr lang="en-US" dirty="0">
+                <a:sym typeface="Wingdings" pitchFamily="2" charset="2"/>
+              </a:rPr>
+              <a:t>CSS </a:t>
+            </a:r>
+            <a:r>
+              <a:rPr lang="en-US" dirty="0" err="1">
+                <a:sym typeface="Wingdings" pitchFamily="2" charset="2"/>
+              </a:rPr>
+              <a:t>stylesheets</a:t>
+            </a:r>
+            <a:r>
+              <a:rPr lang="en-US" dirty="0">
+                <a:sym typeface="Wingdings" pitchFamily="2" charset="2"/>
+              </a:rPr>
+              <a:t> for formatting</a:t>
+            </a:r>
+          </a:p>
+          <a:p>
+            <a:pPr hangingPunct="1"/>
+            <a:r>
+              <a:rPr lang="en-US" dirty="0" err="1">
+                <a:latin typeface="Courier New" pitchFamily="49" charset="0"/>
+                <a:sym typeface="Wingdings" pitchFamily="2" charset="2"/>
+              </a:rPr>
+              <a:t>XMLHttpRequest</a:t>
+            </a:r>
+            <a:r>
+              <a:rPr lang="en-US" dirty="0">
+                <a:sym typeface="Wingdings" pitchFamily="2" charset="2"/>
+              </a:rPr>
+              <a:t> object </a:t>
+            </a:r>
+          </a:p>
+          <a:p>
+            <a:pPr lvl="1" hangingPunct="1"/>
+            <a:r>
+              <a:rPr lang="en-US" dirty="0">
+                <a:sym typeface="Wingdings" pitchFamily="2" charset="2"/>
+              </a:rPr>
+              <a:t>Exchange data asynchronously with the web server</a:t>
+            </a:r>
+          </a:p>
+          <a:p>
+            <a:pPr lvl="1" hangingPunct="1"/>
+            <a:r>
+              <a:rPr lang="en-US" dirty="0">
+                <a:sym typeface="Wingdings" pitchFamily="2" charset="2"/>
+              </a:rPr>
+              <a:t>Any data format will work - HTML fragments, text, XML, etc.</a:t>
+            </a:r>
+          </a:p>
+        </p:txBody>
+      </p:sp>
+      <p:sp>
+        <p:nvSpPr>
+          <p:cNvPr id="470020" name="Rectangle 25"/>
+          <p:cNvSpPr>
+            <a:spLocks noChangeArrowheads="1"/>
+          </p:cNvSpPr>
+          <p:nvPr/>
+        </p:nvSpPr>
+        <p:spPr bwMode="auto">
+          <a:xfrm>
+            <a:off x="6553200" y="6245225"/>
+            <a:ext cx="2133600" cy="476250"/>
+          </a:xfrm>
+          <a:prstGeom prst="rect">
+            <a:avLst/>
+          </a:prstGeom>
+          <a:noFill/>
+          <a:ln w="9525">
+            <a:noFill/>
+            <a:miter lim="800000"/>
+            <a:headEnd/>
+            <a:tailEnd/>
+          </a:ln>
+        </p:spPr>
+        <p:txBody>
+          <a:bodyPr/>
+          <a:lstStyle/>
+          <a:p>
+            <a:pPr algn="r" hangingPunct="1">
+              <a:lnSpc>
+                <a:spcPct val="100000"/>
+              </a:lnSpc>
+            </a:pPr>
+            <a:fld id="{BF7711E2-1907-4849-B7D5-9D28DB3C2342}" type="slidenum">
+              <a:rPr kumimoji="0" lang="en-US" sz="1400" b="0">
+                <a:solidFill>
+                  <a:schemeClr val="tx1"/>
+                </a:solidFill>
+                <a:effectLst/>
+                <a:latin typeface="Times New Roman" pitchFamily="18" charset="0"/>
+                <a:sym typeface="Wingdings" pitchFamily="2" charset="2"/>
+              </a:rPr>
+              <a:pPr algn="r" hangingPunct="1">
+                <a:lnSpc>
+                  <a:spcPct val="100000"/>
+                </a:lnSpc>
+              </a:pPr>
+              <a:t>5</a:t>
+            </a:fld>
+            <a:endParaRPr kumimoji="0" lang="en-US" sz="1800" b="0">
+              <a:solidFill>
+                <a:schemeClr val="tx1"/>
+              </a:solidFill>
+              <a:effectLst/>
+              <a:sym typeface="Wingdings" pitchFamily="2" charset="2"/>
+            </a:endParaRPr>
+          </a:p>
+        </p:txBody>
+      </p:sp>
+    </p:spTree>
+  </p:cSld>
+  <p:clrMapOvr>
+    <a:masterClrMapping/>
+  </p:clrMapOvr>
+  <p:transition advClick="0"/>
+  <p:timing>
+    <p:tnLst>
+      <p:par>
+        <p:cTn id="1" dur="indefinite" restart="never" nodeType="tmRoot"/>
+      </p:par>
+    </p:tnLst>
+  </p:timing>
+</p:sld>
+</file>
+
+<file path=ppt/slides/slide6.xml><?xml version="1.0" encoding="utf-8"?>
+<p:sld xmlns:a="http://schemas.openxmlformats.org/drawingml/2006/main" xmlns:r="http://schemas.openxmlformats.org/officeDocument/2006/relationships" xmlns:p="http://schemas.openxmlformats.org/presentationml/2006/main">
+  <p:cSld>
+    <p:spTree>
+      <p:nvGrpSpPr>
+        <p:cNvPr id="1" name=""/>
+        <p:cNvGrpSpPr/>
+        <p:nvPr/>
+      </p:nvGrpSpPr>
+      <p:grpSpPr>
+        <a:xfrm>
+          <a:off x="0" y="0"/>
+          <a:ext cx="0" cy="0"/>
+          <a:chOff x="0" y="0"/>
+          <a:chExt cx="0" cy="0"/>
+        </a:xfrm>
+      </p:grpSpPr>
+      <p:sp>
+        <p:nvSpPr>
+          <p:cNvPr id="467970" name="Rectangle 2"/>
+          <p:cNvSpPr>
+            <a:spLocks noGrp="1" noChangeArrowheads="1"/>
+          </p:cNvSpPr>
+          <p:nvPr>
+            <p:ph type="ctrTitle"/>
+          </p:nvPr>
+        </p:nvSpPr>
+        <p:spPr>
+          <a:xfrm>
+            <a:off x="1187450" y="2636838"/>
+            <a:ext cx="6480175" cy="1473200"/>
+          </a:xfrm>
+        </p:spPr>
+        <p:txBody>
+          <a:bodyPr/>
+          <a:lstStyle/>
+          <a:p>
+            <a:pPr lvl="0"/>
+            <a:r>
+              <a:rPr lang="en-US" noProof="1" smtClean="0"/>
+              <a:t>ASP.NET AJAX</a:t>
+            </a:r>
+          </a:p>
+        </p:txBody>
+      </p:sp>
+    </p:spTree>
+  </p:cSld>
+  <p:clrMapOvr>
+    <a:masterClrMapping/>
+  </p:clrMapOvr>
+  <p:transition/>
+  <p:timing>
+    <p:tnLst>
+      <p:par>
+        <p:cTn id="1" dur="indefinite" restart="never" nodeType="tmRoot"/>
+      </p:par>
+    </p:tnLst>
+  </p:timing>
+</p:sld>
+</file>
+
+<file path=ppt/slides/slide7.xml><?xml version="1.0" encoding="utf-8"?>
+<p:sld xmlns:a="http://schemas.openxmlformats.org/drawingml/2006/main" xmlns:r="http://schemas.openxmlformats.org/officeDocument/2006/relationships" xmlns:p="http://schemas.openxmlformats.org/presentationml/2006/main">
+  <p:cSld>
+    <p:spTree>
+      <p:nvGrpSpPr>
+        <p:cNvPr id="1" name=""/>
+        <p:cNvGrpSpPr/>
+        <p:nvPr/>
+      </p:nvGrpSpPr>
+      <p:grpSpPr>
+        <a:xfrm>
+          <a:off x="0" y="0"/>
+          <a:ext cx="0" cy="0"/>
+          <a:chOff x="0" y="0"/>
+          <a:chExt cx="0" cy="0"/>
+        </a:xfrm>
+      </p:grpSpPr>
+      <p:sp>
+        <p:nvSpPr>
+          <p:cNvPr id="472066" name="Rectangle 2"/>
+          <p:cNvSpPr>
+            <a:spLocks noGrp="1" noChangeArrowheads="1"/>
+          </p:cNvSpPr>
+          <p:nvPr>
+            <p:ph type="title" idx="4294967295"/>
+          </p:nvPr>
+        </p:nvSpPr>
+        <p:spPr>
+          <a:xfrm>
+            <a:off x="2411413" y="71438"/>
+            <a:ext cx="6553200" cy="909637"/>
+          </a:xfrm>
+          <a:prstGeom prst="rect">
+            <a:avLst/>
+          </a:prstGeom>
+        </p:spPr>
+        <p:txBody>
+          <a:bodyPr/>
+          <a:lstStyle/>
+          <a:p>
+            <a:pPr eaLnBrk="1" hangingPunct="1"/>
+            <a:r>
+              <a:rPr lang="en-US"/>
+              <a:t>What is ASP.NET AJAX</a:t>
+            </a:r>
+            <a:endParaRPr lang="en-US" sz="2800">
+              <a:solidFill>
+                <a:schemeClr val="accent1"/>
+              </a:solidFill>
+              <a:effectLst>
+                <a:outerShdw blurRad="38100" dist="38100" dir="2700000" algn="tl">
+                  <a:srgbClr val="000000"/>
+                </a:outerShdw>
+              </a:effectLst>
+            </a:endParaRPr>
+          </a:p>
+        </p:txBody>
+      </p:sp>
+      <p:sp>
+        <p:nvSpPr>
+          <p:cNvPr id="23556" name="Rectangle 4"/>
+          <p:cNvSpPr>
+            <a:spLocks noChangeArrowheads="1"/>
+          </p:cNvSpPr>
+          <p:nvPr/>
+        </p:nvSpPr>
+        <p:spPr bwMode="auto">
+          <a:xfrm>
+            <a:off x="381000" y="1268413"/>
+            <a:ext cx="8378825" cy="4962897"/>
+          </a:xfrm>
+          <a:prstGeom prst="rect">
+            <a:avLst/>
+          </a:prstGeom>
+          <a:noFill/>
+          <a:ln w="12700">
+            <a:noFill/>
+            <a:miter lim="800000"/>
+            <a:headEnd/>
+            <a:tailEnd/>
+          </a:ln>
+          <a:effectLst/>
+        </p:spPr>
+        <p:txBody>
+          <a:bodyPr>
+            <a:spAutoFit/>
+          </a:bodyPr>
+          <a:lstStyle/>
+          <a:p>
+            <a:pPr marL="452438" indent="-452438">
+              <a:lnSpc>
+                <a:spcPct val="95000"/>
+              </a:lnSpc>
+              <a:spcBef>
+                <a:spcPct val="40000"/>
+              </a:spcBef>
+              <a:buClr>
+                <a:schemeClr val="tx1"/>
+              </a:buClr>
+              <a:buFontTx/>
+              <a:buChar char="•"/>
+            </a:pPr>
+            <a:r>
+              <a:rPr lang="en-US" sz="3000" b="1" dirty="0" smtClean="0">
+                <a:solidFill>
+                  <a:schemeClr val="tx1">
+                    <a:lumMod val="20000"/>
+                    <a:lumOff val="80000"/>
+                  </a:schemeClr>
+                </a:solidFill>
+                <a:effectLst>
+                  <a:outerShdw blurRad="38100" dist="38100" dir="2700000" algn="tl">
+                    <a:srgbClr val="000000">
+                      <a:alpha val="43137"/>
+                    </a:srgbClr>
+                  </a:outerShdw>
+                </a:effectLst>
+                <a:latin typeface="+mn-lt"/>
+                <a:sym typeface="Wingdings" pitchFamily="2" charset="2"/>
+              </a:rPr>
+              <a:t>Framework </a:t>
+            </a:r>
+            <a:r>
+              <a:rPr lang="en-US" sz="3000" b="1" dirty="0">
+                <a:solidFill>
+                  <a:schemeClr val="tx1">
+                    <a:lumMod val="20000"/>
+                    <a:lumOff val="80000"/>
+                  </a:schemeClr>
+                </a:solidFill>
+                <a:effectLst>
+                  <a:outerShdw blurRad="38100" dist="38100" dir="2700000" algn="tl">
+                    <a:srgbClr val="000000">
+                      <a:alpha val="43137"/>
+                    </a:srgbClr>
+                  </a:outerShdw>
+                </a:effectLst>
+                <a:latin typeface="+mn-lt"/>
+                <a:sym typeface="Wingdings" pitchFamily="2" charset="2"/>
+              </a:rPr>
+              <a:t>for quickly creating efficient and interactive Web applications </a:t>
+            </a:r>
+          </a:p>
+          <a:p>
+            <a:pPr marL="452438" indent="-452438">
+              <a:lnSpc>
+                <a:spcPct val="95000"/>
+              </a:lnSpc>
+              <a:spcBef>
+                <a:spcPct val="40000"/>
+              </a:spcBef>
+              <a:buClr>
+                <a:schemeClr val="tx1"/>
+              </a:buClr>
+              <a:buFontTx/>
+              <a:buChar char="•"/>
+            </a:pPr>
+            <a:r>
+              <a:rPr lang="en-US" sz="3000" b="1" dirty="0">
+                <a:solidFill>
+                  <a:schemeClr val="tx1">
+                    <a:lumMod val="20000"/>
+                    <a:lumOff val="80000"/>
+                  </a:schemeClr>
+                </a:solidFill>
+                <a:effectLst>
+                  <a:outerShdw blurRad="38100" dist="38100" dir="2700000" algn="tl">
+                    <a:srgbClr val="000000">
+                      <a:alpha val="43137"/>
+                    </a:srgbClr>
+                  </a:outerShdw>
+                </a:effectLst>
+                <a:latin typeface="+mn-lt"/>
+                <a:sym typeface="Wingdings" pitchFamily="2" charset="2"/>
+              </a:rPr>
+              <a:t>Set of extensions to </a:t>
+            </a:r>
+            <a:r>
+              <a:rPr lang="en-US" sz="3000" b="1" dirty="0" smtClean="0">
+                <a:solidFill>
+                  <a:schemeClr val="tx1">
+                    <a:lumMod val="20000"/>
+                    <a:lumOff val="80000"/>
+                  </a:schemeClr>
+                </a:solidFill>
+                <a:effectLst>
+                  <a:outerShdw blurRad="38100" dist="38100" dir="2700000" algn="tl">
+                    <a:srgbClr val="000000">
+                      <a:alpha val="43137"/>
+                    </a:srgbClr>
+                  </a:outerShdw>
+                </a:effectLst>
+                <a:latin typeface="+mn-lt"/>
+                <a:sym typeface="Wingdings" pitchFamily="2" charset="2"/>
+              </a:rPr>
+              <a:t>ASP.NET</a:t>
+            </a:r>
+          </a:p>
+          <a:p>
+            <a:pPr marL="452438" indent="-452438">
+              <a:lnSpc>
+                <a:spcPct val="95000"/>
+              </a:lnSpc>
+              <a:spcBef>
+                <a:spcPct val="40000"/>
+              </a:spcBef>
+              <a:buClr>
+                <a:schemeClr val="tx1"/>
+              </a:buClr>
+              <a:buFontTx/>
+              <a:buChar char="•"/>
+            </a:pPr>
+            <a:r>
+              <a:rPr lang="en-US" sz="3000" b="1" dirty="0" smtClean="0">
+                <a:solidFill>
+                  <a:schemeClr val="tx1">
+                    <a:lumMod val="20000"/>
+                    <a:lumOff val="80000"/>
+                  </a:schemeClr>
+                </a:solidFill>
+                <a:effectLst>
+                  <a:outerShdw blurRad="38100" dist="38100" dir="2700000" algn="tl">
+                    <a:srgbClr val="000000">
+                      <a:alpha val="43137"/>
+                    </a:srgbClr>
+                  </a:outerShdw>
+                </a:effectLst>
+                <a:latin typeface="+mn-lt"/>
+                <a:sym typeface="Wingdings" pitchFamily="2" charset="2"/>
+              </a:rPr>
+              <a:t>Developed </a:t>
+            </a:r>
+            <a:r>
+              <a:rPr lang="en-US" sz="3000" b="1" dirty="0">
+                <a:solidFill>
+                  <a:schemeClr val="tx1">
+                    <a:lumMod val="20000"/>
+                    <a:lumOff val="80000"/>
+                  </a:schemeClr>
+                </a:solidFill>
+                <a:effectLst>
+                  <a:outerShdw blurRad="38100" dist="38100" dir="2700000" algn="tl">
+                    <a:srgbClr val="000000">
+                      <a:alpha val="43137"/>
+                    </a:srgbClr>
+                  </a:outerShdw>
+                </a:effectLst>
+                <a:latin typeface="+mn-lt"/>
+                <a:sym typeface="Wingdings" pitchFamily="2" charset="2"/>
+              </a:rPr>
+              <a:t>by Microsoft for implementing AJAX functionality</a:t>
+            </a:r>
+          </a:p>
+          <a:p>
+            <a:pPr marL="452438" indent="-452438">
+              <a:lnSpc>
+                <a:spcPct val="95000"/>
+              </a:lnSpc>
+              <a:spcBef>
+                <a:spcPct val="40000"/>
+              </a:spcBef>
+              <a:buClr>
+                <a:schemeClr val="tx1"/>
+              </a:buClr>
+              <a:buFontTx/>
+              <a:buChar char="•"/>
+            </a:pPr>
+            <a:r>
+              <a:rPr lang="en-US" sz="3000" b="1" dirty="0">
+                <a:solidFill>
+                  <a:schemeClr val="tx1">
+                    <a:lumMod val="20000"/>
+                    <a:lumOff val="80000"/>
+                  </a:schemeClr>
+                </a:solidFill>
+                <a:effectLst>
+                  <a:outerShdw blurRad="38100" dist="38100" dir="2700000" algn="tl">
+                    <a:srgbClr val="000000">
+                      <a:alpha val="43137"/>
+                    </a:srgbClr>
+                  </a:outerShdw>
+                </a:effectLst>
+                <a:latin typeface="+mn-lt"/>
+                <a:sym typeface="Wingdings" pitchFamily="2" charset="2"/>
+              </a:rPr>
+              <a:t>Easy-to-use, high-productivity framework</a:t>
+            </a:r>
+          </a:p>
+          <a:p>
+            <a:pPr marL="452438" indent="-452438">
+              <a:lnSpc>
+                <a:spcPct val="95000"/>
+              </a:lnSpc>
+              <a:spcBef>
+                <a:spcPct val="40000"/>
+              </a:spcBef>
+              <a:buClr>
+                <a:schemeClr val="tx1"/>
+              </a:buClr>
+              <a:buFontTx/>
+              <a:buChar char="•"/>
+            </a:pPr>
+            <a:r>
+              <a:rPr lang="en-US" sz="3000" b="1" dirty="0">
+                <a:solidFill>
+                  <a:schemeClr val="tx1">
+                    <a:lumMod val="20000"/>
+                    <a:lumOff val="80000"/>
+                  </a:schemeClr>
+                </a:solidFill>
+                <a:effectLst>
+                  <a:outerShdw blurRad="38100" dist="38100" dir="2700000" algn="tl">
+                    <a:srgbClr val="000000">
+                      <a:alpha val="43137"/>
+                    </a:srgbClr>
+                  </a:outerShdw>
+                </a:effectLst>
+                <a:latin typeface="+mn-lt"/>
+                <a:sym typeface="Wingdings" pitchFamily="2" charset="2"/>
+              </a:rPr>
+              <a:t>Full integration with server programming </a:t>
+            </a:r>
+            <a:r>
+              <a:rPr lang="en-US" sz="3000" b="1" dirty="0" smtClean="0">
+                <a:solidFill>
+                  <a:schemeClr val="tx1">
+                    <a:lumMod val="20000"/>
+                    <a:lumOff val="80000"/>
+                  </a:schemeClr>
+                </a:solidFill>
+                <a:effectLst>
+                  <a:outerShdw blurRad="38100" dist="38100" dir="2700000" algn="tl">
+                    <a:srgbClr val="000000">
+                      <a:alpha val="43137"/>
+                    </a:srgbClr>
+                  </a:outerShdw>
+                </a:effectLst>
+                <a:latin typeface="+mn-lt"/>
+                <a:sym typeface="Wingdings" pitchFamily="2" charset="2"/>
+              </a:rPr>
+              <a:t>model</a:t>
+            </a:r>
+          </a:p>
+          <a:p>
+            <a:pPr marL="452438" indent="-452438">
+              <a:lnSpc>
+                <a:spcPct val="95000"/>
+              </a:lnSpc>
+              <a:spcBef>
+                <a:spcPct val="40000"/>
+              </a:spcBef>
+              <a:buClr>
+                <a:schemeClr val="tx1"/>
+              </a:buClr>
+              <a:buFontTx/>
+              <a:buChar char="•"/>
+            </a:pPr>
+            <a:r>
+              <a:rPr lang="en-US" sz="3000" b="1" dirty="0" smtClean="0">
+                <a:solidFill>
+                  <a:schemeClr val="tx1">
+                    <a:lumMod val="20000"/>
+                    <a:lumOff val="80000"/>
+                  </a:schemeClr>
+                </a:solidFill>
+                <a:effectLst>
+                  <a:outerShdw blurRad="38100" dist="38100" dir="2700000" algn="tl">
+                    <a:srgbClr val="000000">
+                      <a:alpha val="43137"/>
+                    </a:srgbClr>
+                  </a:outerShdw>
+                </a:effectLst>
+                <a:sym typeface="Wingdings" pitchFamily="2" charset="2"/>
+              </a:rPr>
+              <a:t>Free</a:t>
+            </a:r>
+            <a:endParaRPr lang="en-US" sz="3000" b="1" dirty="0">
+              <a:solidFill>
+                <a:schemeClr val="tx1">
+                  <a:lumMod val="20000"/>
+                  <a:lumOff val="80000"/>
+                </a:schemeClr>
+              </a:solidFill>
+              <a:effectLst>
+                <a:outerShdw blurRad="38100" dist="38100" dir="2700000" algn="tl">
+                  <a:srgbClr val="000000">
+                    <a:alpha val="43137"/>
+                  </a:srgbClr>
+                </a:outerShdw>
+              </a:effectLst>
+              <a:latin typeface="+mn-lt"/>
+              <a:sym typeface="Wingdings" pitchFamily="2" charset="2"/>
+            </a:endParaRPr>
+          </a:p>
+        </p:txBody>
+      </p:sp>
+    </p:spTree>
+  </p:cSld>
+  <p:clrMapOvr>
+    <a:masterClrMapping/>
+  </p:clrMapOvr>
+  <p:transition advClick="0"/>
+  <p:timing>
+    <p:tnLst>
+      <p:par>
+        <p:cTn id="1" dur="indefinite" restart="never" nodeType="tmRoot"/>
+      </p:par>
+    </p:tnLst>
+  </p:timing>
+</p:sld>
+</file>
+
+<file path=ppt/slides/slide8.xml><?xml version="1.0" encoding="utf-8"?>
+<p:sld xmlns:a="http://schemas.openxmlformats.org/drawingml/2006/main" xmlns:r="http://schemas.openxmlformats.org/officeDocument/2006/relationships" xmlns:p="http://schemas.openxmlformats.org/presentationml/2006/main">
+  <p:cSld>
+    <p:spTree>
+      <p:nvGrpSpPr>
+        <p:cNvPr id="1" name=""/>
+        <p:cNvGrpSpPr/>
+        <p:nvPr/>
+      </p:nvGrpSpPr>
+      <p:grpSpPr>
+        <a:xfrm>
+          <a:off x="0" y="0"/>
+          <a:ext cx="0" cy="0"/>
+          <a:chOff x="0" y="0"/>
+          <a:chExt cx="0" cy="0"/>
+        </a:xfrm>
+      </p:grpSpPr>
+      <p:sp>
+        <p:nvSpPr>
+          <p:cNvPr id="481282" name="Rectangle 2"/>
+          <p:cNvSpPr>
+            <a:spLocks noGrp="1" noChangeArrowheads="1"/>
+          </p:cNvSpPr>
+          <p:nvPr>
+            <p:ph type="title" idx="4294967295"/>
+          </p:nvPr>
+        </p:nvSpPr>
+        <p:spPr>
+          <a:xfrm>
+            <a:off x="2411413" y="71438"/>
+            <a:ext cx="6553200" cy="909637"/>
+          </a:xfrm>
+          <a:prstGeom prst="rect">
+            <a:avLst/>
+          </a:prstGeom>
+        </p:spPr>
+        <p:txBody>
+          <a:bodyPr/>
+          <a:lstStyle/>
+          <a:p>
+            <a:pPr eaLnBrk="1" hangingPunct="1"/>
+            <a:r>
+              <a:rPr lang="en-US" sz="3600"/>
+              <a:t>What is ASP.NET AJAX (2)</a:t>
+            </a:r>
+            <a:endParaRPr lang="en-US" sz="2400">
+              <a:solidFill>
+                <a:schemeClr val="accent1"/>
+              </a:solidFill>
+              <a:effectLst>
+                <a:outerShdw blurRad="38100" dist="38100" dir="2700000" algn="tl">
+                  <a:srgbClr val="000000"/>
+                </a:outerShdw>
+              </a:effectLst>
+            </a:endParaRPr>
+          </a:p>
+        </p:txBody>
+      </p:sp>
+      <p:sp>
+        <p:nvSpPr>
+          <p:cNvPr id="23556" name="Rectangle 4"/>
+          <p:cNvSpPr>
+            <a:spLocks noChangeArrowheads="1"/>
+          </p:cNvSpPr>
+          <p:nvPr/>
+        </p:nvSpPr>
+        <p:spPr bwMode="auto">
+          <a:xfrm>
+            <a:off x="381000" y="1420813"/>
+            <a:ext cx="8378825" cy="2215991"/>
+          </a:xfrm>
+          <a:prstGeom prst="rect">
+            <a:avLst/>
+          </a:prstGeom>
+          <a:noFill/>
+          <a:ln w="12700">
+            <a:noFill/>
+            <a:miter lim="800000"/>
+            <a:headEnd/>
+            <a:tailEnd/>
+          </a:ln>
+          <a:effectLst/>
+        </p:spPr>
+        <p:txBody>
+          <a:bodyPr>
+            <a:spAutoFit/>
+          </a:bodyPr>
+          <a:lstStyle/>
+          <a:p>
+            <a:pPr marL="452438" indent="-452438">
+              <a:lnSpc>
+                <a:spcPct val="95000"/>
+              </a:lnSpc>
+              <a:spcBef>
+                <a:spcPct val="40000"/>
+              </a:spcBef>
+              <a:buClr>
+                <a:schemeClr val="tx1"/>
+              </a:buClr>
+              <a:buFontTx/>
+              <a:buChar char="•"/>
+            </a:pPr>
+            <a:r>
+              <a:rPr lang="en-US" sz="3000" b="1" noProof="1">
+                <a:solidFill>
+                  <a:schemeClr val="tx1">
+                    <a:lumMod val="20000"/>
+                    <a:lumOff val="80000"/>
+                  </a:schemeClr>
+                </a:solidFill>
+                <a:effectLst>
+                  <a:outerShdw blurRad="38100" dist="38100" dir="2700000" algn="tl">
+                    <a:srgbClr val="000000">
+                      <a:alpha val="43137"/>
+                    </a:srgbClr>
+                  </a:outerShdw>
+                </a:effectLst>
+                <a:latin typeface="+mn-lt"/>
+                <a:sym typeface="Wingdings" pitchFamily="2" charset="2"/>
+              </a:rPr>
+              <a:t>World-class tools for AJAX-style applications</a:t>
+            </a:r>
+          </a:p>
+          <a:p>
+            <a:pPr marL="452438" indent="-452438">
+              <a:lnSpc>
+                <a:spcPct val="95000"/>
+              </a:lnSpc>
+              <a:spcBef>
+                <a:spcPct val="40000"/>
+              </a:spcBef>
+              <a:buClr>
+                <a:schemeClr val="tx1"/>
+              </a:buClr>
+              <a:buFontTx/>
+              <a:buChar char="•"/>
+            </a:pPr>
+            <a:r>
+              <a:rPr lang="en-US" sz="3000" b="1" noProof="1">
+                <a:solidFill>
+                  <a:schemeClr val="tx1">
+                    <a:lumMod val="20000"/>
+                    <a:lumOff val="80000"/>
+                  </a:schemeClr>
+                </a:solidFill>
+                <a:effectLst>
+                  <a:outerShdw blurRad="38100" dist="38100" dir="2700000" algn="tl">
+                    <a:srgbClr val="000000">
+                      <a:alpha val="43137"/>
+                    </a:srgbClr>
+                  </a:outerShdw>
+                </a:effectLst>
+                <a:latin typeface="+mn-lt"/>
+                <a:sym typeface="Wingdings" pitchFamily="2" charset="2"/>
+              </a:rPr>
+              <a:t>Cross-platform</a:t>
+            </a:r>
+            <a:endParaRPr lang="en-US" sz="3000" b="1" dirty="0">
+              <a:solidFill>
+                <a:schemeClr val="tx1">
+                  <a:lumMod val="20000"/>
+                  <a:lumOff val="80000"/>
+                </a:schemeClr>
+              </a:solidFill>
+              <a:effectLst>
+                <a:outerShdw blurRad="38100" dist="38100" dir="2700000" algn="tl">
+                  <a:srgbClr val="000000">
+                    <a:alpha val="43137"/>
+                  </a:srgbClr>
+                </a:outerShdw>
+              </a:effectLst>
+              <a:latin typeface="+mn-lt"/>
+              <a:sym typeface="Wingdings" pitchFamily="2" charset="2"/>
+            </a:endParaRPr>
+          </a:p>
+          <a:p>
+            <a:pPr marL="452438" indent="-452438">
+              <a:lnSpc>
+                <a:spcPct val="95000"/>
+              </a:lnSpc>
+              <a:spcBef>
+                <a:spcPct val="40000"/>
+              </a:spcBef>
+              <a:buClr>
+                <a:schemeClr val="tx1"/>
+              </a:buClr>
+              <a:buFontTx/>
+              <a:buChar char="•"/>
+            </a:pPr>
+            <a:r>
+              <a:rPr lang="en-US" sz="3000" b="1" dirty="0">
+                <a:solidFill>
+                  <a:schemeClr val="tx1">
+                    <a:lumMod val="20000"/>
+                    <a:lumOff val="80000"/>
+                  </a:schemeClr>
+                </a:solidFill>
+                <a:effectLst>
+                  <a:outerShdw blurRad="38100" dist="38100" dir="2700000" algn="tl">
+                    <a:srgbClr val="000000">
+                      <a:alpha val="43137"/>
+                    </a:srgbClr>
+                  </a:outerShdw>
+                </a:effectLst>
+                <a:latin typeface="+mn-lt"/>
+                <a:sym typeface="Wingdings" pitchFamily="2" charset="2"/>
+              </a:rPr>
+              <a:t>W</a:t>
+            </a:r>
+            <a:r>
+              <a:rPr lang="en-US" sz="3000" b="1" noProof="1">
+                <a:solidFill>
+                  <a:schemeClr val="tx1">
+                    <a:lumMod val="20000"/>
+                    <a:lumOff val="80000"/>
+                  </a:schemeClr>
+                </a:solidFill>
+                <a:effectLst>
+                  <a:outerShdw blurRad="38100" dist="38100" dir="2700000" algn="tl">
+                    <a:srgbClr val="000000">
+                      <a:alpha val="43137"/>
+                    </a:srgbClr>
+                  </a:outerShdw>
+                </a:effectLst>
+                <a:latin typeface="+mn-lt"/>
+                <a:sym typeface="Wingdings" pitchFamily="2" charset="2"/>
+              </a:rPr>
+              <a:t>orks on all modern browsers: </a:t>
+            </a:r>
+            <a:r>
+              <a:rPr lang="en-US" sz="3000" b="1" dirty="0">
+                <a:solidFill>
+                  <a:schemeClr val="tx1">
+                    <a:lumMod val="20000"/>
+                    <a:lumOff val="80000"/>
+                  </a:schemeClr>
+                </a:solidFill>
+                <a:effectLst>
+                  <a:outerShdw blurRad="38100" dist="38100" dir="2700000" algn="tl">
+                    <a:srgbClr val="000000">
+                      <a:alpha val="43137"/>
+                    </a:srgbClr>
+                  </a:outerShdw>
+                </a:effectLst>
+                <a:latin typeface="+mn-lt"/>
+                <a:sym typeface="Wingdings" pitchFamily="2" charset="2"/>
+              </a:rPr>
+              <a:t/>
+            </a:r>
+            <a:br>
+              <a:rPr lang="en-US" sz="3000" b="1" dirty="0">
+                <a:solidFill>
+                  <a:schemeClr val="tx1">
+                    <a:lumMod val="20000"/>
+                    <a:lumOff val="80000"/>
+                  </a:schemeClr>
+                </a:solidFill>
+                <a:effectLst>
+                  <a:outerShdw blurRad="38100" dist="38100" dir="2700000" algn="tl">
+                    <a:srgbClr val="000000">
+                      <a:alpha val="43137"/>
+                    </a:srgbClr>
+                  </a:outerShdw>
+                </a:effectLst>
+                <a:latin typeface="+mn-lt"/>
+                <a:sym typeface="Wingdings" pitchFamily="2" charset="2"/>
+              </a:rPr>
+            </a:br>
+            <a:r>
+              <a:rPr lang="en-US" sz="3000" b="1" noProof="1">
+                <a:solidFill>
+                  <a:schemeClr val="tx1">
+                    <a:lumMod val="20000"/>
+                    <a:lumOff val="80000"/>
+                  </a:schemeClr>
+                </a:solidFill>
+                <a:effectLst>
+                  <a:outerShdw blurRad="38100" dist="38100" dir="2700000" algn="tl">
+                    <a:srgbClr val="000000">
+                      <a:alpha val="43137"/>
+                    </a:srgbClr>
+                  </a:outerShdw>
+                </a:effectLst>
+                <a:latin typeface="+mn-lt"/>
+                <a:sym typeface="Wingdings" pitchFamily="2" charset="2"/>
+              </a:rPr>
+              <a:t>Internet Explorer, Firefox, Safari and Opera</a:t>
+            </a:r>
+            <a:endParaRPr lang="en-US" sz="3000" b="1" dirty="0">
+              <a:solidFill>
+                <a:schemeClr val="tx1">
+                  <a:lumMod val="20000"/>
+                  <a:lumOff val="80000"/>
+                </a:schemeClr>
+              </a:solidFill>
+              <a:effectLst>
+                <a:outerShdw blurRad="38100" dist="38100" dir="2700000" algn="tl">
+                  <a:srgbClr val="000000">
+                    <a:alpha val="43137"/>
+                  </a:srgbClr>
+                </a:outerShdw>
+              </a:effectLst>
+              <a:latin typeface="+mn-lt"/>
+              <a:sym typeface="Wingdings" pitchFamily="2" charset="2"/>
+            </a:endParaRPr>
+          </a:p>
+        </p:txBody>
+      </p:sp>
+    </p:spTree>
+  </p:cSld>
+  <p:clrMapOvr>
+    <a:masterClrMapping/>
+  </p:clrMapOvr>
+  <p:transition advClick="0"/>
+  <p:timing>
+    <p:tnLst>
+      <p:par>
+        <p:cTn id="1" dur="indefinite" restart="never" nodeType="tmRoot"/>
+      </p:par>
+    </p:tnLst>
+  </p:timing>
+</p:sld>
+</file>
+
+<file path=ppt/slides/slide9.xml><?xml version="1.0" encoding="utf-8"?>
+<p:sld xmlns:a="http://schemas.openxmlformats.org/drawingml/2006/main" xmlns:r="http://schemas.openxmlformats.org/officeDocument/2006/relationships" xmlns:p="http://schemas.openxmlformats.org/presentationml/2006/main">
+  <p:cSld>
+    <p:spTree>
+      <p:nvGrpSpPr>
+        <p:cNvPr id="1" name=""/>
+        <p:cNvGrpSpPr/>
+        <p:nvPr/>
+      </p:nvGrpSpPr>
+      <p:grpSpPr>
+        <a:xfrm>
+          <a:off x="0" y="0"/>
+          <a:ext cx="0" cy="0"/>
+          <a:chOff x="0" y="0"/>
+          <a:chExt cx="0" cy="0"/>
+        </a:xfrm>
+      </p:grpSpPr>
+      <p:sp>
+        <p:nvSpPr>
+          <p:cNvPr id="467970" name="Rectangle 2"/>
+          <p:cNvSpPr>
+            <a:spLocks noGrp="1" noChangeArrowheads="1"/>
+          </p:cNvSpPr>
+          <p:nvPr>
+            <p:ph type="ctrTitle"/>
+          </p:nvPr>
+        </p:nvSpPr>
+        <p:spPr>
+          <a:xfrm>
+            <a:off x="1187450" y="2636838"/>
+            <a:ext cx="6480175" cy="1473200"/>
+          </a:xfrm>
+        </p:spPr>
+        <p:txBody>
+          <a:bodyPr/>
+          <a:lstStyle/>
+          <a:p>
+            <a:pPr>
+              <a:lnSpc>
+                <a:spcPct val="110000"/>
+              </a:lnSpc>
+            </a:pPr>
+            <a:r>
+              <a:rPr lang="en-US" dirty="0"/>
+              <a:t>ASP.NET AJAX Server Controls</a:t>
+            </a:r>
+            <a:endParaRPr lang="bg-BG" dirty="0"/>
+          </a:p>
+        </p:txBody>
+      </p:sp>
+    </p:spTree>
+  </p:cSld>
+  <p:clrMapOvr>
+    <a:masterClrMapping/>
+  </p:clrMapOvr>
+  <p:transition/>
+  <p:timing>
+    <p:tnLst>
+      <p:par>
+        <p:cTn id="1" dur="indefinite" restart="never" nodeType="tmRoot"/>
+      </p:par>
+    </p:tnLst>
+  </p:timing>
 </p:sld>
 </file>
 
